--- a/Layers.pptx
+++ b/Layers.pptx
@@ -6,6 +6,11 @@
   </p:sldMasterIdLst>
   <p:sldIdLst>
     <p:sldId id="256" r:id="rId7"/>
+    <p:sldId id="257" r:id="rId8"/>
+    <p:sldId id="258" r:id="rId9"/>
+    <p:sldId id="259" r:id="rId10"/>
+    <p:sldId id="260" r:id="rId11"/>
+    <p:sldId id="261" r:id="rId12"/>
   </p:sldIdLst>
   <p:sldSz cx="9144000" cy="6858000" type="screen4x3"/>
   <p:notesSz cx="6858000" cy="9144000"/>
@@ -3079,6 +3084,216 @@
 </file>
 
 <file path=ppt/slides/slide1.xml><?xml version="1.0" encoding="utf-8"?>
+<p:sld xmlns:a="http://schemas.openxmlformats.org/drawingml/2006/main" xmlns:p="http://schemas.openxmlformats.org/presentationml/2006/main" xmlns:r="http://schemas.openxmlformats.org/officeDocument/2006/relationships">
+  <p:cSld>
+    <p:spTree>
+      <p:nvGrpSpPr>
+        <p:cNvPr id="1" name=""/>
+        <p:cNvGrpSpPr/>
+        <p:nvPr/>
+      </p:nvGrpSpPr>
+      <p:grpSpPr/>
+      <p:pic>
+        <p:nvPicPr>
+          <p:cNvPr id="2" name="Picture 1" descr="Layers.png"/>
+          <p:cNvPicPr>
+            <a:picLocks noChangeAspect="1"/>
+          </p:cNvPicPr>
+          <p:nvPr/>
+        </p:nvPicPr>
+        <p:blipFill>
+          <a:blip r:embed="rId2"/>
+          <a:stretch>
+            <a:fillRect/>
+          </a:stretch>
+        </p:blipFill>
+        <p:spPr>
+          <a:xfrm>
+            <a:off x="1097280" y="0"/>
+            <a:ext cx="6400800" cy="6400800"/>
+          </a:xfrm>
+          <a:prstGeom prst="rect">
+            <a:avLst/>
+          </a:prstGeom>
+        </p:spPr>
+      </p:pic>
+    </p:spTree>
+  </p:cSld>
+  <p:clrMapOvr>
+    <a:masterClrMapping/>
+  </p:clrMapOvr>
+</p:sld>
+</file>
+
+<file path=ppt/slides/slide2.xml><?xml version="1.0" encoding="utf-8"?>
+<p:sld xmlns:a="http://schemas.openxmlformats.org/drawingml/2006/main" xmlns:p="http://schemas.openxmlformats.org/presentationml/2006/main" xmlns:r="http://schemas.openxmlformats.org/officeDocument/2006/relationships">
+  <p:cSld>
+    <p:spTree>
+      <p:nvGrpSpPr>
+        <p:cNvPr id="1" name=""/>
+        <p:cNvGrpSpPr/>
+        <p:nvPr/>
+      </p:nvGrpSpPr>
+      <p:grpSpPr/>
+      <p:pic>
+        <p:nvPicPr>
+          <p:cNvPr id="2" name="Picture 1" descr="Layers.png"/>
+          <p:cNvPicPr>
+            <a:picLocks noChangeAspect="1"/>
+          </p:cNvPicPr>
+          <p:nvPr/>
+        </p:nvPicPr>
+        <p:blipFill>
+          <a:blip r:embed="rId2"/>
+          <a:stretch>
+            <a:fillRect/>
+          </a:stretch>
+        </p:blipFill>
+        <p:spPr>
+          <a:xfrm>
+            <a:off x="1097280" y="0"/>
+            <a:ext cx="6400800" cy="6400800"/>
+          </a:xfrm>
+          <a:prstGeom prst="rect">
+            <a:avLst/>
+          </a:prstGeom>
+        </p:spPr>
+      </p:pic>
+    </p:spTree>
+  </p:cSld>
+  <p:clrMapOvr>
+    <a:masterClrMapping/>
+  </p:clrMapOvr>
+</p:sld>
+</file>
+
+<file path=ppt/slides/slide3.xml><?xml version="1.0" encoding="utf-8"?>
+<p:sld xmlns:a="http://schemas.openxmlformats.org/drawingml/2006/main" xmlns:p="http://schemas.openxmlformats.org/presentationml/2006/main" xmlns:r="http://schemas.openxmlformats.org/officeDocument/2006/relationships">
+  <p:cSld>
+    <p:spTree>
+      <p:nvGrpSpPr>
+        <p:cNvPr id="1" name=""/>
+        <p:cNvGrpSpPr/>
+        <p:nvPr/>
+      </p:nvGrpSpPr>
+      <p:grpSpPr/>
+      <p:pic>
+        <p:nvPicPr>
+          <p:cNvPr id="2" name="Picture 1" descr="Layers.png"/>
+          <p:cNvPicPr>
+            <a:picLocks noChangeAspect="1"/>
+          </p:cNvPicPr>
+          <p:nvPr/>
+        </p:nvPicPr>
+        <p:blipFill>
+          <a:blip r:embed="rId2"/>
+          <a:stretch>
+            <a:fillRect/>
+          </a:stretch>
+        </p:blipFill>
+        <p:spPr>
+          <a:xfrm>
+            <a:off x="1097280" y="0"/>
+            <a:ext cx="6400800" cy="6400800"/>
+          </a:xfrm>
+          <a:prstGeom prst="rect">
+            <a:avLst/>
+          </a:prstGeom>
+        </p:spPr>
+      </p:pic>
+    </p:spTree>
+  </p:cSld>
+  <p:clrMapOvr>
+    <a:masterClrMapping/>
+  </p:clrMapOvr>
+</p:sld>
+</file>
+
+<file path=ppt/slides/slide4.xml><?xml version="1.0" encoding="utf-8"?>
+<p:sld xmlns:a="http://schemas.openxmlformats.org/drawingml/2006/main" xmlns:p="http://schemas.openxmlformats.org/presentationml/2006/main" xmlns:r="http://schemas.openxmlformats.org/officeDocument/2006/relationships">
+  <p:cSld>
+    <p:spTree>
+      <p:nvGrpSpPr>
+        <p:cNvPr id="1" name=""/>
+        <p:cNvGrpSpPr/>
+        <p:nvPr/>
+      </p:nvGrpSpPr>
+      <p:grpSpPr/>
+      <p:pic>
+        <p:nvPicPr>
+          <p:cNvPr id="2" name="Picture 1" descr="Layers.png"/>
+          <p:cNvPicPr>
+            <a:picLocks noChangeAspect="1"/>
+          </p:cNvPicPr>
+          <p:nvPr/>
+        </p:nvPicPr>
+        <p:blipFill>
+          <a:blip r:embed="rId2"/>
+          <a:stretch>
+            <a:fillRect/>
+          </a:stretch>
+        </p:blipFill>
+        <p:spPr>
+          <a:xfrm>
+            <a:off x="1097280" y="0"/>
+            <a:ext cx="6400800" cy="6400800"/>
+          </a:xfrm>
+          <a:prstGeom prst="rect">
+            <a:avLst/>
+          </a:prstGeom>
+        </p:spPr>
+      </p:pic>
+    </p:spTree>
+  </p:cSld>
+  <p:clrMapOvr>
+    <a:masterClrMapping/>
+  </p:clrMapOvr>
+</p:sld>
+</file>
+
+<file path=ppt/slides/slide5.xml><?xml version="1.0" encoding="utf-8"?>
+<p:sld xmlns:a="http://schemas.openxmlformats.org/drawingml/2006/main" xmlns:p="http://schemas.openxmlformats.org/presentationml/2006/main" xmlns:r="http://schemas.openxmlformats.org/officeDocument/2006/relationships">
+  <p:cSld>
+    <p:spTree>
+      <p:nvGrpSpPr>
+        <p:cNvPr id="1" name=""/>
+        <p:cNvGrpSpPr/>
+        <p:nvPr/>
+      </p:nvGrpSpPr>
+      <p:grpSpPr/>
+      <p:pic>
+        <p:nvPicPr>
+          <p:cNvPr id="2" name="Picture 1" descr="Layers.png"/>
+          <p:cNvPicPr>
+            <a:picLocks noChangeAspect="1"/>
+          </p:cNvPicPr>
+          <p:nvPr/>
+        </p:nvPicPr>
+        <p:blipFill>
+          <a:blip r:embed="rId2"/>
+          <a:stretch>
+            <a:fillRect/>
+          </a:stretch>
+        </p:blipFill>
+        <p:spPr>
+          <a:xfrm>
+            <a:off x="1097280" y="0"/>
+            <a:ext cx="6400800" cy="6400800"/>
+          </a:xfrm>
+          <a:prstGeom prst="rect">
+            <a:avLst/>
+          </a:prstGeom>
+        </p:spPr>
+      </p:pic>
+    </p:spTree>
+  </p:cSld>
+  <p:clrMapOvr>
+    <a:masterClrMapping/>
+  </p:clrMapOvr>
+</p:sld>
+</file>
+
+<file path=ppt/slides/slide6.xml><?xml version="1.0" encoding="utf-8"?>
 <p:sld xmlns:a="http://schemas.openxmlformats.org/drawingml/2006/main" xmlns:p="http://schemas.openxmlformats.org/presentationml/2006/main" xmlns:r="http://schemas.openxmlformats.org/officeDocument/2006/relationships">
   <p:cSld>
     <p:spTree>

--- a/Layers.pptx
+++ b/Layers.pptx
@@ -11,6 +11,9 @@
     <p:sldId id="259" r:id="rId10"/>
     <p:sldId id="260" r:id="rId11"/>
     <p:sldId id="261" r:id="rId12"/>
+    <p:sldId id="262" r:id="rId13"/>
+    <p:sldId id="263" r:id="rId14"/>
+    <p:sldId id="264" r:id="rId15"/>
   </p:sldIdLst>
   <p:sldSz cx="9144000" cy="6858000" type="screen4x3"/>
   <p:notesSz cx="6858000" cy="9144000"/>
@@ -3335,6 +3338,132 @@
 </p:sld>
 </file>
 
+<file path=ppt/slides/slide7.xml><?xml version="1.0" encoding="utf-8"?>
+<p:sld xmlns:a="http://schemas.openxmlformats.org/drawingml/2006/main" xmlns:p="http://schemas.openxmlformats.org/presentationml/2006/main" xmlns:r="http://schemas.openxmlformats.org/officeDocument/2006/relationships">
+  <p:cSld>
+    <p:spTree>
+      <p:nvGrpSpPr>
+        <p:cNvPr id="1" name=""/>
+        <p:cNvGrpSpPr/>
+        <p:nvPr/>
+      </p:nvGrpSpPr>
+      <p:grpSpPr/>
+      <p:pic>
+        <p:nvPicPr>
+          <p:cNvPr id="2" name="Picture 1" descr="Layers.png"/>
+          <p:cNvPicPr>
+            <a:picLocks noChangeAspect="1"/>
+          </p:cNvPicPr>
+          <p:nvPr/>
+        </p:nvPicPr>
+        <p:blipFill>
+          <a:blip r:embed="rId2"/>
+          <a:stretch>
+            <a:fillRect/>
+          </a:stretch>
+        </p:blipFill>
+        <p:spPr>
+          <a:xfrm>
+            <a:off x="1097280" y="0"/>
+            <a:ext cx="6400800" cy="6400800"/>
+          </a:xfrm>
+          <a:prstGeom prst="rect">
+            <a:avLst/>
+          </a:prstGeom>
+        </p:spPr>
+      </p:pic>
+    </p:spTree>
+  </p:cSld>
+  <p:clrMapOvr>
+    <a:masterClrMapping/>
+  </p:clrMapOvr>
+</p:sld>
+</file>
+
+<file path=ppt/slides/slide8.xml><?xml version="1.0" encoding="utf-8"?>
+<p:sld xmlns:a="http://schemas.openxmlformats.org/drawingml/2006/main" xmlns:p="http://schemas.openxmlformats.org/presentationml/2006/main" xmlns:r="http://schemas.openxmlformats.org/officeDocument/2006/relationships">
+  <p:cSld>
+    <p:spTree>
+      <p:nvGrpSpPr>
+        <p:cNvPr id="1" name=""/>
+        <p:cNvGrpSpPr/>
+        <p:nvPr/>
+      </p:nvGrpSpPr>
+      <p:grpSpPr/>
+      <p:pic>
+        <p:nvPicPr>
+          <p:cNvPr id="2" name="Picture 1" descr="Layers.png"/>
+          <p:cNvPicPr>
+            <a:picLocks noChangeAspect="1"/>
+          </p:cNvPicPr>
+          <p:nvPr/>
+        </p:nvPicPr>
+        <p:blipFill>
+          <a:blip r:embed="rId2"/>
+          <a:stretch>
+            <a:fillRect/>
+          </a:stretch>
+        </p:blipFill>
+        <p:spPr>
+          <a:xfrm>
+            <a:off x="1097280" y="0"/>
+            <a:ext cx="6400800" cy="6400800"/>
+          </a:xfrm>
+          <a:prstGeom prst="rect">
+            <a:avLst/>
+          </a:prstGeom>
+        </p:spPr>
+      </p:pic>
+    </p:spTree>
+  </p:cSld>
+  <p:clrMapOvr>
+    <a:masterClrMapping/>
+  </p:clrMapOvr>
+</p:sld>
+</file>
+
+<file path=ppt/slides/slide9.xml><?xml version="1.0" encoding="utf-8"?>
+<p:sld xmlns:a="http://schemas.openxmlformats.org/drawingml/2006/main" xmlns:p="http://schemas.openxmlformats.org/presentationml/2006/main" xmlns:r="http://schemas.openxmlformats.org/officeDocument/2006/relationships">
+  <p:cSld>
+    <p:spTree>
+      <p:nvGrpSpPr>
+        <p:cNvPr id="1" name=""/>
+        <p:cNvGrpSpPr/>
+        <p:nvPr/>
+      </p:nvGrpSpPr>
+      <p:grpSpPr/>
+      <p:pic>
+        <p:nvPicPr>
+          <p:cNvPr id="2" name="Picture 1" descr="Layers.png"/>
+          <p:cNvPicPr>
+            <a:picLocks noChangeAspect="1"/>
+          </p:cNvPicPr>
+          <p:nvPr/>
+        </p:nvPicPr>
+        <p:blipFill>
+          <a:blip r:embed="rId2"/>
+          <a:stretch>
+            <a:fillRect/>
+          </a:stretch>
+        </p:blipFill>
+        <p:spPr>
+          <a:xfrm>
+            <a:off x="1097280" y="0"/>
+            <a:ext cx="6400800" cy="6400800"/>
+          </a:xfrm>
+          <a:prstGeom prst="rect">
+            <a:avLst/>
+          </a:prstGeom>
+        </p:spPr>
+      </p:pic>
+    </p:spTree>
+  </p:cSld>
+  <p:clrMapOvr>
+    <a:masterClrMapping/>
+  </p:clrMapOvr>
+</p:sld>
+</file>
+
 <file path=ppt/theme/theme1.xml><?xml version="1.0" encoding="utf-8"?>
 <a:theme xmlns:a="http://schemas.openxmlformats.org/drawingml/2006/main" name="Office Theme">
   <a:themeElements>

--- a/Layers.pptx
+++ b/Layers.pptx
@@ -8,12 +8,6 @@
     <p:sldId id="256" r:id="rId7"/>
     <p:sldId id="257" r:id="rId8"/>
     <p:sldId id="258" r:id="rId9"/>
-    <p:sldId id="259" r:id="rId10"/>
-    <p:sldId id="260" r:id="rId11"/>
-    <p:sldId id="261" r:id="rId12"/>
-    <p:sldId id="262" r:id="rId13"/>
-    <p:sldId id="263" r:id="rId14"/>
-    <p:sldId id="264" r:id="rId15"/>
   </p:sldIdLst>
   <p:sldSz cx="9144000" cy="6858000" type="screen4x3"/>
   <p:notesSz cx="6858000" cy="9144000"/>
@@ -3112,8 +3106,8 @@
         </p:blipFill>
         <p:spPr>
           <a:xfrm>
-            <a:off x="1097280" y="0"/>
-            <a:ext cx="6400800" cy="6400800"/>
+            <a:off x="-914400" y="-3657600"/>
+            <a:ext cx="10972800" cy="10972800"/>
           </a:xfrm>
           <a:prstGeom prst="rect">
             <a:avLst/>
@@ -3154,8 +3148,8 @@
         </p:blipFill>
         <p:spPr>
           <a:xfrm>
-            <a:off x="1097280" y="0"/>
-            <a:ext cx="6400800" cy="6400800"/>
+            <a:off x="-914400" y="-3657600"/>
+            <a:ext cx="10972800" cy="10972800"/>
           </a:xfrm>
           <a:prstGeom prst="rect">
             <a:avLst/>
@@ -3196,260 +3190,8 @@
         </p:blipFill>
         <p:spPr>
           <a:xfrm>
-            <a:off x="1097280" y="0"/>
-            <a:ext cx="6400800" cy="6400800"/>
-          </a:xfrm>
-          <a:prstGeom prst="rect">
-            <a:avLst/>
-          </a:prstGeom>
-        </p:spPr>
-      </p:pic>
-    </p:spTree>
-  </p:cSld>
-  <p:clrMapOvr>
-    <a:masterClrMapping/>
-  </p:clrMapOvr>
-</p:sld>
-</file>
-
-<file path=ppt/slides/slide4.xml><?xml version="1.0" encoding="utf-8"?>
-<p:sld xmlns:a="http://schemas.openxmlformats.org/drawingml/2006/main" xmlns:p="http://schemas.openxmlformats.org/presentationml/2006/main" xmlns:r="http://schemas.openxmlformats.org/officeDocument/2006/relationships">
-  <p:cSld>
-    <p:spTree>
-      <p:nvGrpSpPr>
-        <p:cNvPr id="1" name=""/>
-        <p:cNvGrpSpPr/>
-        <p:nvPr/>
-      </p:nvGrpSpPr>
-      <p:grpSpPr/>
-      <p:pic>
-        <p:nvPicPr>
-          <p:cNvPr id="2" name="Picture 1" descr="Layers.png"/>
-          <p:cNvPicPr>
-            <a:picLocks noChangeAspect="1"/>
-          </p:cNvPicPr>
-          <p:nvPr/>
-        </p:nvPicPr>
-        <p:blipFill>
-          <a:blip r:embed="rId2"/>
-          <a:stretch>
-            <a:fillRect/>
-          </a:stretch>
-        </p:blipFill>
-        <p:spPr>
-          <a:xfrm>
-            <a:off x="1097280" y="0"/>
-            <a:ext cx="6400800" cy="6400800"/>
-          </a:xfrm>
-          <a:prstGeom prst="rect">
-            <a:avLst/>
-          </a:prstGeom>
-        </p:spPr>
-      </p:pic>
-    </p:spTree>
-  </p:cSld>
-  <p:clrMapOvr>
-    <a:masterClrMapping/>
-  </p:clrMapOvr>
-</p:sld>
-</file>
-
-<file path=ppt/slides/slide5.xml><?xml version="1.0" encoding="utf-8"?>
-<p:sld xmlns:a="http://schemas.openxmlformats.org/drawingml/2006/main" xmlns:p="http://schemas.openxmlformats.org/presentationml/2006/main" xmlns:r="http://schemas.openxmlformats.org/officeDocument/2006/relationships">
-  <p:cSld>
-    <p:spTree>
-      <p:nvGrpSpPr>
-        <p:cNvPr id="1" name=""/>
-        <p:cNvGrpSpPr/>
-        <p:nvPr/>
-      </p:nvGrpSpPr>
-      <p:grpSpPr/>
-      <p:pic>
-        <p:nvPicPr>
-          <p:cNvPr id="2" name="Picture 1" descr="Layers.png"/>
-          <p:cNvPicPr>
-            <a:picLocks noChangeAspect="1"/>
-          </p:cNvPicPr>
-          <p:nvPr/>
-        </p:nvPicPr>
-        <p:blipFill>
-          <a:blip r:embed="rId2"/>
-          <a:stretch>
-            <a:fillRect/>
-          </a:stretch>
-        </p:blipFill>
-        <p:spPr>
-          <a:xfrm>
-            <a:off x="1097280" y="0"/>
-            <a:ext cx="6400800" cy="6400800"/>
-          </a:xfrm>
-          <a:prstGeom prst="rect">
-            <a:avLst/>
-          </a:prstGeom>
-        </p:spPr>
-      </p:pic>
-    </p:spTree>
-  </p:cSld>
-  <p:clrMapOvr>
-    <a:masterClrMapping/>
-  </p:clrMapOvr>
-</p:sld>
-</file>
-
-<file path=ppt/slides/slide6.xml><?xml version="1.0" encoding="utf-8"?>
-<p:sld xmlns:a="http://schemas.openxmlformats.org/drawingml/2006/main" xmlns:p="http://schemas.openxmlformats.org/presentationml/2006/main" xmlns:r="http://schemas.openxmlformats.org/officeDocument/2006/relationships">
-  <p:cSld>
-    <p:spTree>
-      <p:nvGrpSpPr>
-        <p:cNvPr id="1" name=""/>
-        <p:cNvGrpSpPr/>
-        <p:nvPr/>
-      </p:nvGrpSpPr>
-      <p:grpSpPr/>
-      <p:pic>
-        <p:nvPicPr>
-          <p:cNvPr id="2" name="Picture 1" descr="Layers.png"/>
-          <p:cNvPicPr>
-            <a:picLocks noChangeAspect="1"/>
-          </p:cNvPicPr>
-          <p:nvPr/>
-        </p:nvPicPr>
-        <p:blipFill>
-          <a:blip r:embed="rId2"/>
-          <a:stretch>
-            <a:fillRect/>
-          </a:stretch>
-        </p:blipFill>
-        <p:spPr>
-          <a:xfrm>
-            <a:off x="1097280" y="0"/>
-            <a:ext cx="6400800" cy="6400800"/>
-          </a:xfrm>
-          <a:prstGeom prst="rect">
-            <a:avLst/>
-          </a:prstGeom>
-        </p:spPr>
-      </p:pic>
-    </p:spTree>
-  </p:cSld>
-  <p:clrMapOvr>
-    <a:masterClrMapping/>
-  </p:clrMapOvr>
-</p:sld>
-</file>
-
-<file path=ppt/slides/slide7.xml><?xml version="1.0" encoding="utf-8"?>
-<p:sld xmlns:a="http://schemas.openxmlformats.org/drawingml/2006/main" xmlns:p="http://schemas.openxmlformats.org/presentationml/2006/main" xmlns:r="http://schemas.openxmlformats.org/officeDocument/2006/relationships">
-  <p:cSld>
-    <p:spTree>
-      <p:nvGrpSpPr>
-        <p:cNvPr id="1" name=""/>
-        <p:cNvGrpSpPr/>
-        <p:nvPr/>
-      </p:nvGrpSpPr>
-      <p:grpSpPr/>
-      <p:pic>
-        <p:nvPicPr>
-          <p:cNvPr id="2" name="Picture 1" descr="Layers.png"/>
-          <p:cNvPicPr>
-            <a:picLocks noChangeAspect="1"/>
-          </p:cNvPicPr>
-          <p:nvPr/>
-        </p:nvPicPr>
-        <p:blipFill>
-          <a:blip r:embed="rId2"/>
-          <a:stretch>
-            <a:fillRect/>
-          </a:stretch>
-        </p:blipFill>
-        <p:spPr>
-          <a:xfrm>
-            <a:off x="1097280" y="0"/>
-            <a:ext cx="6400800" cy="6400800"/>
-          </a:xfrm>
-          <a:prstGeom prst="rect">
-            <a:avLst/>
-          </a:prstGeom>
-        </p:spPr>
-      </p:pic>
-    </p:spTree>
-  </p:cSld>
-  <p:clrMapOvr>
-    <a:masterClrMapping/>
-  </p:clrMapOvr>
-</p:sld>
-</file>
-
-<file path=ppt/slides/slide8.xml><?xml version="1.0" encoding="utf-8"?>
-<p:sld xmlns:a="http://schemas.openxmlformats.org/drawingml/2006/main" xmlns:p="http://schemas.openxmlformats.org/presentationml/2006/main" xmlns:r="http://schemas.openxmlformats.org/officeDocument/2006/relationships">
-  <p:cSld>
-    <p:spTree>
-      <p:nvGrpSpPr>
-        <p:cNvPr id="1" name=""/>
-        <p:cNvGrpSpPr/>
-        <p:nvPr/>
-      </p:nvGrpSpPr>
-      <p:grpSpPr/>
-      <p:pic>
-        <p:nvPicPr>
-          <p:cNvPr id="2" name="Picture 1" descr="Layers.png"/>
-          <p:cNvPicPr>
-            <a:picLocks noChangeAspect="1"/>
-          </p:cNvPicPr>
-          <p:nvPr/>
-        </p:nvPicPr>
-        <p:blipFill>
-          <a:blip r:embed="rId2"/>
-          <a:stretch>
-            <a:fillRect/>
-          </a:stretch>
-        </p:blipFill>
-        <p:spPr>
-          <a:xfrm>
-            <a:off x="1097280" y="0"/>
-            <a:ext cx="6400800" cy="6400800"/>
-          </a:xfrm>
-          <a:prstGeom prst="rect">
-            <a:avLst/>
-          </a:prstGeom>
-        </p:spPr>
-      </p:pic>
-    </p:spTree>
-  </p:cSld>
-  <p:clrMapOvr>
-    <a:masterClrMapping/>
-  </p:clrMapOvr>
-</p:sld>
-</file>
-
-<file path=ppt/slides/slide9.xml><?xml version="1.0" encoding="utf-8"?>
-<p:sld xmlns:a="http://schemas.openxmlformats.org/drawingml/2006/main" xmlns:p="http://schemas.openxmlformats.org/presentationml/2006/main" xmlns:r="http://schemas.openxmlformats.org/officeDocument/2006/relationships">
-  <p:cSld>
-    <p:spTree>
-      <p:nvGrpSpPr>
-        <p:cNvPr id="1" name=""/>
-        <p:cNvGrpSpPr/>
-        <p:nvPr/>
-      </p:nvGrpSpPr>
-      <p:grpSpPr/>
-      <p:pic>
-        <p:nvPicPr>
-          <p:cNvPr id="2" name="Picture 1" descr="Layers.png"/>
-          <p:cNvPicPr>
-            <a:picLocks noChangeAspect="1"/>
-          </p:cNvPicPr>
-          <p:nvPr/>
-        </p:nvPicPr>
-        <p:blipFill>
-          <a:blip r:embed="rId2"/>
-          <a:stretch>
-            <a:fillRect/>
-          </a:stretch>
-        </p:blipFill>
-        <p:spPr>
-          <a:xfrm>
-            <a:off x="1097280" y="0"/>
-            <a:ext cx="6400800" cy="6400800"/>
+            <a:off x="-914400" y="-3657600"/>
+            <a:ext cx="10972800" cy="10972800"/>
           </a:xfrm>
           <a:prstGeom prst="rect">
             <a:avLst/>

--- a/Layers.pptx
+++ b/Layers.pptx
@@ -3106,7 +3106,7 @@
         </p:blipFill>
         <p:spPr>
           <a:xfrm>
-            <a:off x="-914400" y="-3657600"/>
+            <a:off x="-914400" y="-3108960"/>
             <a:ext cx="10972800" cy="10972800"/>
           </a:xfrm>
           <a:prstGeom prst="rect">
@@ -3148,7 +3148,7 @@
         </p:blipFill>
         <p:spPr>
           <a:xfrm>
-            <a:off x="-914400" y="-3657600"/>
+            <a:off x="-914400" y="-3108960"/>
             <a:ext cx="10972800" cy="10972800"/>
           </a:xfrm>
           <a:prstGeom prst="rect">
@@ -3190,7 +3190,7 @@
         </p:blipFill>
         <p:spPr>
           <a:xfrm>
-            <a:off x="-914400" y="-3657600"/>
+            <a:off x="-914400" y="-3108960"/>
             <a:ext cx="10972800" cy="10972800"/>
           </a:xfrm>
           <a:prstGeom prst="rect">

--- a/Layers.pptx
+++ b/Layers.pptx
@@ -3106,8 +3106,8 @@
         </p:blipFill>
         <p:spPr>
           <a:xfrm>
-            <a:off x="-914400" y="-3108960"/>
-            <a:ext cx="10972800" cy="10972800"/>
+            <a:off x="-1371600" y="-3657600"/>
+            <a:ext cx="11612880" cy="11612880"/>
           </a:xfrm>
           <a:prstGeom prst="rect">
             <a:avLst/>
@@ -3148,8 +3148,8 @@
         </p:blipFill>
         <p:spPr>
           <a:xfrm>
-            <a:off x="-914400" y="-3108960"/>
-            <a:ext cx="10972800" cy="10972800"/>
+            <a:off x="-1371600" y="-3657600"/>
+            <a:ext cx="11612880" cy="11612880"/>
           </a:xfrm>
           <a:prstGeom prst="rect">
             <a:avLst/>
@@ -3190,8 +3190,8 @@
         </p:blipFill>
         <p:spPr>
           <a:xfrm>
-            <a:off x="-914400" y="-3108960"/>
-            <a:ext cx="10972800" cy="10972800"/>
+            <a:off x="-1371600" y="-3657600"/>
+            <a:ext cx="11612880" cy="11612880"/>
           </a:xfrm>
           <a:prstGeom prst="rect">
             <a:avLst/>

--- a/Layers.pptx
+++ b/Layers.pptx
@@ -8,6 +8,9 @@
     <p:sldId id="256" r:id="rId7"/>
     <p:sldId id="257" r:id="rId8"/>
     <p:sldId id="258" r:id="rId9"/>
+    <p:sldId id="259" r:id="rId10"/>
+    <p:sldId id="260" r:id="rId11"/>
+    <p:sldId id="261" r:id="rId12"/>
   </p:sldIdLst>
   <p:sldSz cx="9144000" cy="6858000" type="screen4x3"/>
   <p:notesSz cx="6858000" cy="9144000"/>
@@ -3106,7 +3109,7 @@
         </p:blipFill>
         <p:spPr>
           <a:xfrm>
-            <a:off x="-1371600" y="-3657600"/>
+            <a:off x="-1371600" y="-3593592"/>
             <a:ext cx="11612880" cy="11612880"/>
           </a:xfrm>
           <a:prstGeom prst="rect">
@@ -3148,7 +3151,7 @@
         </p:blipFill>
         <p:spPr>
           <a:xfrm>
-            <a:off x="-1371600" y="-3657600"/>
+            <a:off x="-1371600" y="-3593592"/>
             <a:ext cx="11612880" cy="11612880"/>
           </a:xfrm>
           <a:prstGeom prst="rect">
@@ -3190,7 +3193,133 @@
         </p:blipFill>
         <p:spPr>
           <a:xfrm>
-            <a:off x="-1371600" y="-3657600"/>
+            <a:off x="-1371600" y="-3593592"/>
+            <a:ext cx="11612880" cy="11612880"/>
+          </a:xfrm>
+          <a:prstGeom prst="rect">
+            <a:avLst/>
+          </a:prstGeom>
+        </p:spPr>
+      </p:pic>
+    </p:spTree>
+  </p:cSld>
+  <p:clrMapOvr>
+    <a:masterClrMapping/>
+  </p:clrMapOvr>
+</p:sld>
+</file>
+
+<file path=ppt/slides/slide4.xml><?xml version="1.0" encoding="utf-8"?>
+<p:sld xmlns:a="http://schemas.openxmlformats.org/drawingml/2006/main" xmlns:p="http://schemas.openxmlformats.org/presentationml/2006/main" xmlns:r="http://schemas.openxmlformats.org/officeDocument/2006/relationships">
+  <p:cSld>
+    <p:spTree>
+      <p:nvGrpSpPr>
+        <p:cNvPr id="1" name=""/>
+        <p:cNvGrpSpPr/>
+        <p:nvPr/>
+      </p:nvGrpSpPr>
+      <p:grpSpPr/>
+      <p:pic>
+        <p:nvPicPr>
+          <p:cNvPr id="2" name="Picture 1" descr="Layers.png"/>
+          <p:cNvPicPr>
+            <a:picLocks noChangeAspect="1"/>
+          </p:cNvPicPr>
+          <p:nvPr/>
+        </p:nvPicPr>
+        <p:blipFill>
+          <a:blip r:embed="rId2"/>
+          <a:stretch>
+            <a:fillRect/>
+          </a:stretch>
+        </p:blipFill>
+        <p:spPr>
+          <a:xfrm>
+            <a:off x="-1371600" y="-3593592"/>
+            <a:ext cx="11612880" cy="11612880"/>
+          </a:xfrm>
+          <a:prstGeom prst="rect">
+            <a:avLst/>
+          </a:prstGeom>
+        </p:spPr>
+      </p:pic>
+    </p:spTree>
+  </p:cSld>
+  <p:clrMapOvr>
+    <a:masterClrMapping/>
+  </p:clrMapOvr>
+</p:sld>
+</file>
+
+<file path=ppt/slides/slide5.xml><?xml version="1.0" encoding="utf-8"?>
+<p:sld xmlns:a="http://schemas.openxmlformats.org/drawingml/2006/main" xmlns:p="http://schemas.openxmlformats.org/presentationml/2006/main" xmlns:r="http://schemas.openxmlformats.org/officeDocument/2006/relationships">
+  <p:cSld>
+    <p:spTree>
+      <p:nvGrpSpPr>
+        <p:cNvPr id="1" name=""/>
+        <p:cNvGrpSpPr/>
+        <p:nvPr/>
+      </p:nvGrpSpPr>
+      <p:grpSpPr/>
+      <p:pic>
+        <p:nvPicPr>
+          <p:cNvPr id="2" name="Picture 1" descr="Layers.png"/>
+          <p:cNvPicPr>
+            <a:picLocks noChangeAspect="1"/>
+          </p:cNvPicPr>
+          <p:nvPr/>
+        </p:nvPicPr>
+        <p:blipFill>
+          <a:blip r:embed="rId2"/>
+          <a:stretch>
+            <a:fillRect/>
+          </a:stretch>
+        </p:blipFill>
+        <p:spPr>
+          <a:xfrm>
+            <a:off x="-1371600" y="-3593592"/>
+            <a:ext cx="11612880" cy="11612880"/>
+          </a:xfrm>
+          <a:prstGeom prst="rect">
+            <a:avLst/>
+          </a:prstGeom>
+        </p:spPr>
+      </p:pic>
+    </p:spTree>
+  </p:cSld>
+  <p:clrMapOvr>
+    <a:masterClrMapping/>
+  </p:clrMapOvr>
+</p:sld>
+</file>
+
+<file path=ppt/slides/slide6.xml><?xml version="1.0" encoding="utf-8"?>
+<p:sld xmlns:a="http://schemas.openxmlformats.org/drawingml/2006/main" xmlns:p="http://schemas.openxmlformats.org/presentationml/2006/main" xmlns:r="http://schemas.openxmlformats.org/officeDocument/2006/relationships">
+  <p:cSld>
+    <p:spTree>
+      <p:nvGrpSpPr>
+        <p:cNvPr id="1" name=""/>
+        <p:cNvGrpSpPr/>
+        <p:nvPr/>
+      </p:nvGrpSpPr>
+      <p:grpSpPr/>
+      <p:pic>
+        <p:nvPicPr>
+          <p:cNvPr id="2" name="Picture 1" descr="Layers.png"/>
+          <p:cNvPicPr>
+            <a:picLocks noChangeAspect="1"/>
+          </p:cNvPicPr>
+          <p:nvPr/>
+        </p:nvPicPr>
+        <p:blipFill>
+          <a:blip r:embed="rId2"/>
+          <a:stretch>
+            <a:fillRect/>
+          </a:stretch>
+        </p:blipFill>
+        <p:spPr>
+          <a:xfrm>
+            <a:off x="-1371600" y="-3593592"/>
             <a:ext cx="11612880" cy="11612880"/>
           </a:xfrm>
           <a:prstGeom prst="rect">

--- a/Layers.pptx
+++ b/Layers.pptx
@@ -5,12 +5,9 @@
     <p:sldMasterId id="2147483648" r:id="rId1"/>
   </p:sldMasterIdLst>
   <p:sldIdLst>
-    <p:sldId id="256" r:id="rId7"/>
-    <p:sldId id="257" r:id="rId8"/>
-    <p:sldId id="258" r:id="rId9"/>
-    <p:sldId id="259" r:id="rId10"/>
-    <p:sldId id="260" r:id="rId11"/>
-    <p:sldId id="261" r:id="rId12"/>
+    <p:sldId id="256" r:id="rId2"/>
+    <p:sldId id="257" r:id="rId3"/>
+    <p:sldId id="258" r:id="rId4"/>
   </p:sldIdLst>
   <p:sldSz cx="9144000" cy="6858000" type="screen4x3"/>
   <p:notesSz cx="6858000" cy="9144000"/>
@@ -109,6 +106,22 @@
       </a:defRPr>
     </a:lvl9pPr>
   </p:defaultTextStyle>
+  <p:extLst>
+    <p:ext uri="{EFAFB233-063F-42B5-8137-9DF3F51BA10A}">
+      <p15:sldGuideLst xmlns:p15="http://schemas.microsoft.com/office/powerpoint/2012/main">
+        <p15:guide id="1" orient="horz" pos="2160">
+          <p15:clr>
+            <a:srgbClr val="A4A3A4"/>
+          </p15:clr>
+        </p15:guide>
+        <p15:guide id="2" pos="2880">
+          <p15:clr>
+            <a:srgbClr val="A4A3A4"/>
+          </p15:clr>
+        </p15:guide>
+      </p15:sldGuideLst>
+    </p:ext>
+  </p:extLst>
 </p:presentation>
 </file>
 
@@ -150,10 +163,9 @@
           <a:lstStyle/>
           <a:p>
             <a:r>
-              <a:rPr lang="en-US" smtClean="0"/>
+              <a:rPr lang="en-US"/>
               <a:t>Click to edit Master title style</a:t>
             </a:r>
-            <a:endParaRPr lang="en-US"/>
           </a:p>
         </p:txBody>
       </p:sp>
@@ -269,10 +281,9 @@
           </a:lstStyle>
           <a:p>
             <a:r>
-              <a:rPr lang="en-US" smtClean="0"/>
+              <a:rPr lang="en-US"/>
               <a:t>Click to edit Master subtitle style</a:t>
             </a:r>
-            <a:endParaRPr lang="en-US"/>
           </a:p>
         </p:txBody>
       </p:sp>
@@ -293,7 +304,7 @@
           <a:p>
             <a:fld id="{5BCAD085-E8A6-8845-BD4E-CB4CCA059FC4}" type="datetimeFigureOut">
               <a:rPr lang="en-US" smtClean="0"/>
-              <a:t>1/27/13</a:t>
+              <a:t>5/13/2024</a:t>
             </a:fld>
             <a:endParaRPr lang="en-US"/>
           </a:p>
@@ -387,10 +398,9 @@
           <a:lstStyle/>
           <a:p>
             <a:r>
-              <a:rPr lang="en-US" smtClean="0"/>
+              <a:rPr lang="en-US"/>
               <a:t>Click to edit Master title style</a:t>
             </a:r>
-            <a:endParaRPr lang="en-US"/>
           </a:p>
         </p:txBody>
       </p:sp>
@@ -411,38 +421,37 @@
           <a:p>
             <a:pPr lvl="0"/>
             <a:r>
-              <a:rPr lang="en-US" smtClean="0"/>
+              <a:rPr lang="en-US"/>
               <a:t>Click to edit Master text styles</a:t>
             </a:r>
           </a:p>
           <a:p>
             <a:pPr lvl="1"/>
             <a:r>
-              <a:rPr lang="en-US" smtClean="0"/>
+              <a:rPr lang="en-US"/>
               <a:t>Second level</a:t>
             </a:r>
           </a:p>
           <a:p>
             <a:pPr lvl="2"/>
             <a:r>
-              <a:rPr lang="en-US" smtClean="0"/>
+              <a:rPr lang="en-US"/>
               <a:t>Third level</a:t>
             </a:r>
           </a:p>
           <a:p>
             <a:pPr lvl="3"/>
             <a:r>
-              <a:rPr lang="en-US" smtClean="0"/>
+              <a:rPr lang="en-US"/>
               <a:t>Fourth level</a:t>
             </a:r>
           </a:p>
           <a:p>
             <a:pPr lvl="4"/>
             <a:r>
-              <a:rPr lang="en-US" smtClean="0"/>
+              <a:rPr lang="en-US"/>
               <a:t>Fifth level</a:t>
             </a:r>
-            <a:endParaRPr lang="en-US"/>
           </a:p>
         </p:txBody>
       </p:sp>
@@ -463,7 +472,7 @@
           <a:p>
             <a:fld id="{5BCAD085-E8A6-8845-BD4E-CB4CCA059FC4}" type="datetimeFigureOut">
               <a:rPr lang="en-US" smtClean="0"/>
-              <a:t>1/27/13</a:t>
+              <a:t>5/13/2024</a:t>
             </a:fld>
             <a:endParaRPr lang="en-US"/>
           </a:p>
@@ -562,10 +571,9 @@
           <a:lstStyle/>
           <a:p>
             <a:r>
-              <a:rPr lang="en-US" smtClean="0"/>
+              <a:rPr lang="en-US"/>
               <a:t>Click to edit Master title style</a:t>
             </a:r>
-            <a:endParaRPr lang="en-US"/>
           </a:p>
         </p:txBody>
       </p:sp>
@@ -591,38 +599,37 @@
           <a:p>
             <a:pPr lvl="0"/>
             <a:r>
-              <a:rPr lang="en-US" smtClean="0"/>
+              <a:rPr lang="en-US"/>
               <a:t>Click to edit Master text styles</a:t>
             </a:r>
           </a:p>
           <a:p>
             <a:pPr lvl="1"/>
             <a:r>
-              <a:rPr lang="en-US" smtClean="0"/>
+              <a:rPr lang="en-US"/>
               <a:t>Second level</a:t>
             </a:r>
           </a:p>
           <a:p>
             <a:pPr lvl="2"/>
             <a:r>
-              <a:rPr lang="en-US" smtClean="0"/>
+              <a:rPr lang="en-US"/>
               <a:t>Third level</a:t>
             </a:r>
           </a:p>
           <a:p>
             <a:pPr lvl="3"/>
             <a:r>
-              <a:rPr lang="en-US" smtClean="0"/>
+              <a:rPr lang="en-US"/>
               <a:t>Fourth level</a:t>
             </a:r>
           </a:p>
           <a:p>
             <a:pPr lvl="4"/>
             <a:r>
-              <a:rPr lang="en-US" smtClean="0"/>
+              <a:rPr lang="en-US"/>
               <a:t>Fifth level</a:t>
             </a:r>
-            <a:endParaRPr lang="en-US"/>
           </a:p>
         </p:txBody>
       </p:sp>
@@ -643,7 +650,7 @@
           <a:p>
             <a:fld id="{5BCAD085-E8A6-8845-BD4E-CB4CCA059FC4}" type="datetimeFigureOut">
               <a:rPr lang="en-US" smtClean="0"/>
-              <a:t>1/27/13</a:t>
+              <a:t>5/13/2024</a:t>
             </a:fld>
             <a:endParaRPr lang="en-US"/>
           </a:p>
@@ -737,10 +744,9 @@
           <a:lstStyle/>
           <a:p>
             <a:r>
-              <a:rPr lang="en-US" smtClean="0"/>
+              <a:rPr lang="en-US"/>
               <a:t>Click to edit Master title style</a:t>
             </a:r>
-            <a:endParaRPr lang="en-US"/>
           </a:p>
         </p:txBody>
       </p:sp>
@@ -761,38 +767,37 @@
           <a:p>
             <a:pPr lvl="0"/>
             <a:r>
-              <a:rPr lang="en-US" smtClean="0"/>
+              <a:rPr lang="en-US"/>
               <a:t>Click to edit Master text styles</a:t>
             </a:r>
           </a:p>
           <a:p>
             <a:pPr lvl="1"/>
             <a:r>
-              <a:rPr lang="en-US" smtClean="0"/>
+              <a:rPr lang="en-US"/>
               <a:t>Second level</a:t>
             </a:r>
           </a:p>
           <a:p>
             <a:pPr lvl="2"/>
             <a:r>
-              <a:rPr lang="en-US" smtClean="0"/>
+              <a:rPr lang="en-US"/>
               <a:t>Third level</a:t>
             </a:r>
           </a:p>
           <a:p>
             <a:pPr lvl="3"/>
             <a:r>
-              <a:rPr lang="en-US" smtClean="0"/>
+              <a:rPr lang="en-US"/>
               <a:t>Fourth level</a:t>
             </a:r>
           </a:p>
           <a:p>
             <a:pPr lvl="4"/>
             <a:r>
-              <a:rPr lang="en-US" smtClean="0"/>
+              <a:rPr lang="en-US"/>
               <a:t>Fifth level</a:t>
             </a:r>
-            <a:endParaRPr lang="en-US"/>
           </a:p>
         </p:txBody>
       </p:sp>
@@ -813,7 +818,7 @@
           <a:p>
             <a:fld id="{5BCAD085-E8A6-8845-BD4E-CB4CCA059FC4}" type="datetimeFigureOut">
               <a:rPr lang="en-US" smtClean="0"/>
-              <a:t>1/27/13</a:t>
+              <a:t>5/13/2024</a:t>
             </a:fld>
             <a:endParaRPr lang="en-US"/>
           </a:p>
@@ -916,10 +921,9 @@
           </a:lstStyle>
           <a:p>
             <a:r>
-              <a:rPr lang="en-US" smtClean="0"/>
+              <a:rPr lang="en-US"/>
               <a:t>Click to edit Master title style</a:t>
             </a:r>
-            <a:endParaRPr lang="en-US"/>
           </a:p>
         </p:txBody>
       </p:sp>
@@ -1036,7 +1040,7 @@
           <a:p>
             <a:pPr lvl="0"/>
             <a:r>
-              <a:rPr lang="en-US" smtClean="0"/>
+              <a:rPr lang="en-US"/>
               <a:t>Click to edit Master text styles</a:t>
             </a:r>
           </a:p>
@@ -1059,7 +1063,7 @@
           <a:p>
             <a:fld id="{5BCAD085-E8A6-8845-BD4E-CB4CCA059FC4}" type="datetimeFigureOut">
               <a:rPr lang="en-US" smtClean="0"/>
-              <a:t>1/27/13</a:t>
+              <a:t>5/13/2024</a:t>
             </a:fld>
             <a:endParaRPr lang="en-US"/>
           </a:p>
@@ -1153,10 +1157,9 @@
           <a:lstStyle/>
           <a:p>
             <a:r>
-              <a:rPr lang="en-US" smtClean="0"/>
+              <a:rPr lang="en-US"/>
               <a:t>Click to edit Master title style</a:t>
             </a:r>
-            <a:endParaRPr lang="en-US"/>
           </a:p>
         </p:txBody>
       </p:sp>
@@ -1210,38 +1213,37 @@
           <a:p>
             <a:pPr lvl="0"/>
             <a:r>
-              <a:rPr lang="en-US" smtClean="0"/>
+              <a:rPr lang="en-US"/>
               <a:t>Click to edit Master text styles</a:t>
             </a:r>
           </a:p>
           <a:p>
             <a:pPr lvl="1"/>
             <a:r>
-              <a:rPr lang="en-US" smtClean="0"/>
+              <a:rPr lang="en-US"/>
               <a:t>Second level</a:t>
             </a:r>
           </a:p>
           <a:p>
             <a:pPr lvl="2"/>
             <a:r>
-              <a:rPr lang="en-US" smtClean="0"/>
+              <a:rPr lang="en-US"/>
               <a:t>Third level</a:t>
             </a:r>
           </a:p>
           <a:p>
             <a:pPr lvl="3"/>
             <a:r>
-              <a:rPr lang="en-US" smtClean="0"/>
+              <a:rPr lang="en-US"/>
               <a:t>Fourth level</a:t>
             </a:r>
           </a:p>
           <a:p>
             <a:pPr lvl="4"/>
             <a:r>
-              <a:rPr lang="en-US" smtClean="0"/>
+              <a:rPr lang="en-US"/>
               <a:t>Fifth level</a:t>
             </a:r>
-            <a:endParaRPr lang="en-US"/>
           </a:p>
         </p:txBody>
       </p:sp>
@@ -1295,38 +1297,37 @@
           <a:p>
             <a:pPr lvl="0"/>
             <a:r>
-              <a:rPr lang="en-US" smtClean="0"/>
+              <a:rPr lang="en-US"/>
               <a:t>Click to edit Master text styles</a:t>
             </a:r>
           </a:p>
           <a:p>
             <a:pPr lvl="1"/>
             <a:r>
-              <a:rPr lang="en-US" smtClean="0"/>
+              <a:rPr lang="en-US"/>
               <a:t>Second level</a:t>
             </a:r>
           </a:p>
           <a:p>
             <a:pPr lvl="2"/>
             <a:r>
-              <a:rPr lang="en-US" smtClean="0"/>
+              <a:rPr lang="en-US"/>
               <a:t>Third level</a:t>
             </a:r>
           </a:p>
           <a:p>
             <a:pPr lvl="3"/>
             <a:r>
-              <a:rPr lang="en-US" smtClean="0"/>
+              <a:rPr lang="en-US"/>
               <a:t>Fourth level</a:t>
             </a:r>
           </a:p>
           <a:p>
             <a:pPr lvl="4"/>
             <a:r>
-              <a:rPr lang="en-US" smtClean="0"/>
+              <a:rPr lang="en-US"/>
               <a:t>Fifth level</a:t>
             </a:r>
-            <a:endParaRPr lang="en-US"/>
           </a:p>
         </p:txBody>
       </p:sp>
@@ -1347,7 +1348,7 @@
           <a:p>
             <a:fld id="{5BCAD085-E8A6-8845-BD4E-CB4CCA059FC4}" type="datetimeFigureOut">
               <a:rPr lang="en-US" smtClean="0"/>
-              <a:t>1/27/13</a:t>
+              <a:t>5/13/2024</a:t>
             </a:fld>
             <a:endParaRPr lang="en-US"/>
           </a:p>
@@ -1445,10 +1446,9 @@
           </a:lstStyle>
           <a:p>
             <a:r>
-              <a:rPr lang="en-US" smtClean="0"/>
+              <a:rPr lang="en-US"/>
               <a:t>Click to edit Master title style</a:t>
             </a:r>
-            <a:endParaRPr lang="en-US"/>
           </a:p>
         </p:txBody>
       </p:sp>
@@ -1511,7 +1511,7 @@
           <a:p>
             <a:pPr lvl="0"/>
             <a:r>
-              <a:rPr lang="en-US" smtClean="0"/>
+              <a:rPr lang="en-US"/>
               <a:t>Click to edit Master text styles</a:t>
             </a:r>
           </a:p>
@@ -1567,38 +1567,37 @@
           <a:p>
             <a:pPr lvl="0"/>
             <a:r>
-              <a:rPr lang="en-US" smtClean="0"/>
+              <a:rPr lang="en-US"/>
               <a:t>Click to edit Master text styles</a:t>
             </a:r>
           </a:p>
           <a:p>
             <a:pPr lvl="1"/>
             <a:r>
-              <a:rPr lang="en-US" smtClean="0"/>
+              <a:rPr lang="en-US"/>
               <a:t>Second level</a:t>
             </a:r>
           </a:p>
           <a:p>
             <a:pPr lvl="2"/>
             <a:r>
-              <a:rPr lang="en-US" smtClean="0"/>
+              <a:rPr lang="en-US"/>
               <a:t>Third level</a:t>
             </a:r>
           </a:p>
           <a:p>
             <a:pPr lvl="3"/>
             <a:r>
-              <a:rPr lang="en-US" smtClean="0"/>
+              <a:rPr lang="en-US"/>
               <a:t>Fourth level</a:t>
             </a:r>
           </a:p>
           <a:p>
             <a:pPr lvl="4"/>
             <a:r>
-              <a:rPr lang="en-US" smtClean="0"/>
+              <a:rPr lang="en-US"/>
               <a:t>Fifth level</a:t>
             </a:r>
-            <a:endParaRPr lang="en-US"/>
           </a:p>
         </p:txBody>
       </p:sp>
@@ -1661,7 +1660,7 @@
           <a:p>
             <a:pPr lvl="0"/>
             <a:r>
-              <a:rPr lang="en-US" smtClean="0"/>
+              <a:rPr lang="en-US"/>
               <a:t>Click to edit Master text styles</a:t>
             </a:r>
           </a:p>
@@ -1717,38 +1716,37 @@
           <a:p>
             <a:pPr lvl="0"/>
             <a:r>
-              <a:rPr lang="en-US" smtClean="0"/>
+              <a:rPr lang="en-US"/>
               <a:t>Click to edit Master text styles</a:t>
             </a:r>
           </a:p>
           <a:p>
             <a:pPr lvl="1"/>
             <a:r>
-              <a:rPr lang="en-US" smtClean="0"/>
+              <a:rPr lang="en-US"/>
               <a:t>Second level</a:t>
             </a:r>
           </a:p>
           <a:p>
             <a:pPr lvl="2"/>
             <a:r>
-              <a:rPr lang="en-US" smtClean="0"/>
+              <a:rPr lang="en-US"/>
               <a:t>Third level</a:t>
             </a:r>
           </a:p>
           <a:p>
             <a:pPr lvl="3"/>
             <a:r>
-              <a:rPr lang="en-US" smtClean="0"/>
+              <a:rPr lang="en-US"/>
               <a:t>Fourth level</a:t>
             </a:r>
           </a:p>
           <a:p>
             <a:pPr lvl="4"/>
             <a:r>
-              <a:rPr lang="en-US" smtClean="0"/>
+              <a:rPr lang="en-US"/>
               <a:t>Fifth level</a:t>
             </a:r>
-            <a:endParaRPr lang="en-US"/>
           </a:p>
         </p:txBody>
       </p:sp>
@@ -1769,7 +1767,7 @@
           <a:p>
             <a:fld id="{5BCAD085-E8A6-8845-BD4E-CB4CCA059FC4}" type="datetimeFigureOut">
               <a:rPr lang="en-US" smtClean="0"/>
-              <a:t>1/27/13</a:t>
+              <a:t>5/13/2024</a:t>
             </a:fld>
             <a:endParaRPr lang="en-US"/>
           </a:p>
@@ -1863,10 +1861,9 @@
           <a:lstStyle/>
           <a:p>
             <a:r>
-              <a:rPr lang="en-US" smtClean="0"/>
+              <a:rPr lang="en-US"/>
               <a:t>Click to edit Master title style</a:t>
             </a:r>
-            <a:endParaRPr lang="en-US"/>
           </a:p>
         </p:txBody>
       </p:sp>
@@ -1887,7 +1884,7 @@
           <a:p>
             <a:fld id="{5BCAD085-E8A6-8845-BD4E-CB4CCA059FC4}" type="datetimeFigureOut">
               <a:rPr lang="en-US" smtClean="0"/>
-              <a:t>1/27/13</a:t>
+              <a:t>5/13/2024</a:t>
             </a:fld>
             <a:endParaRPr lang="en-US"/>
           </a:p>
@@ -1982,7 +1979,7 @@
           <a:p>
             <a:fld id="{5BCAD085-E8A6-8845-BD4E-CB4CCA059FC4}" type="datetimeFigureOut">
               <a:rPr lang="en-US" smtClean="0"/>
-              <a:t>1/27/13</a:t>
+              <a:t>5/13/2024</a:t>
             </a:fld>
             <a:endParaRPr lang="en-US"/>
           </a:p>
@@ -2085,10 +2082,9 @@
           </a:lstStyle>
           <a:p>
             <a:r>
-              <a:rPr lang="en-US" smtClean="0"/>
+              <a:rPr lang="en-US"/>
               <a:t>Click to edit Master title style</a:t>
             </a:r>
-            <a:endParaRPr lang="en-US"/>
           </a:p>
         </p:txBody>
       </p:sp>
@@ -2142,38 +2138,37 @@
           <a:p>
             <a:pPr lvl="0"/>
             <a:r>
-              <a:rPr lang="en-US" smtClean="0"/>
+              <a:rPr lang="en-US"/>
               <a:t>Click to edit Master text styles</a:t>
             </a:r>
           </a:p>
           <a:p>
             <a:pPr lvl="1"/>
             <a:r>
-              <a:rPr lang="en-US" smtClean="0"/>
+              <a:rPr lang="en-US"/>
               <a:t>Second level</a:t>
             </a:r>
           </a:p>
           <a:p>
             <a:pPr lvl="2"/>
             <a:r>
-              <a:rPr lang="en-US" smtClean="0"/>
+              <a:rPr lang="en-US"/>
               <a:t>Third level</a:t>
             </a:r>
           </a:p>
           <a:p>
             <a:pPr lvl="3"/>
             <a:r>
-              <a:rPr lang="en-US" smtClean="0"/>
+              <a:rPr lang="en-US"/>
               <a:t>Fourth level</a:t>
             </a:r>
           </a:p>
           <a:p>
             <a:pPr lvl="4"/>
             <a:r>
-              <a:rPr lang="en-US" smtClean="0"/>
+              <a:rPr lang="en-US"/>
               <a:t>Fifth level</a:t>
             </a:r>
-            <a:endParaRPr lang="en-US"/>
           </a:p>
         </p:txBody>
       </p:sp>
@@ -2236,7 +2231,7 @@
           <a:p>
             <a:pPr lvl="0"/>
             <a:r>
-              <a:rPr lang="en-US" smtClean="0"/>
+              <a:rPr lang="en-US"/>
               <a:t>Click to edit Master text styles</a:t>
             </a:r>
           </a:p>
@@ -2259,7 +2254,7 @@
           <a:p>
             <a:fld id="{5BCAD085-E8A6-8845-BD4E-CB4CCA059FC4}" type="datetimeFigureOut">
               <a:rPr lang="en-US" smtClean="0"/>
-              <a:t>1/27/13</a:t>
+              <a:t>5/13/2024</a:t>
             </a:fld>
             <a:endParaRPr lang="en-US"/>
           </a:p>
@@ -2362,10 +2357,9 @@
           </a:lstStyle>
           <a:p>
             <a:r>
-              <a:rPr lang="en-US" smtClean="0"/>
+              <a:rPr lang="en-US"/>
               <a:t>Click to edit Master title style</a:t>
             </a:r>
-            <a:endParaRPr lang="en-US"/>
           </a:p>
         </p:txBody>
       </p:sp>
@@ -2489,7 +2483,7 @@
           <a:p>
             <a:pPr lvl="0"/>
             <a:r>
-              <a:rPr lang="en-US" smtClean="0"/>
+              <a:rPr lang="en-US"/>
               <a:t>Click to edit Master text styles</a:t>
             </a:r>
           </a:p>
@@ -2512,7 +2506,7 @@
           <a:p>
             <a:fld id="{5BCAD085-E8A6-8845-BD4E-CB4CCA059FC4}" type="datetimeFigureOut">
               <a:rPr lang="en-US" smtClean="0"/>
-              <a:t>1/27/13</a:t>
+              <a:t>5/13/2024</a:t>
             </a:fld>
             <a:endParaRPr lang="en-US"/>
           </a:p>
@@ -2621,10 +2615,9 @@
           <a:lstStyle/>
           <a:p>
             <a:r>
-              <a:rPr lang="en-US" smtClean="0"/>
+              <a:rPr lang="en-US"/>
               <a:t>Click to edit Master title style</a:t>
             </a:r>
-            <a:endParaRPr lang="en-US"/>
           </a:p>
         </p:txBody>
       </p:sp>
@@ -2655,38 +2648,37 @@
           <a:p>
             <a:pPr lvl="0"/>
             <a:r>
-              <a:rPr lang="en-US" smtClean="0"/>
+              <a:rPr lang="en-US"/>
               <a:t>Click to edit Master text styles</a:t>
             </a:r>
           </a:p>
           <a:p>
             <a:pPr lvl="1"/>
             <a:r>
-              <a:rPr lang="en-US" smtClean="0"/>
+              <a:rPr lang="en-US"/>
               <a:t>Second level</a:t>
             </a:r>
           </a:p>
           <a:p>
             <a:pPr lvl="2"/>
             <a:r>
-              <a:rPr lang="en-US" smtClean="0"/>
+              <a:rPr lang="en-US"/>
               <a:t>Third level</a:t>
             </a:r>
           </a:p>
           <a:p>
             <a:pPr lvl="3"/>
             <a:r>
-              <a:rPr lang="en-US" smtClean="0"/>
+              <a:rPr lang="en-US"/>
               <a:t>Fourth level</a:t>
             </a:r>
           </a:p>
           <a:p>
             <a:pPr lvl="4"/>
             <a:r>
-              <a:rPr lang="en-US" smtClean="0"/>
+              <a:rPr lang="en-US"/>
               <a:t>Fifth level</a:t>
             </a:r>
-            <a:endParaRPr lang="en-US"/>
           </a:p>
         </p:txBody>
       </p:sp>
@@ -2725,7 +2717,7 @@
           <a:p>
             <a:fld id="{5BCAD085-E8A6-8845-BD4E-CB4CCA059FC4}" type="datetimeFigureOut">
               <a:rPr lang="en-US" smtClean="0"/>
-              <a:t>1/27/13</a:t>
+              <a:t>5/13/2024</a:t>
             </a:fld>
             <a:endParaRPr lang="en-US"/>
           </a:p>
@@ -3084,7 +3076,7 @@
 </file>
 
 <file path=ppt/slides/slide1.xml><?xml version="1.0" encoding="utf-8"?>
-<p:sld xmlns:a="http://schemas.openxmlformats.org/drawingml/2006/main" xmlns:p="http://schemas.openxmlformats.org/presentationml/2006/main" xmlns:r="http://schemas.openxmlformats.org/officeDocument/2006/relationships">
+<p:sld xmlns:a="http://schemas.openxmlformats.org/drawingml/2006/main" xmlns:r="http://schemas.openxmlformats.org/officeDocument/2006/relationships" xmlns:p="http://schemas.openxmlformats.org/presentationml/2006/main">
   <p:cSld>
     <p:spTree>
       <p:nvGrpSpPr>
@@ -3092,7 +3084,14 @@
         <p:cNvGrpSpPr/>
         <p:nvPr/>
       </p:nvGrpSpPr>
-      <p:grpSpPr/>
+      <p:grpSpPr>
+        <a:xfrm>
+          <a:off x="0" y="0"/>
+          <a:ext cx="0" cy="0"/>
+          <a:chOff x="0" y="0"/>
+          <a:chExt cx="0" cy="0"/>
+        </a:xfrm>
+      </p:grpSpPr>
       <p:pic>
         <p:nvPicPr>
           <p:cNvPr id="2" name="Picture 1" descr="Layers.png"/>
@@ -3109,7 +3108,7 @@
         </p:blipFill>
         <p:spPr>
           <a:xfrm>
-            <a:off x="-1371600" y="-3593592"/>
+            <a:off x="-1417320" y="-4480560"/>
             <a:ext cx="11612880" cy="11612880"/>
           </a:xfrm>
           <a:prstGeom prst="rect">
@@ -3126,7 +3125,7 @@
 </file>
 
 <file path=ppt/slides/slide2.xml><?xml version="1.0" encoding="utf-8"?>
-<p:sld xmlns:a="http://schemas.openxmlformats.org/drawingml/2006/main" xmlns:p="http://schemas.openxmlformats.org/presentationml/2006/main" xmlns:r="http://schemas.openxmlformats.org/officeDocument/2006/relationships">
+<p:sld xmlns:a="http://schemas.openxmlformats.org/drawingml/2006/main" xmlns:r="http://schemas.openxmlformats.org/officeDocument/2006/relationships" xmlns:p="http://schemas.openxmlformats.org/presentationml/2006/main">
   <p:cSld>
     <p:spTree>
       <p:nvGrpSpPr>
@@ -3134,7 +3133,14 @@
         <p:cNvGrpSpPr/>
         <p:nvPr/>
       </p:nvGrpSpPr>
-      <p:grpSpPr/>
+      <p:grpSpPr>
+        <a:xfrm>
+          <a:off x="0" y="0"/>
+          <a:ext cx="0" cy="0"/>
+          <a:chOff x="0" y="0"/>
+          <a:chExt cx="0" cy="0"/>
+        </a:xfrm>
+      </p:grpSpPr>
       <p:pic>
         <p:nvPicPr>
           <p:cNvPr id="2" name="Picture 1" descr="Layers.png"/>
@@ -3151,7 +3157,7 @@
         </p:blipFill>
         <p:spPr>
           <a:xfrm>
-            <a:off x="-1371600" y="-3593592"/>
+            <a:off x="-1417320" y="-4480560"/>
             <a:ext cx="11612880" cy="11612880"/>
           </a:xfrm>
           <a:prstGeom prst="rect">
@@ -3168,7 +3174,7 @@
 </file>
 
 <file path=ppt/slides/slide3.xml><?xml version="1.0" encoding="utf-8"?>
-<p:sld xmlns:a="http://schemas.openxmlformats.org/drawingml/2006/main" xmlns:p="http://schemas.openxmlformats.org/presentationml/2006/main" xmlns:r="http://schemas.openxmlformats.org/officeDocument/2006/relationships">
+<p:sld xmlns:a="http://schemas.openxmlformats.org/drawingml/2006/main" xmlns:r="http://schemas.openxmlformats.org/officeDocument/2006/relationships" xmlns:p="http://schemas.openxmlformats.org/presentationml/2006/main">
   <p:cSld>
     <p:spTree>
       <p:nvGrpSpPr>
@@ -3176,7 +3182,14 @@
         <p:cNvGrpSpPr/>
         <p:nvPr/>
       </p:nvGrpSpPr>
-      <p:grpSpPr/>
+      <p:grpSpPr>
+        <a:xfrm>
+          <a:off x="0" y="0"/>
+          <a:ext cx="0" cy="0"/>
+          <a:chOff x="0" y="0"/>
+          <a:chExt cx="0" cy="0"/>
+        </a:xfrm>
+      </p:grpSpPr>
       <p:pic>
         <p:nvPicPr>
           <p:cNvPr id="2" name="Picture 1" descr="Layers.png"/>
@@ -3193,133 +3206,7 @@
         </p:blipFill>
         <p:spPr>
           <a:xfrm>
-            <a:off x="-1371600" y="-3593592"/>
-            <a:ext cx="11612880" cy="11612880"/>
-          </a:xfrm>
-          <a:prstGeom prst="rect">
-            <a:avLst/>
-          </a:prstGeom>
-        </p:spPr>
-      </p:pic>
-    </p:spTree>
-  </p:cSld>
-  <p:clrMapOvr>
-    <a:masterClrMapping/>
-  </p:clrMapOvr>
-</p:sld>
-</file>
-
-<file path=ppt/slides/slide4.xml><?xml version="1.0" encoding="utf-8"?>
-<p:sld xmlns:a="http://schemas.openxmlformats.org/drawingml/2006/main" xmlns:p="http://schemas.openxmlformats.org/presentationml/2006/main" xmlns:r="http://schemas.openxmlformats.org/officeDocument/2006/relationships">
-  <p:cSld>
-    <p:spTree>
-      <p:nvGrpSpPr>
-        <p:cNvPr id="1" name=""/>
-        <p:cNvGrpSpPr/>
-        <p:nvPr/>
-      </p:nvGrpSpPr>
-      <p:grpSpPr/>
-      <p:pic>
-        <p:nvPicPr>
-          <p:cNvPr id="2" name="Picture 1" descr="Layers.png"/>
-          <p:cNvPicPr>
-            <a:picLocks noChangeAspect="1"/>
-          </p:cNvPicPr>
-          <p:nvPr/>
-        </p:nvPicPr>
-        <p:blipFill>
-          <a:blip r:embed="rId2"/>
-          <a:stretch>
-            <a:fillRect/>
-          </a:stretch>
-        </p:blipFill>
-        <p:spPr>
-          <a:xfrm>
-            <a:off x="-1371600" y="-3593592"/>
-            <a:ext cx="11612880" cy="11612880"/>
-          </a:xfrm>
-          <a:prstGeom prst="rect">
-            <a:avLst/>
-          </a:prstGeom>
-        </p:spPr>
-      </p:pic>
-    </p:spTree>
-  </p:cSld>
-  <p:clrMapOvr>
-    <a:masterClrMapping/>
-  </p:clrMapOvr>
-</p:sld>
-</file>
-
-<file path=ppt/slides/slide5.xml><?xml version="1.0" encoding="utf-8"?>
-<p:sld xmlns:a="http://schemas.openxmlformats.org/drawingml/2006/main" xmlns:p="http://schemas.openxmlformats.org/presentationml/2006/main" xmlns:r="http://schemas.openxmlformats.org/officeDocument/2006/relationships">
-  <p:cSld>
-    <p:spTree>
-      <p:nvGrpSpPr>
-        <p:cNvPr id="1" name=""/>
-        <p:cNvGrpSpPr/>
-        <p:nvPr/>
-      </p:nvGrpSpPr>
-      <p:grpSpPr/>
-      <p:pic>
-        <p:nvPicPr>
-          <p:cNvPr id="2" name="Picture 1" descr="Layers.png"/>
-          <p:cNvPicPr>
-            <a:picLocks noChangeAspect="1"/>
-          </p:cNvPicPr>
-          <p:nvPr/>
-        </p:nvPicPr>
-        <p:blipFill>
-          <a:blip r:embed="rId2"/>
-          <a:stretch>
-            <a:fillRect/>
-          </a:stretch>
-        </p:blipFill>
-        <p:spPr>
-          <a:xfrm>
-            <a:off x="-1371600" y="-3593592"/>
-            <a:ext cx="11612880" cy="11612880"/>
-          </a:xfrm>
-          <a:prstGeom prst="rect">
-            <a:avLst/>
-          </a:prstGeom>
-        </p:spPr>
-      </p:pic>
-    </p:spTree>
-  </p:cSld>
-  <p:clrMapOvr>
-    <a:masterClrMapping/>
-  </p:clrMapOvr>
-</p:sld>
-</file>
-
-<file path=ppt/slides/slide6.xml><?xml version="1.0" encoding="utf-8"?>
-<p:sld xmlns:a="http://schemas.openxmlformats.org/drawingml/2006/main" xmlns:p="http://schemas.openxmlformats.org/presentationml/2006/main" xmlns:r="http://schemas.openxmlformats.org/officeDocument/2006/relationships">
-  <p:cSld>
-    <p:spTree>
-      <p:nvGrpSpPr>
-        <p:cNvPr id="1" name=""/>
-        <p:cNvGrpSpPr/>
-        <p:nvPr/>
-      </p:nvGrpSpPr>
-      <p:grpSpPr/>
-      <p:pic>
-        <p:nvPicPr>
-          <p:cNvPr id="2" name="Picture 1" descr="Layers.png"/>
-          <p:cNvPicPr>
-            <a:picLocks noChangeAspect="1"/>
-          </p:cNvPicPr>
-          <p:nvPr/>
-        </p:nvPicPr>
-        <p:blipFill>
-          <a:blip r:embed="rId2"/>
-          <a:stretch>
-            <a:fillRect/>
-          </a:stretch>
-        </p:blipFill>
-        <p:spPr>
-          <a:xfrm>
-            <a:off x="-1371600" y="-3593592"/>
+            <a:off x="-1417320" y="-4480560"/>
             <a:ext cx="11612880" cy="11612880"/>
           </a:xfrm>
           <a:prstGeom prst="rect">

--- a/Layers.pptx
+++ b/Layers.pptx
@@ -5,9 +5,31 @@
     <p:sldMasterId id="2147483648" r:id="rId1"/>
   </p:sldMasterIdLst>
   <p:sldIdLst>
-    <p:sldId id="256" r:id="rId2"/>
-    <p:sldId id="257" r:id="rId3"/>
-    <p:sldId id="258" r:id="rId4"/>
+    <p:sldId id="256" r:id="rId7"/>
+    <p:sldId id="257" r:id="rId8"/>
+    <p:sldId id="258" r:id="rId9"/>
+    <p:sldId id="259" r:id="rId10"/>
+    <p:sldId id="260" r:id="rId11"/>
+    <p:sldId id="261" r:id="rId12"/>
+    <p:sldId id="262" r:id="rId13"/>
+    <p:sldId id="263" r:id="rId14"/>
+    <p:sldId id="264" r:id="rId15"/>
+    <p:sldId id="265" r:id="rId16"/>
+    <p:sldId id="266" r:id="rId17"/>
+    <p:sldId id="267" r:id="rId18"/>
+    <p:sldId id="268" r:id="rId19"/>
+    <p:sldId id="269" r:id="rId20"/>
+    <p:sldId id="270" r:id="rId21"/>
+    <p:sldId id="271" r:id="rId22"/>
+    <p:sldId id="272" r:id="rId23"/>
+    <p:sldId id="273" r:id="rId24"/>
+    <p:sldId id="274" r:id="rId25"/>
+    <p:sldId id="275" r:id="rId26"/>
+    <p:sldId id="276" r:id="rId27"/>
+    <p:sldId id="277" r:id="rId28"/>
+    <p:sldId id="278" r:id="rId29"/>
+    <p:sldId id="279" r:id="rId30"/>
+    <p:sldId id="280" r:id="rId31"/>
   </p:sldIdLst>
   <p:sldSz cx="9144000" cy="6858000" type="screen4x3"/>
   <p:notesSz cx="6858000" cy="9144000"/>
@@ -106,22 +128,6 @@
       </a:defRPr>
     </a:lvl9pPr>
   </p:defaultTextStyle>
-  <p:extLst>
-    <p:ext uri="{EFAFB233-063F-42B5-8137-9DF3F51BA10A}">
-      <p15:sldGuideLst xmlns:p15="http://schemas.microsoft.com/office/powerpoint/2012/main">
-        <p15:guide id="1" orient="horz" pos="2160">
-          <p15:clr>
-            <a:srgbClr val="A4A3A4"/>
-          </p15:clr>
-        </p15:guide>
-        <p15:guide id="2" pos="2880">
-          <p15:clr>
-            <a:srgbClr val="A4A3A4"/>
-          </p15:clr>
-        </p15:guide>
-      </p15:sldGuideLst>
-    </p:ext>
-  </p:extLst>
 </p:presentation>
 </file>
 
@@ -163,9 +169,10 @@
           <a:lstStyle/>
           <a:p>
             <a:r>
-              <a:rPr lang="en-US"/>
+              <a:rPr lang="en-US" smtClean="0"/>
               <a:t>Click to edit Master title style</a:t>
             </a:r>
+            <a:endParaRPr lang="en-US"/>
           </a:p>
         </p:txBody>
       </p:sp>
@@ -281,9 +288,10 @@
           </a:lstStyle>
           <a:p>
             <a:r>
-              <a:rPr lang="en-US"/>
+              <a:rPr lang="en-US" smtClean="0"/>
               <a:t>Click to edit Master subtitle style</a:t>
             </a:r>
+            <a:endParaRPr lang="en-US"/>
           </a:p>
         </p:txBody>
       </p:sp>
@@ -304,7 +312,7 @@
           <a:p>
             <a:fld id="{5BCAD085-E8A6-8845-BD4E-CB4CCA059FC4}" type="datetimeFigureOut">
               <a:rPr lang="en-US" smtClean="0"/>
-              <a:t>5/13/2024</a:t>
+              <a:t>1/27/13</a:t>
             </a:fld>
             <a:endParaRPr lang="en-US"/>
           </a:p>
@@ -398,9 +406,10 @@
           <a:lstStyle/>
           <a:p>
             <a:r>
-              <a:rPr lang="en-US"/>
+              <a:rPr lang="en-US" smtClean="0"/>
               <a:t>Click to edit Master title style</a:t>
             </a:r>
+            <a:endParaRPr lang="en-US"/>
           </a:p>
         </p:txBody>
       </p:sp>
@@ -421,37 +430,38 @@
           <a:p>
             <a:pPr lvl="0"/>
             <a:r>
-              <a:rPr lang="en-US"/>
+              <a:rPr lang="en-US" smtClean="0"/>
               <a:t>Click to edit Master text styles</a:t>
             </a:r>
           </a:p>
           <a:p>
             <a:pPr lvl="1"/>
             <a:r>
-              <a:rPr lang="en-US"/>
+              <a:rPr lang="en-US" smtClean="0"/>
               <a:t>Second level</a:t>
             </a:r>
           </a:p>
           <a:p>
             <a:pPr lvl="2"/>
             <a:r>
-              <a:rPr lang="en-US"/>
+              <a:rPr lang="en-US" smtClean="0"/>
               <a:t>Third level</a:t>
             </a:r>
           </a:p>
           <a:p>
             <a:pPr lvl="3"/>
             <a:r>
-              <a:rPr lang="en-US"/>
+              <a:rPr lang="en-US" smtClean="0"/>
               <a:t>Fourth level</a:t>
             </a:r>
           </a:p>
           <a:p>
             <a:pPr lvl="4"/>
             <a:r>
-              <a:rPr lang="en-US"/>
+              <a:rPr lang="en-US" smtClean="0"/>
               <a:t>Fifth level</a:t>
             </a:r>
+            <a:endParaRPr lang="en-US"/>
           </a:p>
         </p:txBody>
       </p:sp>
@@ -472,7 +482,7 @@
           <a:p>
             <a:fld id="{5BCAD085-E8A6-8845-BD4E-CB4CCA059FC4}" type="datetimeFigureOut">
               <a:rPr lang="en-US" smtClean="0"/>
-              <a:t>5/13/2024</a:t>
+              <a:t>1/27/13</a:t>
             </a:fld>
             <a:endParaRPr lang="en-US"/>
           </a:p>
@@ -571,9 +581,10 @@
           <a:lstStyle/>
           <a:p>
             <a:r>
-              <a:rPr lang="en-US"/>
+              <a:rPr lang="en-US" smtClean="0"/>
               <a:t>Click to edit Master title style</a:t>
             </a:r>
+            <a:endParaRPr lang="en-US"/>
           </a:p>
         </p:txBody>
       </p:sp>
@@ -599,37 +610,38 @@
           <a:p>
             <a:pPr lvl="0"/>
             <a:r>
-              <a:rPr lang="en-US"/>
+              <a:rPr lang="en-US" smtClean="0"/>
               <a:t>Click to edit Master text styles</a:t>
             </a:r>
           </a:p>
           <a:p>
             <a:pPr lvl="1"/>
             <a:r>
-              <a:rPr lang="en-US"/>
+              <a:rPr lang="en-US" smtClean="0"/>
               <a:t>Second level</a:t>
             </a:r>
           </a:p>
           <a:p>
             <a:pPr lvl="2"/>
             <a:r>
-              <a:rPr lang="en-US"/>
+              <a:rPr lang="en-US" smtClean="0"/>
               <a:t>Third level</a:t>
             </a:r>
           </a:p>
           <a:p>
             <a:pPr lvl="3"/>
             <a:r>
-              <a:rPr lang="en-US"/>
+              <a:rPr lang="en-US" smtClean="0"/>
               <a:t>Fourth level</a:t>
             </a:r>
           </a:p>
           <a:p>
             <a:pPr lvl="4"/>
             <a:r>
-              <a:rPr lang="en-US"/>
+              <a:rPr lang="en-US" smtClean="0"/>
               <a:t>Fifth level</a:t>
             </a:r>
+            <a:endParaRPr lang="en-US"/>
           </a:p>
         </p:txBody>
       </p:sp>
@@ -650,7 +662,7 @@
           <a:p>
             <a:fld id="{5BCAD085-E8A6-8845-BD4E-CB4CCA059FC4}" type="datetimeFigureOut">
               <a:rPr lang="en-US" smtClean="0"/>
-              <a:t>5/13/2024</a:t>
+              <a:t>1/27/13</a:t>
             </a:fld>
             <a:endParaRPr lang="en-US"/>
           </a:p>
@@ -744,9 +756,10 @@
           <a:lstStyle/>
           <a:p>
             <a:r>
-              <a:rPr lang="en-US"/>
+              <a:rPr lang="en-US" smtClean="0"/>
               <a:t>Click to edit Master title style</a:t>
             </a:r>
+            <a:endParaRPr lang="en-US"/>
           </a:p>
         </p:txBody>
       </p:sp>
@@ -767,37 +780,38 @@
           <a:p>
             <a:pPr lvl="0"/>
             <a:r>
-              <a:rPr lang="en-US"/>
+              <a:rPr lang="en-US" smtClean="0"/>
               <a:t>Click to edit Master text styles</a:t>
             </a:r>
           </a:p>
           <a:p>
             <a:pPr lvl="1"/>
             <a:r>
-              <a:rPr lang="en-US"/>
+              <a:rPr lang="en-US" smtClean="0"/>
               <a:t>Second level</a:t>
             </a:r>
           </a:p>
           <a:p>
             <a:pPr lvl="2"/>
             <a:r>
-              <a:rPr lang="en-US"/>
+              <a:rPr lang="en-US" smtClean="0"/>
               <a:t>Third level</a:t>
             </a:r>
           </a:p>
           <a:p>
             <a:pPr lvl="3"/>
             <a:r>
-              <a:rPr lang="en-US"/>
+              <a:rPr lang="en-US" smtClean="0"/>
               <a:t>Fourth level</a:t>
             </a:r>
           </a:p>
           <a:p>
             <a:pPr lvl="4"/>
             <a:r>
-              <a:rPr lang="en-US"/>
+              <a:rPr lang="en-US" smtClean="0"/>
               <a:t>Fifth level</a:t>
             </a:r>
+            <a:endParaRPr lang="en-US"/>
           </a:p>
         </p:txBody>
       </p:sp>
@@ -818,7 +832,7 @@
           <a:p>
             <a:fld id="{5BCAD085-E8A6-8845-BD4E-CB4CCA059FC4}" type="datetimeFigureOut">
               <a:rPr lang="en-US" smtClean="0"/>
-              <a:t>5/13/2024</a:t>
+              <a:t>1/27/13</a:t>
             </a:fld>
             <a:endParaRPr lang="en-US"/>
           </a:p>
@@ -921,9 +935,10 @@
           </a:lstStyle>
           <a:p>
             <a:r>
-              <a:rPr lang="en-US"/>
+              <a:rPr lang="en-US" smtClean="0"/>
               <a:t>Click to edit Master title style</a:t>
             </a:r>
+            <a:endParaRPr lang="en-US"/>
           </a:p>
         </p:txBody>
       </p:sp>
@@ -1040,7 +1055,7 @@
           <a:p>
             <a:pPr lvl="0"/>
             <a:r>
-              <a:rPr lang="en-US"/>
+              <a:rPr lang="en-US" smtClean="0"/>
               <a:t>Click to edit Master text styles</a:t>
             </a:r>
           </a:p>
@@ -1063,7 +1078,7 @@
           <a:p>
             <a:fld id="{5BCAD085-E8A6-8845-BD4E-CB4CCA059FC4}" type="datetimeFigureOut">
               <a:rPr lang="en-US" smtClean="0"/>
-              <a:t>5/13/2024</a:t>
+              <a:t>1/27/13</a:t>
             </a:fld>
             <a:endParaRPr lang="en-US"/>
           </a:p>
@@ -1157,9 +1172,10 @@
           <a:lstStyle/>
           <a:p>
             <a:r>
-              <a:rPr lang="en-US"/>
+              <a:rPr lang="en-US" smtClean="0"/>
               <a:t>Click to edit Master title style</a:t>
             </a:r>
+            <a:endParaRPr lang="en-US"/>
           </a:p>
         </p:txBody>
       </p:sp>
@@ -1213,37 +1229,38 @@
           <a:p>
             <a:pPr lvl="0"/>
             <a:r>
-              <a:rPr lang="en-US"/>
+              <a:rPr lang="en-US" smtClean="0"/>
               <a:t>Click to edit Master text styles</a:t>
             </a:r>
           </a:p>
           <a:p>
             <a:pPr lvl="1"/>
             <a:r>
-              <a:rPr lang="en-US"/>
+              <a:rPr lang="en-US" smtClean="0"/>
               <a:t>Second level</a:t>
             </a:r>
           </a:p>
           <a:p>
             <a:pPr lvl="2"/>
             <a:r>
-              <a:rPr lang="en-US"/>
+              <a:rPr lang="en-US" smtClean="0"/>
               <a:t>Third level</a:t>
             </a:r>
           </a:p>
           <a:p>
             <a:pPr lvl="3"/>
             <a:r>
-              <a:rPr lang="en-US"/>
+              <a:rPr lang="en-US" smtClean="0"/>
               <a:t>Fourth level</a:t>
             </a:r>
           </a:p>
           <a:p>
             <a:pPr lvl="4"/>
             <a:r>
-              <a:rPr lang="en-US"/>
+              <a:rPr lang="en-US" smtClean="0"/>
               <a:t>Fifth level</a:t>
             </a:r>
+            <a:endParaRPr lang="en-US"/>
           </a:p>
         </p:txBody>
       </p:sp>
@@ -1297,37 +1314,38 @@
           <a:p>
             <a:pPr lvl="0"/>
             <a:r>
-              <a:rPr lang="en-US"/>
+              <a:rPr lang="en-US" smtClean="0"/>
               <a:t>Click to edit Master text styles</a:t>
             </a:r>
           </a:p>
           <a:p>
             <a:pPr lvl="1"/>
             <a:r>
-              <a:rPr lang="en-US"/>
+              <a:rPr lang="en-US" smtClean="0"/>
               <a:t>Second level</a:t>
             </a:r>
           </a:p>
           <a:p>
             <a:pPr lvl="2"/>
             <a:r>
-              <a:rPr lang="en-US"/>
+              <a:rPr lang="en-US" smtClean="0"/>
               <a:t>Third level</a:t>
             </a:r>
           </a:p>
           <a:p>
             <a:pPr lvl="3"/>
             <a:r>
-              <a:rPr lang="en-US"/>
+              <a:rPr lang="en-US" smtClean="0"/>
               <a:t>Fourth level</a:t>
             </a:r>
           </a:p>
           <a:p>
             <a:pPr lvl="4"/>
             <a:r>
-              <a:rPr lang="en-US"/>
+              <a:rPr lang="en-US" smtClean="0"/>
               <a:t>Fifth level</a:t>
             </a:r>
+            <a:endParaRPr lang="en-US"/>
           </a:p>
         </p:txBody>
       </p:sp>
@@ -1348,7 +1366,7 @@
           <a:p>
             <a:fld id="{5BCAD085-E8A6-8845-BD4E-CB4CCA059FC4}" type="datetimeFigureOut">
               <a:rPr lang="en-US" smtClean="0"/>
-              <a:t>5/13/2024</a:t>
+              <a:t>1/27/13</a:t>
             </a:fld>
             <a:endParaRPr lang="en-US"/>
           </a:p>
@@ -1446,9 +1464,10 @@
           </a:lstStyle>
           <a:p>
             <a:r>
-              <a:rPr lang="en-US"/>
+              <a:rPr lang="en-US" smtClean="0"/>
               <a:t>Click to edit Master title style</a:t>
             </a:r>
+            <a:endParaRPr lang="en-US"/>
           </a:p>
         </p:txBody>
       </p:sp>
@@ -1511,7 +1530,7 @@
           <a:p>
             <a:pPr lvl="0"/>
             <a:r>
-              <a:rPr lang="en-US"/>
+              <a:rPr lang="en-US" smtClean="0"/>
               <a:t>Click to edit Master text styles</a:t>
             </a:r>
           </a:p>
@@ -1567,37 +1586,38 @@
           <a:p>
             <a:pPr lvl="0"/>
             <a:r>
-              <a:rPr lang="en-US"/>
+              <a:rPr lang="en-US" smtClean="0"/>
               <a:t>Click to edit Master text styles</a:t>
             </a:r>
           </a:p>
           <a:p>
             <a:pPr lvl="1"/>
             <a:r>
-              <a:rPr lang="en-US"/>
+              <a:rPr lang="en-US" smtClean="0"/>
               <a:t>Second level</a:t>
             </a:r>
           </a:p>
           <a:p>
             <a:pPr lvl="2"/>
             <a:r>
-              <a:rPr lang="en-US"/>
+              <a:rPr lang="en-US" smtClean="0"/>
               <a:t>Third level</a:t>
             </a:r>
           </a:p>
           <a:p>
             <a:pPr lvl="3"/>
             <a:r>
-              <a:rPr lang="en-US"/>
+              <a:rPr lang="en-US" smtClean="0"/>
               <a:t>Fourth level</a:t>
             </a:r>
           </a:p>
           <a:p>
             <a:pPr lvl="4"/>
             <a:r>
-              <a:rPr lang="en-US"/>
+              <a:rPr lang="en-US" smtClean="0"/>
               <a:t>Fifth level</a:t>
             </a:r>
+            <a:endParaRPr lang="en-US"/>
           </a:p>
         </p:txBody>
       </p:sp>
@@ -1660,7 +1680,7 @@
           <a:p>
             <a:pPr lvl="0"/>
             <a:r>
-              <a:rPr lang="en-US"/>
+              <a:rPr lang="en-US" smtClean="0"/>
               <a:t>Click to edit Master text styles</a:t>
             </a:r>
           </a:p>
@@ -1716,37 +1736,38 @@
           <a:p>
             <a:pPr lvl="0"/>
             <a:r>
-              <a:rPr lang="en-US"/>
+              <a:rPr lang="en-US" smtClean="0"/>
               <a:t>Click to edit Master text styles</a:t>
             </a:r>
           </a:p>
           <a:p>
             <a:pPr lvl="1"/>
             <a:r>
-              <a:rPr lang="en-US"/>
+              <a:rPr lang="en-US" smtClean="0"/>
               <a:t>Second level</a:t>
             </a:r>
           </a:p>
           <a:p>
             <a:pPr lvl="2"/>
             <a:r>
-              <a:rPr lang="en-US"/>
+              <a:rPr lang="en-US" smtClean="0"/>
               <a:t>Third level</a:t>
             </a:r>
           </a:p>
           <a:p>
             <a:pPr lvl="3"/>
             <a:r>
-              <a:rPr lang="en-US"/>
+              <a:rPr lang="en-US" smtClean="0"/>
               <a:t>Fourth level</a:t>
             </a:r>
           </a:p>
           <a:p>
             <a:pPr lvl="4"/>
             <a:r>
-              <a:rPr lang="en-US"/>
+              <a:rPr lang="en-US" smtClean="0"/>
               <a:t>Fifth level</a:t>
             </a:r>
+            <a:endParaRPr lang="en-US"/>
           </a:p>
         </p:txBody>
       </p:sp>
@@ -1767,7 +1788,7 @@
           <a:p>
             <a:fld id="{5BCAD085-E8A6-8845-BD4E-CB4CCA059FC4}" type="datetimeFigureOut">
               <a:rPr lang="en-US" smtClean="0"/>
-              <a:t>5/13/2024</a:t>
+              <a:t>1/27/13</a:t>
             </a:fld>
             <a:endParaRPr lang="en-US"/>
           </a:p>
@@ -1861,9 +1882,10 @@
           <a:lstStyle/>
           <a:p>
             <a:r>
-              <a:rPr lang="en-US"/>
+              <a:rPr lang="en-US" smtClean="0"/>
               <a:t>Click to edit Master title style</a:t>
             </a:r>
+            <a:endParaRPr lang="en-US"/>
           </a:p>
         </p:txBody>
       </p:sp>
@@ -1884,7 +1906,7 @@
           <a:p>
             <a:fld id="{5BCAD085-E8A6-8845-BD4E-CB4CCA059FC4}" type="datetimeFigureOut">
               <a:rPr lang="en-US" smtClean="0"/>
-              <a:t>5/13/2024</a:t>
+              <a:t>1/27/13</a:t>
             </a:fld>
             <a:endParaRPr lang="en-US"/>
           </a:p>
@@ -1979,7 +2001,7 @@
           <a:p>
             <a:fld id="{5BCAD085-E8A6-8845-BD4E-CB4CCA059FC4}" type="datetimeFigureOut">
               <a:rPr lang="en-US" smtClean="0"/>
-              <a:t>5/13/2024</a:t>
+              <a:t>1/27/13</a:t>
             </a:fld>
             <a:endParaRPr lang="en-US"/>
           </a:p>
@@ -2082,9 +2104,10 @@
           </a:lstStyle>
           <a:p>
             <a:r>
-              <a:rPr lang="en-US"/>
+              <a:rPr lang="en-US" smtClean="0"/>
               <a:t>Click to edit Master title style</a:t>
             </a:r>
+            <a:endParaRPr lang="en-US"/>
           </a:p>
         </p:txBody>
       </p:sp>
@@ -2138,37 +2161,38 @@
           <a:p>
             <a:pPr lvl="0"/>
             <a:r>
-              <a:rPr lang="en-US"/>
+              <a:rPr lang="en-US" smtClean="0"/>
               <a:t>Click to edit Master text styles</a:t>
             </a:r>
           </a:p>
           <a:p>
             <a:pPr lvl="1"/>
             <a:r>
-              <a:rPr lang="en-US"/>
+              <a:rPr lang="en-US" smtClean="0"/>
               <a:t>Second level</a:t>
             </a:r>
           </a:p>
           <a:p>
             <a:pPr lvl="2"/>
             <a:r>
-              <a:rPr lang="en-US"/>
+              <a:rPr lang="en-US" smtClean="0"/>
               <a:t>Third level</a:t>
             </a:r>
           </a:p>
           <a:p>
             <a:pPr lvl="3"/>
             <a:r>
-              <a:rPr lang="en-US"/>
+              <a:rPr lang="en-US" smtClean="0"/>
               <a:t>Fourth level</a:t>
             </a:r>
           </a:p>
           <a:p>
             <a:pPr lvl="4"/>
             <a:r>
-              <a:rPr lang="en-US"/>
+              <a:rPr lang="en-US" smtClean="0"/>
               <a:t>Fifth level</a:t>
             </a:r>
+            <a:endParaRPr lang="en-US"/>
           </a:p>
         </p:txBody>
       </p:sp>
@@ -2231,7 +2255,7 @@
           <a:p>
             <a:pPr lvl="0"/>
             <a:r>
-              <a:rPr lang="en-US"/>
+              <a:rPr lang="en-US" smtClean="0"/>
               <a:t>Click to edit Master text styles</a:t>
             </a:r>
           </a:p>
@@ -2254,7 +2278,7 @@
           <a:p>
             <a:fld id="{5BCAD085-E8A6-8845-BD4E-CB4CCA059FC4}" type="datetimeFigureOut">
               <a:rPr lang="en-US" smtClean="0"/>
-              <a:t>5/13/2024</a:t>
+              <a:t>1/27/13</a:t>
             </a:fld>
             <a:endParaRPr lang="en-US"/>
           </a:p>
@@ -2357,9 +2381,10 @@
           </a:lstStyle>
           <a:p>
             <a:r>
-              <a:rPr lang="en-US"/>
+              <a:rPr lang="en-US" smtClean="0"/>
               <a:t>Click to edit Master title style</a:t>
             </a:r>
+            <a:endParaRPr lang="en-US"/>
           </a:p>
         </p:txBody>
       </p:sp>
@@ -2483,7 +2508,7 @@
           <a:p>
             <a:pPr lvl="0"/>
             <a:r>
-              <a:rPr lang="en-US"/>
+              <a:rPr lang="en-US" smtClean="0"/>
               <a:t>Click to edit Master text styles</a:t>
             </a:r>
           </a:p>
@@ -2506,7 +2531,7 @@
           <a:p>
             <a:fld id="{5BCAD085-E8A6-8845-BD4E-CB4CCA059FC4}" type="datetimeFigureOut">
               <a:rPr lang="en-US" smtClean="0"/>
-              <a:t>5/13/2024</a:t>
+              <a:t>1/27/13</a:t>
             </a:fld>
             <a:endParaRPr lang="en-US"/>
           </a:p>
@@ -2615,9 +2640,10 @@
           <a:lstStyle/>
           <a:p>
             <a:r>
-              <a:rPr lang="en-US"/>
+              <a:rPr lang="en-US" smtClean="0"/>
               <a:t>Click to edit Master title style</a:t>
             </a:r>
+            <a:endParaRPr lang="en-US"/>
           </a:p>
         </p:txBody>
       </p:sp>
@@ -2648,37 +2674,38 @@
           <a:p>
             <a:pPr lvl="0"/>
             <a:r>
-              <a:rPr lang="en-US"/>
+              <a:rPr lang="en-US" smtClean="0"/>
               <a:t>Click to edit Master text styles</a:t>
             </a:r>
           </a:p>
           <a:p>
             <a:pPr lvl="1"/>
             <a:r>
-              <a:rPr lang="en-US"/>
+              <a:rPr lang="en-US" smtClean="0"/>
               <a:t>Second level</a:t>
             </a:r>
           </a:p>
           <a:p>
             <a:pPr lvl="2"/>
             <a:r>
-              <a:rPr lang="en-US"/>
+              <a:rPr lang="en-US" smtClean="0"/>
               <a:t>Third level</a:t>
             </a:r>
           </a:p>
           <a:p>
             <a:pPr lvl="3"/>
             <a:r>
-              <a:rPr lang="en-US"/>
+              <a:rPr lang="en-US" smtClean="0"/>
               <a:t>Fourth level</a:t>
             </a:r>
           </a:p>
           <a:p>
             <a:pPr lvl="4"/>
             <a:r>
-              <a:rPr lang="en-US"/>
+              <a:rPr lang="en-US" smtClean="0"/>
               <a:t>Fifth level</a:t>
             </a:r>
+            <a:endParaRPr lang="en-US"/>
           </a:p>
         </p:txBody>
       </p:sp>
@@ -2717,7 +2744,7 @@
           <a:p>
             <a:fld id="{5BCAD085-E8A6-8845-BD4E-CB4CCA059FC4}" type="datetimeFigureOut">
               <a:rPr lang="en-US" smtClean="0"/>
-              <a:t>5/13/2024</a:t>
+              <a:t>1/27/13</a:t>
             </a:fld>
             <a:endParaRPr lang="en-US"/>
           </a:p>
@@ -3076,7 +3103,7 @@
 </file>
 
 <file path=ppt/slides/slide1.xml><?xml version="1.0" encoding="utf-8"?>
-<p:sld xmlns:a="http://schemas.openxmlformats.org/drawingml/2006/main" xmlns:r="http://schemas.openxmlformats.org/officeDocument/2006/relationships" xmlns:p="http://schemas.openxmlformats.org/presentationml/2006/main">
+<p:sld xmlns:a="http://schemas.openxmlformats.org/drawingml/2006/main" xmlns:p="http://schemas.openxmlformats.org/presentationml/2006/main" xmlns:r="http://schemas.openxmlformats.org/officeDocument/2006/relationships">
   <p:cSld>
     <p:spTree>
       <p:nvGrpSpPr>
@@ -3084,14 +3111,7 @@
         <p:cNvGrpSpPr/>
         <p:nvPr/>
       </p:nvGrpSpPr>
-      <p:grpSpPr>
-        <a:xfrm>
-          <a:off x="0" y="0"/>
-          <a:ext cx="0" cy="0"/>
-          <a:chOff x="0" y="0"/>
-          <a:chExt cx="0" cy="0"/>
-        </a:xfrm>
-      </p:grpSpPr>
+      <p:grpSpPr/>
       <p:pic>
         <p:nvPicPr>
           <p:cNvPr id="2" name="Picture 1" descr="Layers.png"/>
@@ -3124,8 +3144,8 @@
 </p:sld>
 </file>
 
-<file path=ppt/slides/slide2.xml><?xml version="1.0" encoding="utf-8"?>
-<p:sld xmlns:a="http://schemas.openxmlformats.org/drawingml/2006/main" xmlns:r="http://schemas.openxmlformats.org/officeDocument/2006/relationships" xmlns:p="http://schemas.openxmlformats.org/presentationml/2006/main">
+<file path=ppt/slides/slide10.xml><?xml version="1.0" encoding="utf-8"?>
+<p:sld xmlns:a="http://schemas.openxmlformats.org/drawingml/2006/main" xmlns:p="http://schemas.openxmlformats.org/presentationml/2006/main" xmlns:r="http://schemas.openxmlformats.org/officeDocument/2006/relationships">
   <p:cSld>
     <p:spTree>
       <p:nvGrpSpPr>
@@ -3133,14 +3153,7 @@
         <p:cNvGrpSpPr/>
         <p:nvPr/>
       </p:nvGrpSpPr>
-      <p:grpSpPr>
-        <a:xfrm>
-          <a:off x="0" y="0"/>
-          <a:ext cx="0" cy="0"/>
-          <a:chOff x="0" y="0"/>
-          <a:chExt cx="0" cy="0"/>
-        </a:xfrm>
-      </p:grpSpPr>
+      <p:grpSpPr/>
       <p:pic>
         <p:nvPicPr>
           <p:cNvPr id="2" name="Picture 1" descr="Layers.png"/>
@@ -3173,8 +3186,8 @@
 </p:sld>
 </file>
 
-<file path=ppt/slides/slide3.xml><?xml version="1.0" encoding="utf-8"?>
-<p:sld xmlns:a="http://schemas.openxmlformats.org/drawingml/2006/main" xmlns:r="http://schemas.openxmlformats.org/officeDocument/2006/relationships" xmlns:p="http://schemas.openxmlformats.org/presentationml/2006/main">
+<file path=ppt/slides/slide11.xml><?xml version="1.0" encoding="utf-8"?>
+<p:sld xmlns:a="http://schemas.openxmlformats.org/drawingml/2006/main" xmlns:p="http://schemas.openxmlformats.org/presentationml/2006/main" xmlns:r="http://schemas.openxmlformats.org/officeDocument/2006/relationships">
   <p:cSld>
     <p:spTree>
       <p:nvGrpSpPr>
@@ -3182,14 +3195,931 @@
         <p:cNvGrpSpPr/>
         <p:nvPr/>
       </p:nvGrpSpPr>
-      <p:grpSpPr>
-        <a:xfrm>
-          <a:off x="0" y="0"/>
-          <a:ext cx="0" cy="0"/>
-          <a:chOff x="0" y="0"/>
-          <a:chExt cx="0" cy="0"/>
-        </a:xfrm>
-      </p:grpSpPr>
+      <p:grpSpPr/>
+      <p:pic>
+        <p:nvPicPr>
+          <p:cNvPr id="2" name="Picture 1" descr="Layers.png"/>
+          <p:cNvPicPr>
+            <a:picLocks noChangeAspect="1"/>
+          </p:cNvPicPr>
+          <p:nvPr/>
+        </p:nvPicPr>
+        <p:blipFill>
+          <a:blip r:embed="rId2"/>
+          <a:stretch>
+            <a:fillRect/>
+          </a:stretch>
+        </p:blipFill>
+        <p:spPr>
+          <a:xfrm>
+            <a:off x="-1417320" y="-4480560"/>
+            <a:ext cx="11612880" cy="11612880"/>
+          </a:xfrm>
+          <a:prstGeom prst="rect">
+            <a:avLst/>
+          </a:prstGeom>
+        </p:spPr>
+      </p:pic>
+    </p:spTree>
+  </p:cSld>
+  <p:clrMapOvr>
+    <a:masterClrMapping/>
+  </p:clrMapOvr>
+</p:sld>
+</file>
+
+<file path=ppt/slides/slide12.xml><?xml version="1.0" encoding="utf-8"?>
+<p:sld xmlns:a="http://schemas.openxmlformats.org/drawingml/2006/main" xmlns:p="http://schemas.openxmlformats.org/presentationml/2006/main" xmlns:r="http://schemas.openxmlformats.org/officeDocument/2006/relationships">
+  <p:cSld>
+    <p:spTree>
+      <p:nvGrpSpPr>
+        <p:cNvPr id="1" name=""/>
+        <p:cNvGrpSpPr/>
+        <p:nvPr/>
+      </p:nvGrpSpPr>
+      <p:grpSpPr/>
+      <p:pic>
+        <p:nvPicPr>
+          <p:cNvPr id="2" name="Picture 1" descr="Layers.png"/>
+          <p:cNvPicPr>
+            <a:picLocks noChangeAspect="1"/>
+          </p:cNvPicPr>
+          <p:nvPr/>
+        </p:nvPicPr>
+        <p:blipFill>
+          <a:blip r:embed="rId2"/>
+          <a:stretch>
+            <a:fillRect/>
+          </a:stretch>
+        </p:blipFill>
+        <p:spPr>
+          <a:xfrm>
+            <a:off x="-1417320" y="-4480560"/>
+            <a:ext cx="11612880" cy="11612880"/>
+          </a:xfrm>
+          <a:prstGeom prst="rect">
+            <a:avLst/>
+          </a:prstGeom>
+        </p:spPr>
+      </p:pic>
+    </p:spTree>
+  </p:cSld>
+  <p:clrMapOvr>
+    <a:masterClrMapping/>
+  </p:clrMapOvr>
+</p:sld>
+</file>
+
+<file path=ppt/slides/slide13.xml><?xml version="1.0" encoding="utf-8"?>
+<p:sld xmlns:a="http://schemas.openxmlformats.org/drawingml/2006/main" xmlns:p="http://schemas.openxmlformats.org/presentationml/2006/main" xmlns:r="http://schemas.openxmlformats.org/officeDocument/2006/relationships">
+  <p:cSld>
+    <p:spTree>
+      <p:nvGrpSpPr>
+        <p:cNvPr id="1" name=""/>
+        <p:cNvGrpSpPr/>
+        <p:nvPr/>
+      </p:nvGrpSpPr>
+      <p:grpSpPr/>
+      <p:pic>
+        <p:nvPicPr>
+          <p:cNvPr id="2" name="Picture 1" descr="Layers.png"/>
+          <p:cNvPicPr>
+            <a:picLocks noChangeAspect="1"/>
+          </p:cNvPicPr>
+          <p:nvPr/>
+        </p:nvPicPr>
+        <p:blipFill>
+          <a:blip r:embed="rId2"/>
+          <a:stretch>
+            <a:fillRect/>
+          </a:stretch>
+        </p:blipFill>
+        <p:spPr>
+          <a:xfrm>
+            <a:off x="-1417320" y="-4480560"/>
+            <a:ext cx="11612880" cy="11612880"/>
+          </a:xfrm>
+          <a:prstGeom prst="rect">
+            <a:avLst/>
+          </a:prstGeom>
+        </p:spPr>
+      </p:pic>
+    </p:spTree>
+  </p:cSld>
+  <p:clrMapOvr>
+    <a:masterClrMapping/>
+  </p:clrMapOvr>
+</p:sld>
+</file>
+
+<file path=ppt/slides/slide14.xml><?xml version="1.0" encoding="utf-8"?>
+<p:sld xmlns:a="http://schemas.openxmlformats.org/drawingml/2006/main" xmlns:p="http://schemas.openxmlformats.org/presentationml/2006/main" xmlns:r="http://schemas.openxmlformats.org/officeDocument/2006/relationships">
+  <p:cSld>
+    <p:spTree>
+      <p:nvGrpSpPr>
+        <p:cNvPr id="1" name=""/>
+        <p:cNvGrpSpPr/>
+        <p:nvPr/>
+      </p:nvGrpSpPr>
+      <p:grpSpPr/>
+      <p:pic>
+        <p:nvPicPr>
+          <p:cNvPr id="2" name="Picture 1" descr="Layers.png"/>
+          <p:cNvPicPr>
+            <a:picLocks noChangeAspect="1"/>
+          </p:cNvPicPr>
+          <p:nvPr/>
+        </p:nvPicPr>
+        <p:blipFill>
+          <a:blip r:embed="rId2"/>
+          <a:stretch>
+            <a:fillRect/>
+          </a:stretch>
+        </p:blipFill>
+        <p:spPr>
+          <a:xfrm>
+            <a:off x="-1417320" y="-4480560"/>
+            <a:ext cx="11612880" cy="11612880"/>
+          </a:xfrm>
+          <a:prstGeom prst="rect">
+            <a:avLst/>
+          </a:prstGeom>
+        </p:spPr>
+      </p:pic>
+    </p:spTree>
+  </p:cSld>
+  <p:clrMapOvr>
+    <a:masterClrMapping/>
+  </p:clrMapOvr>
+</p:sld>
+</file>
+
+<file path=ppt/slides/slide15.xml><?xml version="1.0" encoding="utf-8"?>
+<p:sld xmlns:a="http://schemas.openxmlformats.org/drawingml/2006/main" xmlns:p="http://schemas.openxmlformats.org/presentationml/2006/main" xmlns:r="http://schemas.openxmlformats.org/officeDocument/2006/relationships">
+  <p:cSld>
+    <p:spTree>
+      <p:nvGrpSpPr>
+        <p:cNvPr id="1" name=""/>
+        <p:cNvGrpSpPr/>
+        <p:nvPr/>
+      </p:nvGrpSpPr>
+      <p:grpSpPr/>
+      <p:pic>
+        <p:nvPicPr>
+          <p:cNvPr id="2" name="Picture 1" descr="Layers.png"/>
+          <p:cNvPicPr>
+            <a:picLocks noChangeAspect="1"/>
+          </p:cNvPicPr>
+          <p:nvPr/>
+        </p:nvPicPr>
+        <p:blipFill>
+          <a:blip r:embed="rId2"/>
+          <a:stretch>
+            <a:fillRect/>
+          </a:stretch>
+        </p:blipFill>
+        <p:spPr>
+          <a:xfrm>
+            <a:off x="-1417320" y="-4480560"/>
+            <a:ext cx="11612880" cy="11612880"/>
+          </a:xfrm>
+          <a:prstGeom prst="rect">
+            <a:avLst/>
+          </a:prstGeom>
+        </p:spPr>
+      </p:pic>
+    </p:spTree>
+  </p:cSld>
+  <p:clrMapOvr>
+    <a:masterClrMapping/>
+  </p:clrMapOvr>
+</p:sld>
+</file>
+
+<file path=ppt/slides/slide16.xml><?xml version="1.0" encoding="utf-8"?>
+<p:sld xmlns:a="http://schemas.openxmlformats.org/drawingml/2006/main" xmlns:p="http://schemas.openxmlformats.org/presentationml/2006/main" xmlns:r="http://schemas.openxmlformats.org/officeDocument/2006/relationships">
+  <p:cSld>
+    <p:spTree>
+      <p:nvGrpSpPr>
+        <p:cNvPr id="1" name=""/>
+        <p:cNvGrpSpPr/>
+        <p:nvPr/>
+      </p:nvGrpSpPr>
+      <p:grpSpPr/>
+      <p:pic>
+        <p:nvPicPr>
+          <p:cNvPr id="2" name="Picture 1" descr="Layers.png"/>
+          <p:cNvPicPr>
+            <a:picLocks noChangeAspect="1"/>
+          </p:cNvPicPr>
+          <p:nvPr/>
+        </p:nvPicPr>
+        <p:blipFill>
+          <a:blip r:embed="rId2"/>
+          <a:stretch>
+            <a:fillRect/>
+          </a:stretch>
+        </p:blipFill>
+        <p:spPr>
+          <a:xfrm>
+            <a:off x="-1417320" y="-4480560"/>
+            <a:ext cx="11612880" cy="11612880"/>
+          </a:xfrm>
+          <a:prstGeom prst="rect">
+            <a:avLst/>
+          </a:prstGeom>
+        </p:spPr>
+      </p:pic>
+    </p:spTree>
+  </p:cSld>
+  <p:clrMapOvr>
+    <a:masterClrMapping/>
+  </p:clrMapOvr>
+</p:sld>
+</file>
+
+<file path=ppt/slides/slide17.xml><?xml version="1.0" encoding="utf-8"?>
+<p:sld xmlns:a="http://schemas.openxmlformats.org/drawingml/2006/main" xmlns:p="http://schemas.openxmlformats.org/presentationml/2006/main" xmlns:r="http://schemas.openxmlformats.org/officeDocument/2006/relationships">
+  <p:cSld>
+    <p:spTree>
+      <p:nvGrpSpPr>
+        <p:cNvPr id="1" name=""/>
+        <p:cNvGrpSpPr/>
+        <p:nvPr/>
+      </p:nvGrpSpPr>
+      <p:grpSpPr/>
+      <p:pic>
+        <p:nvPicPr>
+          <p:cNvPr id="2" name="Picture 1" descr="Layers.png"/>
+          <p:cNvPicPr>
+            <a:picLocks noChangeAspect="1"/>
+          </p:cNvPicPr>
+          <p:nvPr/>
+        </p:nvPicPr>
+        <p:blipFill>
+          <a:blip r:embed="rId2"/>
+          <a:stretch>
+            <a:fillRect/>
+          </a:stretch>
+        </p:blipFill>
+        <p:spPr>
+          <a:xfrm>
+            <a:off x="-1417320" y="-4480560"/>
+            <a:ext cx="11612880" cy="11612880"/>
+          </a:xfrm>
+          <a:prstGeom prst="rect">
+            <a:avLst/>
+          </a:prstGeom>
+        </p:spPr>
+      </p:pic>
+    </p:spTree>
+  </p:cSld>
+  <p:clrMapOvr>
+    <a:masterClrMapping/>
+  </p:clrMapOvr>
+</p:sld>
+</file>
+
+<file path=ppt/slides/slide18.xml><?xml version="1.0" encoding="utf-8"?>
+<p:sld xmlns:a="http://schemas.openxmlformats.org/drawingml/2006/main" xmlns:p="http://schemas.openxmlformats.org/presentationml/2006/main" xmlns:r="http://schemas.openxmlformats.org/officeDocument/2006/relationships">
+  <p:cSld>
+    <p:spTree>
+      <p:nvGrpSpPr>
+        <p:cNvPr id="1" name=""/>
+        <p:cNvGrpSpPr/>
+        <p:nvPr/>
+      </p:nvGrpSpPr>
+      <p:grpSpPr/>
+      <p:pic>
+        <p:nvPicPr>
+          <p:cNvPr id="2" name="Picture 1" descr="Layers.png"/>
+          <p:cNvPicPr>
+            <a:picLocks noChangeAspect="1"/>
+          </p:cNvPicPr>
+          <p:nvPr/>
+        </p:nvPicPr>
+        <p:blipFill>
+          <a:blip r:embed="rId2"/>
+          <a:stretch>
+            <a:fillRect/>
+          </a:stretch>
+        </p:blipFill>
+        <p:spPr>
+          <a:xfrm>
+            <a:off x="-1417320" y="-4480560"/>
+            <a:ext cx="11612880" cy="11612880"/>
+          </a:xfrm>
+          <a:prstGeom prst="rect">
+            <a:avLst/>
+          </a:prstGeom>
+        </p:spPr>
+      </p:pic>
+    </p:spTree>
+  </p:cSld>
+  <p:clrMapOvr>
+    <a:masterClrMapping/>
+  </p:clrMapOvr>
+</p:sld>
+</file>
+
+<file path=ppt/slides/slide19.xml><?xml version="1.0" encoding="utf-8"?>
+<p:sld xmlns:a="http://schemas.openxmlformats.org/drawingml/2006/main" xmlns:p="http://schemas.openxmlformats.org/presentationml/2006/main" xmlns:r="http://schemas.openxmlformats.org/officeDocument/2006/relationships">
+  <p:cSld>
+    <p:spTree>
+      <p:nvGrpSpPr>
+        <p:cNvPr id="1" name=""/>
+        <p:cNvGrpSpPr/>
+        <p:nvPr/>
+      </p:nvGrpSpPr>
+      <p:grpSpPr/>
+      <p:pic>
+        <p:nvPicPr>
+          <p:cNvPr id="2" name="Picture 1" descr="Layers.png"/>
+          <p:cNvPicPr>
+            <a:picLocks noChangeAspect="1"/>
+          </p:cNvPicPr>
+          <p:nvPr/>
+        </p:nvPicPr>
+        <p:blipFill>
+          <a:blip r:embed="rId2"/>
+          <a:stretch>
+            <a:fillRect/>
+          </a:stretch>
+        </p:blipFill>
+        <p:spPr>
+          <a:xfrm>
+            <a:off x="-1417320" y="-4480560"/>
+            <a:ext cx="11612880" cy="11612880"/>
+          </a:xfrm>
+          <a:prstGeom prst="rect">
+            <a:avLst/>
+          </a:prstGeom>
+        </p:spPr>
+      </p:pic>
+    </p:spTree>
+  </p:cSld>
+  <p:clrMapOvr>
+    <a:masterClrMapping/>
+  </p:clrMapOvr>
+</p:sld>
+</file>
+
+<file path=ppt/slides/slide2.xml><?xml version="1.0" encoding="utf-8"?>
+<p:sld xmlns:a="http://schemas.openxmlformats.org/drawingml/2006/main" xmlns:p="http://schemas.openxmlformats.org/presentationml/2006/main" xmlns:r="http://schemas.openxmlformats.org/officeDocument/2006/relationships">
+  <p:cSld>
+    <p:spTree>
+      <p:nvGrpSpPr>
+        <p:cNvPr id="1" name=""/>
+        <p:cNvGrpSpPr/>
+        <p:nvPr/>
+      </p:nvGrpSpPr>
+      <p:grpSpPr/>
+      <p:pic>
+        <p:nvPicPr>
+          <p:cNvPr id="2" name="Picture 1" descr="Layers.png"/>
+          <p:cNvPicPr>
+            <a:picLocks noChangeAspect="1"/>
+          </p:cNvPicPr>
+          <p:nvPr/>
+        </p:nvPicPr>
+        <p:blipFill>
+          <a:blip r:embed="rId2"/>
+          <a:stretch>
+            <a:fillRect/>
+          </a:stretch>
+        </p:blipFill>
+        <p:spPr>
+          <a:xfrm>
+            <a:off x="-1417320" y="-4480560"/>
+            <a:ext cx="11612880" cy="11612880"/>
+          </a:xfrm>
+          <a:prstGeom prst="rect">
+            <a:avLst/>
+          </a:prstGeom>
+        </p:spPr>
+      </p:pic>
+    </p:spTree>
+  </p:cSld>
+  <p:clrMapOvr>
+    <a:masterClrMapping/>
+  </p:clrMapOvr>
+</p:sld>
+</file>
+
+<file path=ppt/slides/slide20.xml><?xml version="1.0" encoding="utf-8"?>
+<p:sld xmlns:a="http://schemas.openxmlformats.org/drawingml/2006/main" xmlns:p="http://schemas.openxmlformats.org/presentationml/2006/main" xmlns:r="http://schemas.openxmlformats.org/officeDocument/2006/relationships">
+  <p:cSld>
+    <p:spTree>
+      <p:nvGrpSpPr>
+        <p:cNvPr id="1" name=""/>
+        <p:cNvGrpSpPr/>
+        <p:nvPr/>
+      </p:nvGrpSpPr>
+      <p:grpSpPr/>
+      <p:pic>
+        <p:nvPicPr>
+          <p:cNvPr id="2" name="Picture 1" descr="Layers.png"/>
+          <p:cNvPicPr>
+            <a:picLocks noChangeAspect="1"/>
+          </p:cNvPicPr>
+          <p:nvPr/>
+        </p:nvPicPr>
+        <p:blipFill>
+          <a:blip r:embed="rId2"/>
+          <a:stretch>
+            <a:fillRect/>
+          </a:stretch>
+        </p:blipFill>
+        <p:spPr>
+          <a:xfrm>
+            <a:off x="-1417320" y="-4480560"/>
+            <a:ext cx="11612880" cy="11612880"/>
+          </a:xfrm>
+          <a:prstGeom prst="rect">
+            <a:avLst/>
+          </a:prstGeom>
+        </p:spPr>
+      </p:pic>
+    </p:spTree>
+  </p:cSld>
+  <p:clrMapOvr>
+    <a:masterClrMapping/>
+  </p:clrMapOvr>
+</p:sld>
+</file>
+
+<file path=ppt/slides/slide21.xml><?xml version="1.0" encoding="utf-8"?>
+<p:sld xmlns:a="http://schemas.openxmlformats.org/drawingml/2006/main" xmlns:p="http://schemas.openxmlformats.org/presentationml/2006/main" xmlns:r="http://schemas.openxmlformats.org/officeDocument/2006/relationships">
+  <p:cSld>
+    <p:spTree>
+      <p:nvGrpSpPr>
+        <p:cNvPr id="1" name=""/>
+        <p:cNvGrpSpPr/>
+        <p:nvPr/>
+      </p:nvGrpSpPr>
+      <p:grpSpPr/>
+      <p:pic>
+        <p:nvPicPr>
+          <p:cNvPr id="2" name="Picture 1" descr="Layers.png"/>
+          <p:cNvPicPr>
+            <a:picLocks noChangeAspect="1"/>
+          </p:cNvPicPr>
+          <p:nvPr/>
+        </p:nvPicPr>
+        <p:blipFill>
+          <a:blip r:embed="rId2"/>
+          <a:stretch>
+            <a:fillRect/>
+          </a:stretch>
+        </p:blipFill>
+        <p:spPr>
+          <a:xfrm>
+            <a:off x="-1417320" y="-4480560"/>
+            <a:ext cx="11612880" cy="11612880"/>
+          </a:xfrm>
+          <a:prstGeom prst="rect">
+            <a:avLst/>
+          </a:prstGeom>
+        </p:spPr>
+      </p:pic>
+    </p:spTree>
+  </p:cSld>
+  <p:clrMapOvr>
+    <a:masterClrMapping/>
+  </p:clrMapOvr>
+</p:sld>
+</file>
+
+<file path=ppt/slides/slide22.xml><?xml version="1.0" encoding="utf-8"?>
+<p:sld xmlns:a="http://schemas.openxmlformats.org/drawingml/2006/main" xmlns:p="http://schemas.openxmlformats.org/presentationml/2006/main" xmlns:r="http://schemas.openxmlformats.org/officeDocument/2006/relationships">
+  <p:cSld>
+    <p:spTree>
+      <p:nvGrpSpPr>
+        <p:cNvPr id="1" name=""/>
+        <p:cNvGrpSpPr/>
+        <p:nvPr/>
+      </p:nvGrpSpPr>
+      <p:grpSpPr/>
+      <p:pic>
+        <p:nvPicPr>
+          <p:cNvPr id="2" name="Picture 1" descr="Layers.png"/>
+          <p:cNvPicPr>
+            <a:picLocks noChangeAspect="1"/>
+          </p:cNvPicPr>
+          <p:nvPr/>
+        </p:nvPicPr>
+        <p:blipFill>
+          <a:blip r:embed="rId2"/>
+          <a:stretch>
+            <a:fillRect/>
+          </a:stretch>
+        </p:blipFill>
+        <p:spPr>
+          <a:xfrm>
+            <a:off x="-1417320" y="-4480560"/>
+            <a:ext cx="11612880" cy="11612880"/>
+          </a:xfrm>
+          <a:prstGeom prst="rect">
+            <a:avLst/>
+          </a:prstGeom>
+        </p:spPr>
+      </p:pic>
+    </p:spTree>
+  </p:cSld>
+  <p:clrMapOvr>
+    <a:masterClrMapping/>
+  </p:clrMapOvr>
+</p:sld>
+</file>
+
+<file path=ppt/slides/slide23.xml><?xml version="1.0" encoding="utf-8"?>
+<p:sld xmlns:a="http://schemas.openxmlformats.org/drawingml/2006/main" xmlns:p="http://schemas.openxmlformats.org/presentationml/2006/main" xmlns:r="http://schemas.openxmlformats.org/officeDocument/2006/relationships">
+  <p:cSld>
+    <p:spTree>
+      <p:nvGrpSpPr>
+        <p:cNvPr id="1" name=""/>
+        <p:cNvGrpSpPr/>
+        <p:nvPr/>
+      </p:nvGrpSpPr>
+      <p:grpSpPr/>
+      <p:pic>
+        <p:nvPicPr>
+          <p:cNvPr id="2" name="Picture 1" descr="Layers.png"/>
+          <p:cNvPicPr>
+            <a:picLocks noChangeAspect="1"/>
+          </p:cNvPicPr>
+          <p:nvPr/>
+        </p:nvPicPr>
+        <p:blipFill>
+          <a:blip r:embed="rId2"/>
+          <a:stretch>
+            <a:fillRect/>
+          </a:stretch>
+        </p:blipFill>
+        <p:spPr>
+          <a:xfrm>
+            <a:off x="-1417320" y="-4480560"/>
+            <a:ext cx="11612880" cy="11612880"/>
+          </a:xfrm>
+          <a:prstGeom prst="rect">
+            <a:avLst/>
+          </a:prstGeom>
+        </p:spPr>
+      </p:pic>
+    </p:spTree>
+  </p:cSld>
+  <p:clrMapOvr>
+    <a:masterClrMapping/>
+  </p:clrMapOvr>
+</p:sld>
+</file>
+
+<file path=ppt/slides/slide24.xml><?xml version="1.0" encoding="utf-8"?>
+<p:sld xmlns:a="http://schemas.openxmlformats.org/drawingml/2006/main" xmlns:p="http://schemas.openxmlformats.org/presentationml/2006/main" xmlns:r="http://schemas.openxmlformats.org/officeDocument/2006/relationships">
+  <p:cSld>
+    <p:spTree>
+      <p:nvGrpSpPr>
+        <p:cNvPr id="1" name=""/>
+        <p:cNvGrpSpPr/>
+        <p:nvPr/>
+      </p:nvGrpSpPr>
+      <p:grpSpPr/>
+      <p:pic>
+        <p:nvPicPr>
+          <p:cNvPr id="2" name="Picture 1" descr="Layers.png"/>
+          <p:cNvPicPr>
+            <a:picLocks noChangeAspect="1"/>
+          </p:cNvPicPr>
+          <p:nvPr/>
+        </p:nvPicPr>
+        <p:blipFill>
+          <a:blip r:embed="rId2"/>
+          <a:stretch>
+            <a:fillRect/>
+          </a:stretch>
+        </p:blipFill>
+        <p:spPr>
+          <a:xfrm>
+            <a:off x="-1417320" y="-4480560"/>
+            <a:ext cx="11612880" cy="11612880"/>
+          </a:xfrm>
+          <a:prstGeom prst="rect">
+            <a:avLst/>
+          </a:prstGeom>
+        </p:spPr>
+      </p:pic>
+    </p:spTree>
+  </p:cSld>
+  <p:clrMapOvr>
+    <a:masterClrMapping/>
+  </p:clrMapOvr>
+</p:sld>
+</file>
+
+<file path=ppt/slides/slide25.xml><?xml version="1.0" encoding="utf-8"?>
+<p:sld xmlns:a="http://schemas.openxmlformats.org/drawingml/2006/main" xmlns:p="http://schemas.openxmlformats.org/presentationml/2006/main" xmlns:r="http://schemas.openxmlformats.org/officeDocument/2006/relationships">
+  <p:cSld>
+    <p:spTree>
+      <p:nvGrpSpPr>
+        <p:cNvPr id="1" name=""/>
+        <p:cNvGrpSpPr/>
+        <p:nvPr/>
+      </p:nvGrpSpPr>
+      <p:grpSpPr/>
+      <p:pic>
+        <p:nvPicPr>
+          <p:cNvPr id="2" name="Picture 1" descr="Layers.png"/>
+          <p:cNvPicPr>
+            <a:picLocks noChangeAspect="1"/>
+          </p:cNvPicPr>
+          <p:nvPr/>
+        </p:nvPicPr>
+        <p:blipFill>
+          <a:blip r:embed="rId2"/>
+          <a:stretch>
+            <a:fillRect/>
+          </a:stretch>
+        </p:blipFill>
+        <p:spPr>
+          <a:xfrm>
+            <a:off x="-1417320" y="-4480560"/>
+            <a:ext cx="11612880" cy="11612880"/>
+          </a:xfrm>
+          <a:prstGeom prst="rect">
+            <a:avLst/>
+          </a:prstGeom>
+        </p:spPr>
+      </p:pic>
+    </p:spTree>
+  </p:cSld>
+  <p:clrMapOvr>
+    <a:masterClrMapping/>
+  </p:clrMapOvr>
+</p:sld>
+</file>
+
+<file path=ppt/slides/slide3.xml><?xml version="1.0" encoding="utf-8"?>
+<p:sld xmlns:a="http://schemas.openxmlformats.org/drawingml/2006/main" xmlns:p="http://schemas.openxmlformats.org/presentationml/2006/main" xmlns:r="http://schemas.openxmlformats.org/officeDocument/2006/relationships">
+  <p:cSld>
+    <p:spTree>
+      <p:nvGrpSpPr>
+        <p:cNvPr id="1" name=""/>
+        <p:cNvGrpSpPr/>
+        <p:nvPr/>
+      </p:nvGrpSpPr>
+      <p:grpSpPr/>
+      <p:pic>
+        <p:nvPicPr>
+          <p:cNvPr id="2" name="Picture 1" descr="Layers.png"/>
+          <p:cNvPicPr>
+            <a:picLocks noChangeAspect="1"/>
+          </p:cNvPicPr>
+          <p:nvPr/>
+        </p:nvPicPr>
+        <p:blipFill>
+          <a:blip r:embed="rId2"/>
+          <a:stretch>
+            <a:fillRect/>
+          </a:stretch>
+        </p:blipFill>
+        <p:spPr>
+          <a:xfrm>
+            <a:off x="-1417320" y="-4480560"/>
+            <a:ext cx="11612880" cy="11612880"/>
+          </a:xfrm>
+          <a:prstGeom prst="rect">
+            <a:avLst/>
+          </a:prstGeom>
+        </p:spPr>
+      </p:pic>
+    </p:spTree>
+  </p:cSld>
+  <p:clrMapOvr>
+    <a:masterClrMapping/>
+  </p:clrMapOvr>
+</p:sld>
+</file>
+
+<file path=ppt/slides/slide4.xml><?xml version="1.0" encoding="utf-8"?>
+<p:sld xmlns:a="http://schemas.openxmlformats.org/drawingml/2006/main" xmlns:p="http://schemas.openxmlformats.org/presentationml/2006/main" xmlns:r="http://schemas.openxmlformats.org/officeDocument/2006/relationships">
+  <p:cSld>
+    <p:spTree>
+      <p:nvGrpSpPr>
+        <p:cNvPr id="1" name=""/>
+        <p:cNvGrpSpPr/>
+        <p:nvPr/>
+      </p:nvGrpSpPr>
+      <p:grpSpPr/>
+      <p:pic>
+        <p:nvPicPr>
+          <p:cNvPr id="2" name="Picture 1" descr="Layers.png"/>
+          <p:cNvPicPr>
+            <a:picLocks noChangeAspect="1"/>
+          </p:cNvPicPr>
+          <p:nvPr/>
+        </p:nvPicPr>
+        <p:blipFill>
+          <a:blip r:embed="rId2"/>
+          <a:stretch>
+            <a:fillRect/>
+          </a:stretch>
+        </p:blipFill>
+        <p:spPr>
+          <a:xfrm>
+            <a:off x="-1417320" y="-4480560"/>
+            <a:ext cx="11612880" cy="11612880"/>
+          </a:xfrm>
+          <a:prstGeom prst="rect">
+            <a:avLst/>
+          </a:prstGeom>
+        </p:spPr>
+      </p:pic>
+    </p:spTree>
+  </p:cSld>
+  <p:clrMapOvr>
+    <a:masterClrMapping/>
+  </p:clrMapOvr>
+</p:sld>
+</file>
+
+<file path=ppt/slides/slide5.xml><?xml version="1.0" encoding="utf-8"?>
+<p:sld xmlns:a="http://schemas.openxmlformats.org/drawingml/2006/main" xmlns:p="http://schemas.openxmlformats.org/presentationml/2006/main" xmlns:r="http://schemas.openxmlformats.org/officeDocument/2006/relationships">
+  <p:cSld>
+    <p:spTree>
+      <p:nvGrpSpPr>
+        <p:cNvPr id="1" name=""/>
+        <p:cNvGrpSpPr/>
+        <p:nvPr/>
+      </p:nvGrpSpPr>
+      <p:grpSpPr/>
+      <p:pic>
+        <p:nvPicPr>
+          <p:cNvPr id="2" name="Picture 1" descr="Layers.png"/>
+          <p:cNvPicPr>
+            <a:picLocks noChangeAspect="1"/>
+          </p:cNvPicPr>
+          <p:nvPr/>
+        </p:nvPicPr>
+        <p:blipFill>
+          <a:blip r:embed="rId2"/>
+          <a:stretch>
+            <a:fillRect/>
+          </a:stretch>
+        </p:blipFill>
+        <p:spPr>
+          <a:xfrm>
+            <a:off x="-1417320" y="-4480560"/>
+            <a:ext cx="11612880" cy="11612880"/>
+          </a:xfrm>
+          <a:prstGeom prst="rect">
+            <a:avLst/>
+          </a:prstGeom>
+        </p:spPr>
+      </p:pic>
+    </p:spTree>
+  </p:cSld>
+  <p:clrMapOvr>
+    <a:masterClrMapping/>
+  </p:clrMapOvr>
+</p:sld>
+</file>
+
+<file path=ppt/slides/slide6.xml><?xml version="1.0" encoding="utf-8"?>
+<p:sld xmlns:a="http://schemas.openxmlformats.org/drawingml/2006/main" xmlns:p="http://schemas.openxmlformats.org/presentationml/2006/main" xmlns:r="http://schemas.openxmlformats.org/officeDocument/2006/relationships">
+  <p:cSld>
+    <p:spTree>
+      <p:nvGrpSpPr>
+        <p:cNvPr id="1" name=""/>
+        <p:cNvGrpSpPr/>
+        <p:nvPr/>
+      </p:nvGrpSpPr>
+      <p:grpSpPr/>
+      <p:pic>
+        <p:nvPicPr>
+          <p:cNvPr id="2" name="Picture 1" descr="Layers.png"/>
+          <p:cNvPicPr>
+            <a:picLocks noChangeAspect="1"/>
+          </p:cNvPicPr>
+          <p:nvPr/>
+        </p:nvPicPr>
+        <p:blipFill>
+          <a:blip r:embed="rId2"/>
+          <a:stretch>
+            <a:fillRect/>
+          </a:stretch>
+        </p:blipFill>
+        <p:spPr>
+          <a:xfrm>
+            <a:off x="-1417320" y="-4480560"/>
+            <a:ext cx="11612880" cy="11612880"/>
+          </a:xfrm>
+          <a:prstGeom prst="rect">
+            <a:avLst/>
+          </a:prstGeom>
+        </p:spPr>
+      </p:pic>
+    </p:spTree>
+  </p:cSld>
+  <p:clrMapOvr>
+    <a:masterClrMapping/>
+  </p:clrMapOvr>
+</p:sld>
+</file>
+
+<file path=ppt/slides/slide7.xml><?xml version="1.0" encoding="utf-8"?>
+<p:sld xmlns:a="http://schemas.openxmlformats.org/drawingml/2006/main" xmlns:p="http://schemas.openxmlformats.org/presentationml/2006/main" xmlns:r="http://schemas.openxmlformats.org/officeDocument/2006/relationships">
+  <p:cSld>
+    <p:spTree>
+      <p:nvGrpSpPr>
+        <p:cNvPr id="1" name=""/>
+        <p:cNvGrpSpPr/>
+        <p:nvPr/>
+      </p:nvGrpSpPr>
+      <p:grpSpPr/>
+      <p:pic>
+        <p:nvPicPr>
+          <p:cNvPr id="2" name="Picture 1" descr="Layers.png"/>
+          <p:cNvPicPr>
+            <a:picLocks noChangeAspect="1"/>
+          </p:cNvPicPr>
+          <p:nvPr/>
+        </p:nvPicPr>
+        <p:blipFill>
+          <a:blip r:embed="rId2"/>
+          <a:stretch>
+            <a:fillRect/>
+          </a:stretch>
+        </p:blipFill>
+        <p:spPr>
+          <a:xfrm>
+            <a:off x="-1417320" y="-4480560"/>
+            <a:ext cx="11612880" cy="11612880"/>
+          </a:xfrm>
+          <a:prstGeom prst="rect">
+            <a:avLst/>
+          </a:prstGeom>
+        </p:spPr>
+      </p:pic>
+    </p:spTree>
+  </p:cSld>
+  <p:clrMapOvr>
+    <a:masterClrMapping/>
+  </p:clrMapOvr>
+</p:sld>
+</file>
+
+<file path=ppt/slides/slide8.xml><?xml version="1.0" encoding="utf-8"?>
+<p:sld xmlns:a="http://schemas.openxmlformats.org/drawingml/2006/main" xmlns:p="http://schemas.openxmlformats.org/presentationml/2006/main" xmlns:r="http://schemas.openxmlformats.org/officeDocument/2006/relationships">
+  <p:cSld>
+    <p:spTree>
+      <p:nvGrpSpPr>
+        <p:cNvPr id="1" name=""/>
+        <p:cNvGrpSpPr/>
+        <p:nvPr/>
+      </p:nvGrpSpPr>
+      <p:grpSpPr/>
+      <p:pic>
+        <p:nvPicPr>
+          <p:cNvPr id="2" name="Picture 1" descr="Layers.png"/>
+          <p:cNvPicPr>
+            <a:picLocks noChangeAspect="1"/>
+          </p:cNvPicPr>
+          <p:nvPr/>
+        </p:nvPicPr>
+        <p:blipFill>
+          <a:blip r:embed="rId2"/>
+          <a:stretch>
+            <a:fillRect/>
+          </a:stretch>
+        </p:blipFill>
+        <p:spPr>
+          <a:xfrm>
+            <a:off x="-1417320" y="-4480560"/>
+            <a:ext cx="11612880" cy="11612880"/>
+          </a:xfrm>
+          <a:prstGeom prst="rect">
+            <a:avLst/>
+          </a:prstGeom>
+        </p:spPr>
+      </p:pic>
+    </p:spTree>
+  </p:cSld>
+  <p:clrMapOvr>
+    <a:masterClrMapping/>
+  </p:clrMapOvr>
+</p:sld>
+</file>
+
+<file path=ppt/slides/slide9.xml><?xml version="1.0" encoding="utf-8"?>
+<p:sld xmlns:a="http://schemas.openxmlformats.org/drawingml/2006/main" xmlns:p="http://schemas.openxmlformats.org/presentationml/2006/main" xmlns:r="http://schemas.openxmlformats.org/officeDocument/2006/relationships">
+  <p:cSld>
+    <p:spTree>
+      <p:nvGrpSpPr>
+        <p:cNvPr id="1" name=""/>
+        <p:cNvGrpSpPr/>
+        <p:nvPr/>
+      </p:nvGrpSpPr>
+      <p:grpSpPr/>
       <p:pic>
         <p:nvPicPr>
           <p:cNvPr id="2" name="Picture 1" descr="Layers.png"/>

--- a/Layers.pptx
+++ b/Layers.pptx
@@ -13,23 +13,6 @@
     <p:sldId id="261" r:id="rId12"/>
     <p:sldId id="262" r:id="rId13"/>
     <p:sldId id="263" r:id="rId14"/>
-    <p:sldId id="264" r:id="rId15"/>
-    <p:sldId id="265" r:id="rId16"/>
-    <p:sldId id="266" r:id="rId17"/>
-    <p:sldId id="267" r:id="rId18"/>
-    <p:sldId id="268" r:id="rId19"/>
-    <p:sldId id="269" r:id="rId20"/>
-    <p:sldId id="270" r:id="rId21"/>
-    <p:sldId id="271" r:id="rId22"/>
-    <p:sldId id="272" r:id="rId23"/>
-    <p:sldId id="273" r:id="rId24"/>
-    <p:sldId id="274" r:id="rId25"/>
-    <p:sldId id="275" r:id="rId26"/>
-    <p:sldId id="276" r:id="rId27"/>
-    <p:sldId id="277" r:id="rId28"/>
-    <p:sldId id="278" r:id="rId29"/>
-    <p:sldId id="279" r:id="rId30"/>
-    <p:sldId id="280" r:id="rId31"/>
   </p:sldIdLst>
   <p:sldSz cx="9144000" cy="6858000" type="screen4x3"/>
   <p:notesSz cx="6858000" cy="9144000"/>
@@ -3144,679 +3127,7 @@
 </p:sld>
 </file>
 
-<file path=ppt/slides/slide10.xml><?xml version="1.0" encoding="utf-8"?>
-<p:sld xmlns:a="http://schemas.openxmlformats.org/drawingml/2006/main" xmlns:p="http://schemas.openxmlformats.org/presentationml/2006/main" xmlns:r="http://schemas.openxmlformats.org/officeDocument/2006/relationships">
-  <p:cSld>
-    <p:spTree>
-      <p:nvGrpSpPr>
-        <p:cNvPr id="1" name=""/>
-        <p:cNvGrpSpPr/>
-        <p:nvPr/>
-      </p:nvGrpSpPr>
-      <p:grpSpPr/>
-      <p:pic>
-        <p:nvPicPr>
-          <p:cNvPr id="2" name="Picture 1" descr="Layers.png"/>
-          <p:cNvPicPr>
-            <a:picLocks noChangeAspect="1"/>
-          </p:cNvPicPr>
-          <p:nvPr/>
-        </p:nvPicPr>
-        <p:blipFill>
-          <a:blip r:embed="rId2"/>
-          <a:stretch>
-            <a:fillRect/>
-          </a:stretch>
-        </p:blipFill>
-        <p:spPr>
-          <a:xfrm>
-            <a:off x="-1417320" y="-4480560"/>
-            <a:ext cx="11612880" cy="11612880"/>
-          </a:xfrm>
-          <a:prstGeom prst="rect">
-            <a:avLst/>
-          </a:prstGeom>
-        </p:spPr>
-      </p:pic>
-    </p:spTree>
-  </p:cSld>
-  <p:clrMapOvr>
-    <a:masterClrMapping/>
-  </p:clrMapOvr>
-</p:sld>
-</file>
-
-<file path=ppt/slides/slide11.xml><?xml version="1.0" encoding="utf-8"?>
-<p:sld xmlns:a="http://schemas.openxmlformats.org/drawingml/2006/main" xmlns:p="http://schemas.openxmlformats.org/presentationml/2006/main" xmlns:r="http://schemas.openxmlformats.org/officeDocument/2006/relationships">
-  <p:cSld>
-    <p:spTree>
-      <p:nvGrpSpPr>
-        <p:cNvPr id="1" name=""/>
-        <p:cNvGrpSpPr/>
-        <p:nvPr/>
-      </p:nvGrpSpPr>
-      <p:grpSpPr/>
-      <p:pic>
-        <p:nvPicPr>
-          <p:cNvPr id="2" name="Picture 1" descr="Layers.png"/>
-          <p:cNvPicPr>
-            <a:picLocks noChangeAspect="1"/>
-          </p:cNvPicPr>
-          <p:nvPr/>
-        </p:nvPicPr>
-        <p:blipFill>
-          <a:blip r:embed="rId2"/>
-          <a:stretch>
-            <a:fillRect/>
-          </a:stretch>
-        </p:blipFill>
-        <p:spPr>
-          <a:xfrm>
-            <a:off x="-1417320" y="-4480560"/>
-            <a:ext cx="11612880" cy="11612880"/>
-          </a:xfrm>
-          <a:prstGeom prst="rect">
-            <a:avLst/>
-          </a:prstGeom>
-        </p:spPr>
-      </p:pic>
-    </p:spTree>
-  </p:cSld>
-  <p:clrMapOvr>
-    <a:masterClrMapping/>
-  </p:clrMapOvr>
-</p:sld>
-</file>
-
-<file path=ppt/slides/slide12.xml><?xml version="1.0" encoding="utf-8"?>
-<p:sld xmlns:a="http://schemas.openxmlformats.org/drawingml/2006/main" xmlns:p="http://schemas.openxmlformats.org/presentationml/2006/main" xmlns:r="http://schemas.openxmlformats.org/officeDocument/2006/relationships">
-  <p:cSld>
-    <p:spTree>
-      <p:nvGrpSpPr>
-        <p:cNvPr id="1" name=""/>
-        <p:cNvGrpSpPr/>
-        <p:nvPr/>
-      </p:nvGrpSpPr>
-      <p:grpSpPr/>
-      <p:pic>
-        <p:nvPicPr>
-          <p:cNvPr id="2" name="Picture 1" descr="Layers.png"/>
-          <p:cNvPicPr>
-            <a:picLocks noChangeAspect="1"/>
-          </p:cNvPicPr>
-          <p:nvPr/>
-        </p:nvPicPr>
-        <p:blipFill>
-          <a:blip r:embed="rId2"/>
-          <a:stretch>
-            <a:fillRect/>
-          </a:stretch>
-        </p:blipFill>
-        <p:spPr>
-          <a:xfrm>
-            <a:off x="-1417320" y="-4480560"/>
-            <a:ext cx="11612880" cy="11612880"/>
-          </a:xfrm>
-          <a:prstGeom prst="rect">
-            <a:avLst/>
-          </a:prstGeom>
-        </p:spPr>
-      </p:pic>
-    </p:spTree>
-  </p:cSld>
-  <p:clrMapOvr>
-    <a:masterClrMapping/>
-  </p:clrMapOvr>
-</p:sld>
-</file>
-
-<file path=ppt/slides/slide13.xml><?xml version="1.0" encoding="utf-8"?>
-<p:sld xmlns:a="http://schemas.openxmlformats.org/drawingml/2006/main" xmlns:p="http://schemas.openxmlformats.org/presentationml/2006/main" xmlns:r="http://schemas.openxmlformats.org/officeDocument/2006/relationships">
-  <p:cSld>
-    <p:spTree>
-      <p:nvGrpSpPr>
-        <p:cNvPr id="1" name=""/>
-        <p:cNvGrpSpPr/>
-        <p:nvPr/>
-      </p:nvGrpSpPr>
-      <p:grpSpPr/>
-      <p:pic>
-        <p:nvPicPr>
-          <p:cNvPr id="2" name="Picture 1" descr="Layers.png"/>
-          <p:cNvPicPr>
-            <a:picLocks noChangeAspect="1"/>
-          </p:cNvPicPr>
-          <p:nvPr/>
-        </p:nvPicPr>
-        <p:blipFill>
-          <a:blip r:embed="rId2"/>
-          <a:stretch>
-            <a:fillRect/>
-          </a:stretch>
-        </p:blipFill>
-        <p:spPr>
-          <a:xfrm>
-            <a:off x="-1417320" y="-4480560"/>
-            <a:ext cx="11612880" cy="11612880"/>
-          </a:xfrm>
-          <a:prstGeom prst="rect">
-            <a:avLst/>
-          </a:prstGeom>
-        </p:spPr>
-      </p:pic>
-    </p:spTree>
-  </p:cSld>
-  <p:clrMapOvr>
-    <a:masterClrMapping/>
-  </p:clrMapOvr>
-</p:sld>
-</file>
-
-<file path=ppt/slides/slide14.xml><?xml version="1.0" encoding="utf-8"?>
-<p:sld xmlns:a="http://schemas.openxmlformats.org/drawingml/2006/main" xmlns:p="http://schemas.openxmlformats.org/presentationml/2006/main" xmlns:r="http://schemas.openxmlformats.org/officeDocument/2006/relationships">
-  <p:cSld>
-    <p:spTree>
-      <p:nvGrpSpPr>
-        <p:cNvPr id="1" name=""/>
-        <p:cNvGrpSpPr/>
-        <p:nvPr/>
-      </p:nvGrpSpPr>
-      <p:grpSpPr/>
-      <p:pic>
-        <p:nvPicPr>
-          <p:cNvPr id="2" name="Picture 1" descr="Layers.png"/>
-          <p:cNvPicPr>
-            <a:picLocks noChangeAspect="1"/>
-          </p:cNvPicPr>
-          <p:nvPr/>
-        </p:nvPicPr>
-        <p:blipFill>
-          <a:blip r:embed="rId2"/>
-          <a:stretch>
-            <a:fillRect/>
-          </a:stretch>
-        </p:blipFill>
-        <p:spPr>
-          <a:xfrm>
-            <a:off x="-1417320" y="-4480560"/>
-            <a:ext cx="11612880" cy="11612880"/>
-          </a:xfrm>
-          <a:prstGeom prst="rect">
-            <a:avLst/>
-          </a:prstGeom>
-        </p:spPr>
-      </p:pic>
-    </p:spTree>
-  </p:cSld>
-  <p:clrMapOvr>
-    <a:masterClrMapping/>
-  </p:clrMapOvr>
-</p:sld>
-</file>
-
-<file path=ppt/slides/slide15.xml><?xml version="1.0" encoding="utf-8"?>
-<p:sld xmlns:a="http://schemas.openxmlformats.org/drawingml/2006/main" xmlns:p="http://schemas.openxmlformats.org/presentationml/2006/main" xmlns:r="http://schemas.openxmlformats.org/officeDocument/2006/relationships">
-  <p:cSld>
-    <p:spTree>
-      <p:nvGrpSpPr>
-        <p:cNvPr id="1" name=""/>
-        <p:cNvGrpSpPr/>
-        <p:nvPr/>
-      </p:nvGrpSpPr>
-      <p:grpSpPr/>
-      <p:pic>
-        <p:nvPicPr>
-          <p:cNvPr id="2" name="Picture 1" descr="Layers.png"/>
-          <p:cNvPicPr>
-            <a:picLocks noChangeAspect="1"/>
-          </p:cNvPicPr>
-          <p:nvPr/>
-        </p:nvPicPr>
-        <p:blipFill>
-          <a:blip r:embed="rId2"/>
-          <a:stretch>
-            <a:fillRect/>
-          </a:stretch>
-        </p:blipFill>
-        <p:spPr>
-          <a:xfrm>
-            <a:off x="-1417320" y="-4480560"/>
-            <a:ext cx="11612880" cy="11612880"/>
-          </a:xfrm>
-          <a:prstGeom prst="rect">
-            <a:avLst/>
-          </a:prstGeom>
-        </p:spPr>
-      </p:pic>
-    </p:spTree>
-  </p:cSld>
-  <p:clrMapOvr>
-    <a:masterClrMapping/>
-  </p:clrMapOvr>
-</p:sld>
-</file>
-
-<file path=ppt/slides/slide16.xml><?xml version="1.0" encoding="utf-8"?>
-<p:sld xmlns:a="http://schemas.openxmlformats.org/drawingml/2006/main" xmlns:p="http://schemas.openxmlformats.org/presentationml/2006/main" xmlns:r="http://schemas.openxmlformats.org/officeDocument/2006/relationships">
-  <p:cSld>
-    <p:spTree>
-      <p:nvGrpSpPr>
-        <p:cNvPr id="1" name=""/>
-        <p:cNvGrpSpPr/>
-        <p:nvPr/>
-      </p:nvGrpSpPr>
-      <p:grpSpPr/>
-      <p:pic>
-        <p:nvPicPr>
-          <p:cNvPr id="2" name="Picture 1" descr="Layers.png"/>
-          <p:cNvPicPr>
-            <a:picLocks noChangeAspect="1"/>
-          </p:cNvPicPr>
-          <p:nvPr/>
-        </p:nvPicPr>
-        <p:blipFill>
-          <a:blip r:embed="rId2"/>
-          <a:stretch>
-            <a:fillRect/>
-          </a:stretch>
-        </p:blipFill>
-        <p:spPr>
-          <a:xfrm>
-            <a:off x="-1417320" y="-4480560"/>
-            <a:ext cx="11612880" cy="11612880"/>
-          </a:xfrm>
-          <a:prstGeom prst="rect">
-            <a:avLst/>
-          </a:prstGeom>
-        </p:spPr>
-      </p:pic>
-    </p:spTree>
-  </p:cSld>
-  <p:clrMapOvr>
-    <a:masterClrMapping/>
-  </p:clrMapOvr>
-</p:sld>
-</file>
-
-<file path=ppt/slides/slide17.xml><?xml version="1.0" encoding="utf-8"?>
-<p:sld xmlns:a="http://schemas.openxmlformats.org/drawingml/2006/main" xmlns:p="http://schemas.openxmlformats.org/presentationml/2006/main" xmlns:r="http://schemas.openxmlformats.org/officeDocument/2006/relationships">
-  <p:cSld>
-    <p:spTree>
-      <p:nvGrpSpPr>
-        <p:cNvPr id="1" name=""/>
-        <p:cNvGrpSpPr/>
-        <p:nvPr/>
-      </p:nvGrpSpPr>
-      <p:grpSpPr/>
-      <p:pic>
-        <p:nvPicPr>
-          <p:cNvPr id="2" name="Picture 1" descr="Layers.png"/>
-          <p:cNvPicPr>
-            <a:picLocks noChangeAspect="1"/>
-          </p:cNvPicPr>
-          <p:nvPr/>
-        </p:nvPicPr>
-        <p:blipFill>
-          <a:blip r:embed="rId2"/>
-          <a:stretch>
-            <a:fillRect/>
-          </a:stretch>
-        </p:blipFill>
-        <p:spPr>
-          <a:xfrm>
-            <a:off x="-1417320" y="-4480560"/>
-            <a:ext cx="11612880" cy="11612880"/>
-          </a:xfrm>
-          <a:prstGeom prst="rect">
-            <a:avLst/>
-          </a:prstGeom>
-        </p:spPr>
-      </p:pic>
-    </p:spTree>
-  </p:cSld>
-  <p:clrMapOvr>
-    <a:masterClrMapping/>
-  </p:clrMapOvr>
-</p:sld>
-</file>
-
-<file path=ppt/slides/slide18.xml><?xml version="1.0" encoding="utf-8"?>
-<p:sld xmlns:a="http://schemas.openxmlformats.org/drawingml/2006/main" xmlns:p="http://schemas.openxmlformats.org/presentationml/2006/main" xmlns:r="http://schemas.openxmlformats.org/officeDocument/2006/relationships">
-  <p:cSld>
-    <p:spTree>
-      <p:nvGrpSpPr>
-        <p:cNvPr id="1" name=""/>
-        <p:cNvGrpSpPr/>
-        <p:nvPr/>
-      </p:nvGrpSpPr>
-      <p:grpSpPr/>
-      <p:pic>
-        <p:nvPicPr>
-          <p:cNvPr id="2" name="Picture 1" descr="Layers.png"/>
-          <p:cNvPicPr>
-            <a:picLocks noChangeAspect="1"/>
-          </p:cNvPicPr>
-          <p:nvPr/>
-        </p:nvPicPr>
-        <p:blipFill>
-          <a:blip r:embed="rId2"/>
-          <a:stretch>
-            <a:fillRect/>
-          </a:stretch>
-        </p:blipFill>
-        <p:spPr>
-          <a:xfrm>
-            <a:off x="-1417320" y="-4480560"/>
-            <a:ext cx="11612880" cy="11612880"/>
-          </a:xfrm>
-          <a:prstGeom prst="rect">
-            <a:avLst/>
-          </a:prstGeom>
-        </p:spPr>
-      </p:pic>
-    </p:spTree>
-  </p:cSld>
-  <p:clrMapOvr>
-    <a:masterClrMapping/>
-  </p:clrMapOvr>
-</p:sld>
-</file>
-
-<file path=ppt/slides/slide19.xml><?xml version="1.0" encoding="utf-8"?>
-<p:sld xmlns:a="http://schemas.openxmlformats.org/drawingml/2006/main" xmlns:p="http://schemas.openxmlformats.org/presentationml/2006/main" xmlns:r="http://schemas.openxmlformats.org/officeDocument/2006/relationships">
-  <p:cSld>
-    <p:spTree>
-      <p:nvGrpSpPr>
-        <p:cNvPr id="1" name=""/>
-        <p:cNvGrpSpPr/>
-        <p:nvPr/>
-      </p:nvGrpSpPr>
-      <p:grpSpPr/>
-      <p:pic>
-        <p:nvPicPr>
-          <p:cNvPr id="2" name="Picture 1" descr="Layers.png"/>
-          <p:cNvPicPr>
-            <a:picLocks noChangeAspect="1"/>
-          </p:cNvPicPr>
-          <p:nvPr/>
-        </p:nvPicPr>
-        <p:blipFill>
-          <a:blip r:embed="rId2"/>
-          <a:stretch>
-            <a:fillRect/>
-          </a:stretch>
-        </p:blipFill>
-        <p:spPr>
-          <a:xfrm>
-            <a:off x="-1417320" y="-4480560"/>
-            <a:ext cx="11612880" cy="11612880"/>
-          </a:xfrm>
-          <a:prstGeom prst="rect">
-            <a:avLst/>
-          </a:prstGeom>
-        </p:spPr>
-      </p:pic>
-    </p:spTree>
-  </p:cSld>
-  <p:clrMapOvr>
-    <a:masterClrMapping/>
-  </p:clrMapOvr>
-</p:sld>
-</file>
-
 <file path=ppt/slides/slide2.xml><?xml version="1.0" encoding="utf-8"?>
-<p:sld xmlns:a="http://schemas.openxmlformats.org/drawingml/2006/main" xmlns:p="http://schemas.openxmlformats.org/presentationml/2006/main" xmlns:r="http://schemas.openxmlformats.org/officeDocument/2006/relationships">
-  <p:cSld>
-    <p:spTree>
-      <p:nvGrpSpPr>
-        <p:cNvPr id="1" name=""/>
-        <p:cNvGrpSpPr/>
-        <p:nvPr/>
-      </p:nvGrpSpPr>
-      <p:grpSpPr/>
-      <p:pic>
-        <p:nvPicPr>
-          <p:cNvPr id="2" name="Picture 1" descr="Layers.png"/>
-          <p:cNvPicPr>
-            <a:picLocks noChangeAspect="1"/>
-          </p:cNvPicPr>
-          <p:nvPr/>
-        </p:nvPicPr>
-        <p:blipFill>
-          <a:blip r:embed="rId2"/>
-          <a:stretch>
-            <a:fillRect/>
-          </a:stretch>
-        </p:blipFill>
-        <p:spPr>
-          <a:xfrm>
-            <a:off x="-1417320" y="-4480560"/>
-            <a:ext cx="11612880" cy="11612880"/>
-          </a:xfrm>
-          <a:prstGeom prst="rect">
-            <a:avLst/>
-          </a:prstGeom>
-        </p:spPr>
-      </p:pic>
-    </p:spTree>
-  </p:cSld>
-  <p:clrMapOvr>
-    <a:masterClrMapping/>
-  </p:clrMapOvr>
-</p:sld>
-</file>
-
-<file path=ppt/slides/slide20.xml><?xml version="1.0" encoding="utf-8"?>
-<p:sld xmlns:a="http://schemas.openxmlformats.org/drawingml/2006/main" xmlns:p="http://schemas.openxmlformats.org/presentationml/2006/main" xmlns:r="http://schemas.openxmlformats.org/officeDocument/2006/relationships">
-  <p:cSld>
-    <p:spTree>
-      <p:nvGrpSpPr>
-        <p:cNvPr id="1" name=""/>
-        <p:cNvGrpSpPr/>
-        <p:nvPr/>
-      </p:nvGrpSpPr>
-      <p:grpSpPr/>
-      <p:pic>
-        <p:nvPicPr>
-          <p:cNvPr id="2" name="Picture 1" descr="Layers.png"/>
-          <p:cNvPicPr>
-            <a:picLocks noChangeAspect="1"/>
-          </p:cNvPicPr>
-          <p:nvPr/>
-        </p:nvPicPr>
-        <p:blipFill>
-          <a:blip r:embed="rId2"/>
-          <a:stretch>
-            <a:fillRect/>
-          </a:stretch>
-        </p:blipFill>
-        <p:spPr>
-          <a:xfrm>
-            <a:off x="-1417320" y="-4480560"/>
-            <a:ext cx="11612880" cy="11612880"/>
-          </a:xfrm>
-          <a:prstGeom prst="rect">
-            <a:avLst/>
-          </a:prstGeom>
-        </p:spPr>
-      </p:pic>
-    </p:spTree>
-  </p:cSld>
-  <p:clrMapOvr>
-    <a:masterClrMapping/>
-  </p:clrMapOvr>
-</p:sld>
-</file>
-
-<file path=ppt/slides/slide21.xml><?xml version="1.0" encoding="utf-8"?>
-<p:sld xmlns:a="http://schemas.openxmlformats.org/drawingml/2006/main" xmlns:p="http://schemas.openxmlformats.org/presentationml/2006/main" xmlns:r="http://schemas.openxmlformats.org/officeDocument/2006/relationships">
-  <p:cSld>
-    <p:spTree>
-      <p:nvGrpSpPr>
-        <p:cNvPr id="1" name=""/>
-        <p:cNvGrpSpPr/>
-        <p:nvPr/>
-      </p:nvGrpSpPr>
-      <p:grpSpPr/>
-      <p:pic>
-        <p:nvPicPr>
-          <p:cNvPr id="2" name="Picture 1" descr="Layers.png"/>
-          <p:cNvPicPr>
-            <a:picLocks noChangeAspect="1"/>
-          </p:cNvPicPr>
-          <p:nvPr/>
-        </p:nvPicPr>
-        <p:blipFill>
-          <a:blip r:embed="rId2"/>
-          <a:stretch>
-            <a:fillRect/>
-          </a:stretch>
-        </p:blipFill>
-        <p:spPr>
-          <a:xfrm>
-            <a:off x="-1417320" y="-4480560"/>
-            <a:ext cx="11612880" cy="11612880"/>
-          </a:xfrm>
-          <a:prstGeom prst="rect">
-            <a:avLst/>
-          </a:prstGeom>
-        </p:spPr>
-      </p:pic>
-    </p:spTree>
-  </p:cSld>
-  <p:clrMapOvr>
-    <a:masterClrMapping/>
-  </p:clrMapOvr>
-</p:sld>
-</file>
-
-<file path=ppt/slides/slide22.xml><?xml version="1.0" encoding="utf-8"?>
-<p:sld xmlns:a="http://schemas.openxmlformats.org/drawingml/2006/main" xmlns:p="http://schemas.openxmlformats.org/presentationml/2006/main" xmlns:r="http://schemas.openxmlformats.org/officeDocument/2006/relationships">
-  <p:cSld>
-    <p:spTree>
-      <p:nvGrpSpPr>
-        <p:cNvPr id="1" name=""/>
-        <p:cNvGrpSpPr/>
-        <p:nvPr/>
-      </p:nvGrpSpPr>
-      <p:grpSpPr/>
-      <p:pic>
-        <p:nvPicPr>
-          <p:cNvPr id="2" name="Picture 1" descr="Layers.png"/>
-          <p:cNvPicPr>
-            <a:picLocks noChangeAspect="1"/>
-          </p:cNvPicPr>
-          <p:nvPr/>
-        </p:nvPicPr>
-        <p:blipFill>
-          <a:blip r:embed="rId2"/>
-          <a:stretch>
-            <a:fillRect/>
-          </a:stretch>
-        </p:blipFill>
-        <p:spPr>
-          <a:xfrm>
-            <a:off x="-1417320" y="-4480560"/>
-            <a:ext cx="11612880" cy="11612880"/>
-          </a:xfrm>
-          <a:prstGeom prst="rect">
-            <a:avLst/>
-          </a:prstGeom>
-        </p:spPr>
-      </p:pic>
-    </p:spTree>
-  </p:cSld>
-  <p:clrMapOvr>
-    <a:masterClrMapping/>
-  </p:clrMapOvr>
-</p:sld>
-</file>
-
-<file path=ppt/slides/slide23.xml><?xml version="1.0" encoding="utf-8"?>
-<p:sld xmlns:a="http://schemas.openxmlformats.org/drawingml/2006/main" xmlns:p="http://schemas.openxmlformats.org/presentationml/2006/main" xmlns:r="http://schemas.openxmlformats.org/officeDocument/2006/relationships">
-  <p:cSld>
-    <p:spTree>
-      <p:nvGrpSpPr>
-        <p:cNvPr id="1" name=""/>
-        <p:cNvGrpSpPr/>
-        <p:nvPr/>
-      </p:nvGrpSpPr>
-      <p:grpSpPr/>
-      <p:pic>
-        <p:nvPicPr>
-          <p:cNvPr id="2" name="Picture 1" descr="Layers.png"/>
-          <p:cNvPicPr>
-            <a:picLocks noChangeAspect="1"/>
-          </p:cNvPicPr>
-          <p:nvPr/>
-        </p:nvPicPr>
-        <p:blipFill>
-          <a:blip r:embed="rId2"/>
-          <a:stretch>
-            <a:fillRect/>
-          </a:stretch>
-        </p:blipFill>
-        <p:spPr>
-          <a:xfrm>
-            <a:off x="-1417320" y="-4480560"/>
-            <a:ext cx="11612880" cy="11612880"/>
-          </a:xfrm>
-          <a:prstGeom prst="rect">
-            <a:avLst/>
-          </a:prstGeom>
-        </p:spPr>
-      </p:pic>
-    </p:spTree>
-  </p:cSld>
-  <p:clrMapOvr>
-    <a:masterClrMapping/>
-  </p:clrMapOvr>
-</p:sld>
-</file>
-
-<file path=ppt/slides/slide24.xml><?xml version="1.0" encoding="utf-8"?>
-<p:sld xmlns:a="http://schemas.openxmlformats.org/drawingml/2006/main" xmlns:p="http://schemas.openxmlformats.org/presentationml/2006/main" xmlns:r="http://schemas.openxmlformats.org/officeDocument/2006/relationships">
-  <p:cSld>
-    <p:spTree>
-      <p:nvGrpSpPr>
-        <p:cNvPr id="1" name=""/>
-        <p:cNvGrpSpPr/>
-        <p:nvPr/>
-      </p:nvGrpSpPr>
-      <p:grpSpPr/>
-      <p:pic>
-        <p:nvPicPr>
-          <p:cNvPr id="2" name="Picture 1" descr="Layers.png"/>
-          <p:cNvPicPr>
-            <a:picLocks noChangeAspect="1"/>
-          </p:cNvPicPr>
-          <p:nvPr/>
-        </p:nvPicPr>
-        <p:blipFill>
-          <a:blip r:embed="rId2"/>
-          <a:stretch>
-            <a:fillRect/>
-          </a:stretch>
-        </p:blipFill>
-        <p:spPr>
-          <a:xfrm>
-            <a:off x="-1417320" y="-4480560"/>
-            <a:ext cx="11612880" cy="11612880"/>
-          </a:xfrm>
-          <a:prstGeom prst="rect">
-            <a:avLst/>
-          </a:prstGeom>
-        </p:spPr>
-      </p:pic>
-    </p:spTree>
-  </p:cSld>
-  <p:clrMapOvr>
-    <a:masterClrMapping/>
-  </p:clrMapOvr>
-</p:sld>
-</file>
-
-<file path=ppt/slides/slide25.xml><?xml version="1.0" encoding="utf-8"?>
 <p:sld xmlns:a="http://schemas.openxmlformats.org/drawingml/2006/main" xmlns:p="http://schemas.openxmlformats.org/presentationml/2006/main" xmlns:r="http://schemas.openxmlformats.org/officeDocument/2006/relationships">
   <p:cSld>
     <p:spTree>
@@ -4069,48 +3380,6 @@
 </file>
 
 <file path=ppt/slides/slide8.xml><?xml version="1.0" encoding="utf-8"?>
-<p:sld xmlns:a="http://schemas.openxmlformats.org/drawingml/2006/main" xmlns:p="http://schemas.openxmlformats.org/presentationml/2006/main" xmlns:r="http://schemas.openxmlformats.org/officeDocument/2006/relationships">
-  <p:cSld>
-    <p:spTree>
-      <p:nvGrpSpPr>
-        <p:cNvPr id="1" name=""/>
-        <p:cNvGrpSpPr/>
-        <p:nvPr/>
-      </p:nvGrpSpPr>
-      <p:grpSpPr/>
-      <p:pic>
-        <p:nvPicPr>
-          <p:cNvPr id="2" name="Picture 1" descr="Layers.png"/>
-          <p:cNvPicPr>
-            <a:picLocks noChangeAspect="1"/>
-          </p:cNvPicPr>
-          <p:nvPr/>
-        </p:nvPicPr>
-        <p:blipFill>
-          <a:blip r:embed="rId2"/>
-          <a:stretch>
-            <a:fillRect/>
-          </a:stretch>
-        </p:blipFill>
-        <p:spPr>
-          <a:xfrm>
-            <a:off x="-1417320" y="-4480560"/>
-            <a:ext cx="11612880" cy="11612880"/>
-          </a:xfrm>
-          <a:prstGeom prst="rect">
-            <a:avLst/>
-          </a:prstGeom>
-        </p:spPr>
-      </p:pic>
-    </p:spTree>
-  </p:cSld>
-  <p:clrMapOvr>
-    <a:masterClrMapping/>
-  </p:clrMapOvr>
-</p:sld>
-</file>
-
-<file path=ppt/slides/slide9.xml><?xml version="1.0" encoding="utf-8"?>
 <p:sld xmlns:a="http://schemas.openxmlformats.org/drawingml/2006/main" xmlns:p="http://schemas.openxmlformats.org/presentationml/2006/main" xmlns:r="http://schemas.openxmlformats.org/officeDocument/2006/relationships">
   <p:cSld>
     <p:spTree>

--- a/Layers.pptx
+++ b/Layers.pptx
@@ -13,6 +13,7 @@
     <p:sldId id="261" r:id="rId12"/>
     <p:sldId id="262" r:id="rId13"/>
     <p:sldId id="263" r:id="rId14"/>
+    <p:sldId id="264" r:id="rId15"/>
   </p:sldIdLst>
   <p:sldSz cx="9144000" cy="6858000" type="screen4x3"/>
   <p:notesSz cx="6858000" cy="9144000"/>
@@ -3421,6 +3422,48 @@
 </p:sld>
 </file>
 
+<file path=ppt/slides/slide9.xml><?xml version="1.0" encoding="utf-8"?>
+<p:sld xmlns:a="http://schemas.openxmlformats.org/drawingml/2006/main" xmlns:p="http://schemas.openxmlformats.org/presentationml/2006/main" xmlns:r="http://schemas.openxmlformats.org/officeDocument/2006/relationships">
+  <p:cSld>
+    <p:spTree>
+      <p:nvGrpSpPr>
+        <p:cNvPr id="1" name=""/>
+        <p:cNvGrpSpPr/>
+        <p:nvPr/>
+      </p:nvGrpSpPr>
+      <p:grpSpPr/>
+      <p:pic>
+        <p:nvPicPr>
+          <p:cNvPr id="2" name="Picture 1" descr="Layers.png"/>
+          <p:cNvPicPr>
+            <a:picLocks noChangeAspect="1"/>
+          </p:cNvPicPr>
+          <p:nvPr/>
+        </p:nvPicPr>
+        <p:blipFill>
+          <a:blip r:embed="rId2"/>
+          <a:stretch>
+            <a:fillRect/>
+          </a:stretch>
+        </p:blipFill>
+        <p:spPr>
+          <a:xfrm>
+            <a:off x="-1417320" y="-4480560"/>
+            <a:ext cx="11612880" cy="11612880"/>
+          </a:xfrm>
+          <a:prstGeom prst="rect">
+            <a:avLst/>
+          </a:prstGeom>
+        </p:spPr>
+      </p:pic>
+    </p:spTree>
+  </p:cSld>
+  <p:clrMapOvr>
+    <a:masterClrMapping/>
+  </p:clrMapOvr>
+</p:sld>
+</file>
+
 <file path=ppt/theme/theme1.xml><?xml version="1.0" encoding="utf-8"?>
 <a:theme xmlns:a="http://schemas.openxmlformats.org/drawingml/2006/main" name="Office Theme">
   <a:themeElements>

--- a/Layers.pptx
+++ b/Layers.pptx
@@ -14,6 +14,7 @@
     <p:sldId id="262" r:id="rId13"/>
     <p:sldId id="263" r:id="rId14"/>
     <p:sldId id="264" r:id="rId15"/>
+    <p:sldId id="265" r:id="rId16"/>
   </p:sldIdLst>
   <p:sldSz cx="9144000" cy="6858000" type="screen4x3"/>
   <p:notesSz cx="6858000" cy="9144000"/>
@@ -3087,6 +3088,48 @@
 </file>
 
 <file path=ppt/slides/slide1.xml><?xml version="1.0" encoding="utf-8"?>
+<p:sld xmlns:a="http://schemas.openxmlformats.org/drawingml/2006/main" xmlns:p="http://schemas.openxmlformats.org/presentationml/2006/main" xmlns:r="http://schemas.openxmlformats.org/officeDocument/2006/relationships">
+  <p:cSld>
+    <p:spTree>
+      <p:nvGrpSpPr>
+        <p:cNvPr id="1" name=""/>
+        <p:cNvGrpSpPr/>
+        <p:nvPr/>
+      </p:nvGrpSpPr>
+      <p:grpSpPr/>
+      <p:pic>
+        <p:nvPicPr>
+          <p:cNvPr id="2" name="Picture 1" descr="Layers.png"/>
+          <p:cNvPicPr>
+            <a:picLocks noChangeAspect="1"/>
+          </p:cNvPicPr>
+          <p:nvPr/>
+        </p:nvPicPr>
+        <p:blipFill>
+          <a:blip r:embed="rId2"/>
+          <a:stretch>
+            <a:fillRect/>
+          </a:stretch>
+        </p:blipFill>
+        <p:spPr>
+          <a:xfrm>
+            <a:off x="-1417320" y="-4480560"/>
+            <a:ext cx="11612880" cy="11612880"/>
+          </a:xfrm>
+          <a:prstGeom prst="rect">
+            <a:avLst/>
+          </a:prstGeom>
+        </p:spPr>
+      </p:pic>
+    </p:spTree>
+  </p:cSld>
+  <p:clrMapOvr>
+    <a:masterClrMapping/>
+  </p:clrMapOvr>
+</p:sld>
+</file>
+
+<file path=ppt/slides/slide10.xml><?xml version="1.0" encoding="utf-8"?>
 <p:sld xmlns:a="http://schemas.openxmlformats.org/drawingml/2006/main" xmlns:p="http://schemas.openxmlformats.org/presentationml/2006/main" xmlns:r="http://schemas.openxmlformats.org/officeDocument/2006/relationships">
   <p:cSld>
     <p:spTree>

--- a/Layers.pptx
+++ b/Layers.pptx
@@ -5,16 +5,16 @@
     <p:sldMasterId id="2147483648" r:id="rId1"/>
   </p:sldMasterIdLst>
   <p:sldIdLst>
-    <p:sldId id="256" r:id="rId7"/>
-    <p:sldId id="257" r:id="rId8"/>
-    <p:sldId id="258" r:id="rId9"/>
-    <p:sldId id="259" r:id="rId10"/>
-    <p:sldId id="260" r:id="rId11"/>
-    <p:sldId id="261" r:id="rId12"/>
-    <p:sldId id="262" r:id="rId13"/>
-    <p:sldId id="263" r:id="rId14"/>
-    <p:sldId id="264" r:id="rId15"/>
-    <p:sldId id="265" r:id="rId16"/>
+    <p:sldId id="256" r:id="rId2"/>
+    <p:sldId id="257" r:id="rId3"/>
+    <p:sldId id="258" r:id="rId4"/>
+    <p:sldId id="259" r:id="rId5"/>
+    <p:sldId id="260" r:id="rId6"/>
+    <p:sldId id="261" r:id="rId7"/>
+    <p:sldId id="262" r:id="rId8"/>
+    <p:sldId id="263" r:id="rId9"/>
+    <p:sldId id="264" r:id="rId10"/>
+    <p:sldId id="265" r:id="rId11"/>
   </p:sldIdLst>
   <p:sldSz cx="9144000" cy="6858000" type="screen4x3"/>
   <p:notesSz cx="6858000" cy="9144000"/>
@@ -113,6 +113,22 @@
       </a:defRPr>
     </a:lvl9pPr>
   </p:defaultTextStyle>
+  <p:extLst>
+    <p:ext uri="{EFAFB233-063F-42B5-8137-9DF3F51BA10A}">
+      <p15:sldGuideLst xmlns:p15="http://schemas.microsoft.com/office/powerpoint/2012/main">
+        <p15:guide id="1" orient="horz" pos="2160">
+          <p15:clr>
+            <a:srgbClr val="A4A3A4"/>
+          </p15:clr>
+        </p15:guide>
+        <p15:guide id="2" pos="2880">
+          <p15:clr>
+            <a:srgbClr val="A4A3A4"/>
+          </p15:clr>
+        </p15:guide>
+      </p15:sldGuideLst>
+    </p:ext>
+  </p:extLst>
 </p:presentation>
 </file>
 
@@ -154,10 +170,9 @@
           <a:lstStyle/>
           <a:p>
             <a:r>
-              <a:rPr lang="en-US" smtClean="0"/>
+              <a:rPr lang="en-US"/>
               <a:t>Click to edit Master title style</a:t>
             </a:r>
-            <a:endParaRPr lang="en-US"/>
           </a:p>
         </p:txBody>
       </p:sp>
@@ -273,10 +288,9 @@
           </a:lstStyle>
           <a:p>
             <a:r>
-              <a:rPr lang="en-US" smtClean="0"/>
+              <a:rPr lang="en-US"/>
               <a:t>Click to edit Master subtitle style</a:t>
             </a:r>
-            <a:endParaRPr lang="en-US"/>
           </a:p>
         </p:txBody>
       </p:sp>
@@ -297,7 +311,7 @@
           <a:p>
             <a:fld id="{5BCAD085-E8A6-8845-BD4E-CB4CCA059FC4}" type="datetimeFigureOut">
               <a:rPr lang="en-US" smtClean="0"/>
-              <a:t>1/27/13</a:t>
+              <a:t>5/15/2024</a:t>
             </a:fld>
             <a:endParaRPr lang="en-US"/>
           </a:p>
@@ -391,10 +405,9 @@
           <a:lstStyle/>
           <a:p>
             <a:r>
-              <a:rPr lang="en-US" smtClean="0"/>
+              <a:rPr lang="en-US"/>
               <a:t>Click to edit Master title style</a:t>
             </a:r>
-            <a:endParaRPr lang="en-US"/>
           </a:p>
         </p:txBody>
       </p:sp>
@@ -415,38 +428,37 @@
           <a:p>
             <a:pPr lvl="0"/>
             <a:r>
-              <a:rPr lang="en-US" smtClean="0"/>
+              <a:rPr lang="en-US"/>
               <a:t>Click to edit Master text styles</a:t>
             </a:r>
           </a:p>
           <a:p>
             <a:pPr lvl="1"/>
             <a:r>
-              <a:rPr lang="en-US" smtClean="0"/>
+              <a:rPr lang="en-US"/>
               <a:t>Second level</a:t>
             </a:r>
           </a:p>
           <a:p>
             <a:pPr lvl="2"/>
             <a:r>
-              <a:rPr lang="en-US" smtClean="0"/>
+              <a:rPr lang="en-US"/>
               <a:t>Third level</a:t>
             </a:r>
           </a:p>
           <a:p>
             <a:pPr lvl="3"/>
             <a:r>
-              <a:rPr lang="en-US" smtClean="0"/>
+              <a:rPr lang="en-US"/>
               <a:t>Fourth level</a:t>
             </a:r>
           </a:p>
           <a:p>
             <a:pPr lvl="4"/>
             <a:r>
-              <a:rPr lang="en-US" smtClean="0"/>
+              <a:rPr lang="en-US"/>
               <a:t>Fifth level</a:t>
             </a:r>
-            <a:endParaRPr lang="en-US"/>
           </a:p>
         </p:txBody>
       </p:sp>
@@ -467,7 +479,7 @@
           <a:p>
             <a:fld id="{5BCAD085-E8A6-8845-BD4E-CB4CCA059FC4}" type="datetimeFigureOut">
               <a:rPr lang="en-US" smtClean="0"/>
-              <a:t>1/27/13</a:t>
+              <a:t>5/15/2024</a:t>
             </a:fld>
             <a:endParaRPr lang="en-US"/>
           </a:p>
@@ -566,10 +578,9 @@
           <a:lstStyle/>
           <a:p>
             <a:r>
-              <a:rPr lang="en-US" smtClean="0"/>
+              <a:rPr lang="en-US"/>
               <a:t>Click to edit Master title style</a:t>
             </a:r>
-            <a:endParaRPr lang="en-US"/>
           </a:p>
         </p:txBody>
       </p:sp>
@@ -595,38 +606,37 @@
           <a:p>
             <a:pPr lvl="0"/>
             <a:r>
-              <a:rPr lang="en-US" smtClean="0"/>
+              <a:rPr lang="en-US"/>
               <a:t>Click to edit Master text styles</a:t>
             </a:r>
           </a:p>
           <a:p>
             <a:pPr lvl="1"/>
             <a:r>
-              <a:rPr lang="en-US" smtClean="0"/>
+              <a:rPr lang="en-US"/>
               <a:t>Second level</a:t>
             </a:r>
           </a:p>
           <a:p>
             <a:pPr lvl="2"/>
             <a:r>
-              <a:rPr lang="en-US" smtClean="0"/>
+              <a:rPr lang="en-US"/>
               <a:t>Third level</a:t>
             </a:r>
           </a:p>
           <a:p>
             <a:pPr lvl="3"/>
             <a:r>
-              <a:rPr lang="en-US" smtClean="0"/>
+              <a:rPr lang="en-US"/>
               <a:t>Fourth level</a:t>
             </a:r>
           </a:p>
           <a:p>
             <a:pPr lvl="4"/>
             <a:r>
-              <a:rPr lang="en-US" smtClean="0"/>
+              <a:rPr lang="en-US"/>
               <a:t>Fifth level</a:t>
             </a:r>
-            <a:endParaRPr lang="en-US"/>
           </a:p>
         </p:txBody>
       </p:sp>
@@ -647,7 +657,7 @@
           <a:p>
             <a:fld id="{5BCAD085-E8A6-8845-BD4E-CB4CCA059FC4}" type="datetimeFigureOut">
               <a:rPr lang="en-US" smtClean="0"/>
-              <a:t>1/27/13</a:t>
+              <a:t>5/15/2024</a:t>
             </a:fld>
             <a:endParaRPr lang="en-US"/>
           </a:p>
@@ -741,10 +751,9 @@
           <a:lstStyle/>
           <a:p>
             <a:r>
-              <a:rPr lang="en-US" smtClean="0"/>
+              <a:rPr lang="en-US"/>
               <a:t>Click to edit Master title style</a:t>
             </a:r>
-            <a:endParaRPr lang="en-US"/>
           </a:p>
         </p:txBody>
       </p:sp>
@@ -765,38 +774,37 @@
           <a:p>
             <a:pPr lvl="0"/>
             <a:r>
-              <a:rPr lang="en-US" smtClean="0"/>
+              <a:rPr lang="en-US"/>
               <a:t>Click to edit Master text styles</a:t>
             </a:r>
           </a:p>
           <a:p>
             <a:pPr lvl="1"/>
             <a:r>
-              <a:rPr lang="en-US" smtClean="0"/>
+              <a:rPr lang="en-US"/>
               <a:t>Second level</a:t>
             </a:r>
           </a:p>
           <a:p>
             <a:pPr lvl="2"/>
             <a:r>
-              <a:rPr lang="en-US" smtClean="0"/>
+              <a:rPr lang="en-US"/>
               <a:t>Third level</a:t>
             </a:r>
           </a:p>
           <a:p>
             <a:pPr lvl="3"/>
             <a:r>
-              <a:rPr lang="en-US" smtClean="0"/>
+              <a:rPr lang="en-US"/>
               <a:t>Fourth level</a:t>
             </a:r>
           </a:p>
           <a:p>
             <a:pPr lvl="4"/>
             <a:r>
-              <a:rPr lang="en-US" smtClean="0"/>
+              <a:rPr lang="en-US"/>
               <a:t>Fifth level</a:t>
             </a:r>
-            <a:endParaRPr lang="en-US"/>
           </a:p>
         </p:txBody>
       </p:sp>
@@ -817,7 +825,7 @@
           <a:p>
             <a:fld id="{5BCAD085-E8A6-8845-BD4E-CB4CCA059FC4}" type="datetimeFigureOut">
               <a:rPr lang="en-US" smtClean="0"/>
-              <a:t>1/27/13</a:t>
+              <a:t>5/15/2024</a:t>
             </a:fld>
             <a:endParaRPr lang="en-US"/>
           </a:p>
@@ -920,10 +928,9 @@
           </a:lstStyle>
           <a:p>
             <a:r>
-              <a:rPr lang="en-US" smtClean="0"/>
+              <a:rPr lang="en-US"/>
               <a:t>Click to edit Master title style</a:t>
             </a:r>
-            <a:endParaRPr lang="en-US"/>
           </a:p>
         </p:txBody>
       </p:sp>
@@ -1040,7 +1047,7 @@
           <a:p>
             <a:pPr lvl="0"/>
             <a:r>
-              <a:rPr lang="en-US" smtClean="0"/>
+              <a:rPr lang="en-US"/>
               <a:t>Click to edit Master text styles</a:t>
             </a:r>
           </a:p>
@@ -1063,7 +1070,7 @@
           <a:p>
             <a:fld id="{5BCAD085-E8A6-8845-BD4E-CB4CCA059FC4}" type="datetimeFigureOut">
               <a:rPr lang="en-US" smtClean="0"/>
-              <a:t>1/27/13</a:t>
+              <a:t>5/15/2024</a:t>
             </a:fld>
             <a:endParaRPr lang="en-US"/>
           </a:p>
@@ -1157,10 +1164,9 @@
           <a:lstStyle/>
           <a:p>
             <a:r>
-              <a:rPr lang="en-US" smtClean="0"/>
+              <a:rPr lang="en-US"/>
               <a:t>Click to edit Master title style</a:t>
             </a:r>
-            <a:endParaRPr lang="en-US"/>
           </a:p>
         </p:txBody>
       </p:sp>
@@ -1214,38 +1220,37 @@
           <a:p>
             <a:pPr lvl="0"/>
             <a:r>
-              <a:rPr lang="en-US" smtClean="0"/>
+              <a:rPr lang="en-US"/>
               <a:t>Click to edit Master text styles</a:t>
             </a:r>
           </a:p>
           <a:p>
             <a:pPr lvl="1"/>
             <a:r>
-              <a:rPr lang="en-US" smtClean="0"/>
+              <a:rPr lang="en-US"/>
               <a:t>Second level</a:t>
             </a:r>
           </a:p>
           <a:p>
             <a:pPr lvl="2"/>
             <a:r>
-              <a:rPr lang="en-US" smtClean="0"/>
+              <a:rPr lang="en-US"/>
               <a:t>Third level</a:t>
             </a:r>
           </a:p>
           <a:p>
             <a:pPr lvl="3"/>
             <a:r>
-              <a:rPr lang="en-US" smtClean="0"/>
+              <a:rPr lang="en-US"/>
               <a:t>Fourth level</a:t>
             </a:r>
           </a:p>
           <a:p>
             <a:pPr lvl="4"/>
             <a:r>
-              <a:rPr lang="en-US" smtClean="0"/>
+              <a:rPr lang="en-US"/>
               <a:t>Fifth level</a:t>
             </a:r>
-            <a:endParaRPr lang="en-US"/>
           </a:p>
         </p:txBody>
       </p:sp>
@@ -1299,38 +1304,37 @@
           <a:p>
             <a:pPr lvl="0"/>
             <a:r>
-              <a:rPr lang="en-US" smtClean="0"/>
+              <a:rPr lang="en-US"/>
               <a:t>Click to edit Master text styles</a:t>
             </a:r>
           </a:p>
           <a:p>
             <a:pPr lvl="1"/>
             <a:r>
-              <a:rPr lang="en-US" smtClean="0"/>
+              <a:rPr lang="en-US"/>
               <a:t>Second level</a:t>
             </a:r>
           </a:p>
           <a:p>
             <a:pPr lvl="2"/>
             <a:r>
-              <a:rPr lang="en-US" smtClean="0"/>
+              <a:rPr lang="en-US"/>
               <a:t>Third level</a:t>
             </a:r>
           </a:p>
           <a:p>
             <a:pPr lvl="3"/>
             <a:r>
-              <a:rPr lang="en-US" smtClean="0"/>
+              <a:rPr lang="en-US"/>
               <a:t>Fourth level</a:t>
             </a:r>
           </a:p>
           <a:p>
             <a:pPr lvl="4"/>
             <a:r>
-              <a:rPr lang="en-US" smtClean="0"/>
+              <a:rPr lang="en-US"/>
               <a:t>Fifth level</a:t>
             </a:r>
-            <a:endParaRPr lang="en-US"/>
           </a:p>
         </p:txBody>
       </p:sp>
@@ -1351,7 +1355,7 @@
           <a:p>
             <a:fld id="{5BCAD085-E8A6-8845-BD4E-CB4CCA059FC4}" type="datetimeFigureOut">
               <a:rPr lang="en-US" smtClean="0"/>
-              <a:t>1/27/13</a:t>
+              <a:t>5/15/2024</a:t>
             </a:fld>
             <a:endParaRPr lang="en-US"/>
           </a:p>
@@ -1449,10 +1453,9 @@
           </a:lstStyle>
           <a:p>
             <a:r>
-              <a:rPr lang="en-US" smtClean="0"/>
+              <a:rPr lang="en-US"/>
               <a:t>Click to edit Master title style</a:t>
             </a:r>
-            <a:endParaRPr lang="en-US"/>
           </a:p>
         </p:txBody>
       </p:sp>
@@ -1515,7 +1518,7 @@
           <a:p>
             <a:pPr lvl="0"/>
             <a:r>
-              <a:rPr lang="en-US" smtClean="0"/>
+              <a:rPr lang="en-US"/>
               <a:t>Click to edit Master text styles</a:t>
             </a:r>
           </a:p>
@@ -1571,38 +1574,37 @@
           <a:p>
             <a:pPr lvl="0"/>
             <a:r>
-              <a:rPr lang="en-US" smtClean="0"/>
+              <a:rPr lang="en-US"/>
               <a:t>Click to edit Master text styles</a:t>
             </a:r>
           </a:p>
           <a:p>
             <a:pPr lvl="1"/>
             <a:r>
-              <a:rPr lang="en-US" smtClean="0"/>
+              <a:rPr lang="en-US"/>
               <a:t>Second level</a:t>
             </a:r>
           </a:p>
           <a:p>
             <a:pPr lvl="2"/>
             <a:r>
-              <a:rPr lang="en-US" smtClean="0"/>
+              <a:rPr lang="en-US"/>
               <a:t>Third level</a:t>
             </a:r>
           </a:p>
           <a:p>
             <a:pPr lvl="3"/>
             <a:r>
-              <a:rPr lang="en-US" smtClean="0"/>
+              <a:rPr lang="en-US"/>
               <a:t>Fourth level</a:t>
             </a:r>
           </a:p>
           <a:p>
             <a:pPr lvl="4"/>
             <a:r>
-              <a:rPr lang="en-US" smtClean="0"/>
+              <a:rPr lang="en-US"/>
               <a:t>Fifth level</a:t>
             </a:r>
-            <a:endParaRPr lang="en-US"/>
           </a:p>
         </p:txBody>
       </p:sp>
@@ -1665,7 +1667,7 @@
           <a:p>
             <a:pPr lvl="0"/>
             <a:r>
-              <a:rPr lang="en-US" smtClean="0"/>
+              <a:rPr lang="en-US"/>
               <a:t>Click to edit Master text styles</a:t>
             </a:r>
           </a:p>
@@ -1721,38 +1723,37 @@
           <a:p>
             <a:pPr lvl="0"/>
             <a:r>
-              <a:rPr lang="en-US" smtClean="0"/>
+              <a:rPr lang="en-US"/>
               <a:t>Click to edit Master text styles</a:t>
             </a:r>
           </a:p>
           <a:p>
             <a:pPr lvl="1"/>
             <a:r>
-              <a:rPr lang="en-US" smtClean="0"/>
+              <a:rPr lang="en-US"/>
               <a:t>Second level</a:t>
             </a:r>
           </a:p>
           <a:p>
             <a:pPr lvl="2"/>
             <a:r>
-              <a:rPr lang="en-US" smtClean="0"/>
+              <a:rPr lang="en-US"/>
               <a:t>Third level</a:t>
             </a:r>
           </a:p>
           <a:p>
             <a:pPr lvl="3"/>
             <a:r>
-              <a:rPr lang="en-US" smtClean="0"/>
+              <a:rPr lang="en-US"/>
               <a:t>Fourth level</a:t>
             </a:r>
           </a:p>
           <a:p>
             <a:pPr lvl="4"/>
             <a:r>
-              <a:rPr lang="en-US" smtClean="0"/>
+              <a:rPr lang="en-US"/>
               <a:t>Fifth level</a:t>
             </a:r>
-            <a:endParaRPr lang="en-US"/>
           </a:p>
         </p:txBody>
       </p:sp>
@@ -1773,7 +1774,7 @@
           <a:p>
             <a:fld id="{5BCAD085-E8A6-8845-BD4E-CB4CCA059FC4}" type="datetimeFigureOut">
               <a:rPr lang="en-US" smtClean="0"/>
-              <a:t>1/27/13</a:t>
+              <a:t>5/15/2024</a:t>
             </a:fld>
             <a:endParaRPr lang="en-US"/>
           </a:p>
@@ -1867,10 +1868,9 @@
           <a:lstStyle/>
           <a:p>
             <a:r>
-              <a:rPr lang="en-US" smtClean="0"/>
+              <a:rPr lang="en-US"/>
               <a:t>Click to edit Master title style</a:t>
             </a:r>
-            <a:endParaRPr lang="en-US"/>
           </a:p>
         </p:txBody>
       </p:sp>
@@ -1891,7 +1891,7 @@
           <a:p>
             <a:fld id="{5BCAD085-E8A6-8845-BD4E-CB4CCA059FC4}" type="datetimeFigureOut">
               <a:rPr lang="en-US" smtClean="0"/>
-              <a:t>1/27/13</a:t>
+              <a:t>5/15/2024</a:t>
             </a:fld>
             <a:endParaRPr lang="en-US"/>
           </a:p>
@@ -1986,7 +1986,7 @@
           <a:p>
             <a:fld id="{5BCAD085-E8A6-8845-BD4E-CB4CCA059FC4}" type="datetimeFigureOut">
               <a:rPr lang="en-US" smtClean="0"/>
-              <a:t>1/27/13</a:t>
+              <a:t>5/15/2024</a:t>
             </a:fld>
             <a:endParaRPr lang="en-US"/>
           </a:p>
@@ -2089,10 +2089,9 @@
           </a:lstStyle>
           <a:p>
             <a:r>
-              <a:rPr lang="en-US" smtClean="0"/>
+              <a:rPr lang="en-US"/>
               <a:t>Click to edit Master title style</a:t>
             </a:r>
-            <a:endParaRPr lang="en-US"/>
           </a:p>
         </p:txBody>
       </p:sp>
@@ -2146,38 +2145,37 @@
           <a:p>
             <a:pPr lvl="0"/>
             <a:r>
-              <a:rPr lang="en-US" smtClean="0"/>
+              <a:rPr lang="en-US"/>
               <a:t>Click to edit Master text styles</a:t>
             </a:r>
           </a:p>
           <a:p>
             <a:pPr lvl="1"/>
             <a:r>
-              <a:rPr lang="en-US" smtClean="0"/>
+              <a:rPr lang="en-US"/>
               <a:t>Second level</a:t>
             </a:r>
           </a:p>
           <a:p>
             <a:pPr lvl="2"/>
             <a:r>
-              <a:rPr lang="en-US" smtClean="0"/>
+              <a:rPr lang="en-US"/>
               <a:t>Third level</a:t>
             </a:r>
           </a:p>
           <a:p>
             <a:pPr lvl="3"/>
             <a:r>
-              <a:rPr lang="en-US" smtClean="0"/>
+              <a:rPr lang="en-US"/>
               <a:t>Fourth level</a:t>
             </a:r>
           </a:p>
           <a:p>
             <a:pPr lvl="4"/>
             <a:r>
-              <a:rPr lang="en-US" smtClean="0"/>
+              <a:rPr lang="en-US"/>
               <a:t>Fifth level</a:t>
             </a:r>
-            <a:endParaRPr lang="en-US"/>
           </a:p>
         </p:txBody>
       </p:sp>
@@ -2240,7 +2238,7 @@
           <a:p>
             <a:pPr lvl="0"/>
             <a:r>
-              <a:rPr lang="en-US" smtClean="0"/>
+              <a:rPr lang="en-US"/>
               <a:t>Click to edit Master text styles</a:t>
             </a:r>
           </a:p>
@@ -2263,7 +2261,7 @@
           <a:p>
             <a:fld id="{5BCAD085-E8A6-8845-BD4E-CB4CCA059FC4}" type="datetimeFigureOut">
               <a:rPr lang="en-US" smtClean="0"/>
-              <a:t>1/27/13</a:t>
+              <a:t>5/15/2024</a:t>
             </a:fld>
             <a:endParaRPr lang="en-US"/>
           </a:p>
@@ -2366,10 +2364,9 @@
           </a:lstStyle>
           <a:p>
             <a:r>
-              <a:rPr lang="en-US" smtClean="0"/>
+              <a:rPr lang="en-US"/>
               <a:t>Click to edit Master title style</a:t>
             </a:r>
-            <a:endParaRPr lang="en-US"/>
           </a:p>
         </p:txBody>
       </p:sp>
@@ -2493,7 +2490,7 @@
           <a:p>
             <a:pPr lvl="0"/>
             <a:r>
-              <a:rPr lang="en-US" smtClean="0"/>
+              <a:rPr lang="en-US"/>
               <a:t>Click to edit Master text styles</a:t>
             </a:r>
           </a:p>
@@ -2516,7 +2513,7 @@
           <a:p>
             <a:fld id="{5BCAD085-E8A6-8845-BD4E-CB4CCA059FC4}" type="datetimeFigureOut">
               <a:rPr lang="en-US" smtClean="0"/>
-              <a:t>1/27/13</a:t>
+              <a:t>5/15/2024</a:t>
             </a:fld>
             <a:endParaRPr lang="en-US"/>
           </a:p>
@@ -2625,10 +2622,9 @@
           <a:lstStyle/>
           <a:p>
             <a:r>
-              <a:rPr lang="en-US" smtClean="0"/>
+              <a:rPr lang="en-US"/>
               <a:t>Click to edit Master title style</a:t>
             </a:r>
-            <a:endParaRPr lang="en-US"/>
           </a:p>
         </p:txBody>
       </p:sp>
@@ -2659,38 +2655,37 @@
           <a:p>
             <a:pPr lvl="0"/>
             <a:r>
-              <a:rPr lang="en-US" smtClean="0"/>
+              <a:rPr lang="en-US"/>
               <a:t>Click to edit Master text styles</a:t>
             </a:r>
           </a:p>
           <a:p>
             <a:pPr lvl="1"/>
             <a:r>
-              <a:rPr lang="en-US" smtClean="0"/>
+              <a:rPr lang="en-US"/>
               <a:t>Second level</a:t>
             </a:r>
           </a:p>
           <a:p>
             <a:pPr lvl="2"/>
             <a:r>
-              <a:rPr lang="en-US" smtClean="0"/>
+              <a:rPr lang="en-US"/>
               <a:t>Third level</a:t>
             </a:r>
           </a:p>
           <a:p>
             <a:pPr lvl="3"/>
             <a:r>
-              <a:rPr lang="en-US" smtClean="0"/>
+              <a:rPr lang="en-US"/>
               <a:t>Fourth level</a:t>
             </a:r>
           </a:p>
           <a:p>
             <a:pPr lvl="4"/>
             <a:r>
-              <a:rPr lang="en-US" smtClean="0"/>
+              <a:rPr lang="en-US"/>
               <a:t>Fifth level</a:t>
             </a:r>
-            <a:endParaRPr lang="en-US"/>
           </a:p>
         </p:txBody>
       </p:sp>
@@ -2729,7 +2724,7 @@
           <a:p>
             <a:fld id="{5BCAD085-E8A6-8845-BD4E-CB4CCA059FC4}" type="datetimeFigureOut">
               <a:rPr lang="en-US" smtClean="0"/>
-              <a:t>1/27/13</a:t>
+              <a:t>5/15/2024</a:t>
             </a:fld>
             <a:endParaRPr lang="en-US"/>
           </a:p>
@@ -3088,7 +3083,7 @@
 </file>
 
 <file path=ppt/slides/slide1.xml><?xml version="1.0" encoding="utf-8"?>
-<p:sld xmlns:a="http://schemas.openxmlformats.org/drawingml/2006/main" xmlns:p="http://schemas.openxmlformats.org/presentationml/2006/main" xmlns:r="http://schemas.openxmlformats.org/officeDocument/2006/relationships">
+<p:sld xmlns:a="http://schemas.openxmlformats.org/drawingml/2006/main" xmlns:r="http://schemas.openxmlformats.org/officeDocument/2006/relationships" xmlns:p="http://schemas.openxmlformats.org/presentationml/2006/main">
   <p:cSld>
     <p:spTree>
       <p:nvGrpSpPr>
@@ -3096,7 +3091,14 @@
         <p:cNvGrpSpPr/>
         <p:nvPr/>
       </p:nvGrpSpPr>
-      <p:grpSpPr/>
+      <p:grpSpPr>
+        <a:xfrm>
+          <a:off x="0" y="0"/>
+          <a:ext cx="0" cy="0"/>
+          <a:chOff x="0" y="0"/>
+          <a:chExt cx="0" cy="0"/>
+        </a:xfrm>
+      </p:grpSpPr>
       <p:pic>
         <p:nvPicPr>
           <p:cNvPr id="2" name="Picture 1" descr="Layers.png"/>
@@ -3121,6 +3123,56 @@
           </a:prstGeom>
         </p:spPr>
       </p:pic>
+      <p:sp>
+        <p:nvSpPr>
+          <p:cNvPr id="3" name="Rectangle 2">
+            <a:extLst>
+              <a:ext uri="{FF2B5EF4-FFF2-40B4-BE49-F238E27FC236}">
+                <a16:creationId xmlns:a16="http://schemas.microsoft.com/office/drawing/2014/main" id="{5216E574-FA1E-6460-EDEE-6A934F5AA250}"/>
+              </a:ext>
+            </a:extLst>
+          </p:cNvPr>
+          <p:cNvSpPr/>
+          <p:nvPr/>
+        </p:nvSpPr>
+        <p:spPr>
+          <a:xfrm>
+            <a:off x="-676656" y="-292608"/>
+            <a:ext cx="10789920" cy="3518408"/>
+          </a:xfrm>
+          <a:prstGeom prst="rect">
+            <a:avLst/>
+          </a:prstGeom>
+          <a:solidFill>
+            <a:schemeClr val="tx1">
+              <a:lumMod val="95000"/>
+              <a:lumOff val="5000"/>
+            </a:schemeClr>
+          </a:solidFill>
+        </p:spPr>
+        <p:style>
+          <a:lnRef idx="1">
+            <a:schemeClr val="accent1"/>
+          </a:lnRef>
+          <a:fillRef idx="3">
+            <a:schemeClr val="accent1"/>
+          </a:fillRef>
+          <a:effectRef idx="2">
+            <a:schemeClr val="accent1"/>
+          </a:effectRef>
+          <a:fontRef idx="minor">
+            <a:schemeClr val="lt1"/>
+          </a:fontRef>
+        </p:style>
+        <p:txBody>
+          <a:bodyPr rtlCol="0" anchor="ctr"/>
+          <a:lstStyle/>
+          <a:p>
+            <a:pPr algn="ctr"/>
+            <a:endParaRPr lang="en-DK"/>
+          </a:p>
+        </p:txBody>
+      </p:sp>
     </p:spTree>
   </p:cSld>
   <p:clrMapOvr>
@@ -3130,7 +3182,7 @@
 </file>
 
 <file path=ppt/slides/slide10.xml><?xml version="1.0" encoding="utf-8"?>
-<p:sld xmlns:a="http://schemas.openxmlformats.org/drawingml/2006/main" xmlns:p="http://schemas.openxmlformats.org/presentationml/2006/main" xmlns:r="http://schemas.openxmlformats.org/officeDocument/2006/relationships">
+<p:sld xmlns:a="http://schemas.openxmlformats.org/drawingml/2006/main" xmlns:r="http://schemas.openxmlformats.org/officeDocument/2006/relationships" xmlns:p="http://schemas.openxmlformats.org/presentationml/2006/main">
   <p:cSld>
     <p:spTree>
       <p:nvGrpSpPr>
@@ -3138,7 +3190,14 @@
         <p:cNvGrpSpPr/>
         <p:nvPr/>
       </p:nvGrpSpPr>
-      <p:grpSpPr/>
+      <p:grpSpPr>
+        <a:xfrm>
+          <a:off x="0" y="0"/>
+          <a:ext cx="0" cy="0"/>
+          <a:chOff x="0" y="0"/>
+          <a:chExt cx="0" cy="0"/>
+        </a:xfrm>
+      </p:grpSpPr>
       <p:pic>
         <p:nvPicPr>
           <p:cNvPr id="2" name="Picture 1" descr="Layers.png"/>
@@ -3163,6 +3222,56 @@
           </a:prstGeom>
         </p:spPr>
       </p:pic>
+      <p:sp>
+        <p:nvSpPr>
+          <p:cNvPr id="3" name="Rectangle 2">
+            <a:extLst>
+              <a:ext uri="{FF2B5EF4-FFF2-40B4-BE49-F238E27FC236}">
+                <a16:creationId xmlns:a16="http://schemas.microsoft.com/office/drawing/2014/main" id="{8068B6A9-6844-FCE7-A454-187F74C9F2FC}"/>
+              </a:ext>
+            </a:extLst>
+          </p:cNvPr>
+          <p:cNvSpPr/>
+          <p:nvPr/>
+        </p:nvSpPr>
+        <p:spPr>
+          <a:xfrm>
+            <a:off x="-676656" y="-292608"/>
+            <a:ext cx="10789920" cy="3518408"/>
+          </a:xfrm>
+          <a:prstGeom prst="rect">
+            <a:avLst/>
+          </a:prstGeom>
+          <a:solidFill>
+            <a:schemeClr val="tx1">
+              <a:lumMod val="95000"/>
+              <a:lumOff val="5000"/>
+            </a:schemeClr>
+          </a:solidFill>
+        </p:spPr>
+        <p:style>
+          <a:lnRef idx="1">
+            <a:schemeClr val="accent1"/>
+          </a:lnRef>
+          <a:fillRef idx="3">
+            <a:schemeClr val="accent1"/>
+          </a:fillRef>
+          <a:effectRef idx="2">
+            <a:schemeClr val="accent1"/>
+          </a:effectRef>
+          <a:fontRef idx="minor">
+            <a:schemeClr val="lt1"/>
+          </a:fontRef>
+        </p:style>
+        <p:txBody>
+          <a:bodyPr rtlCol="0" anchor="ctr"/>
+          <a:lstStyle/>
+          <a:p>
+            <a:pPr algn="ctr"/>
+            <a:endParaRPr lang="en-DK"/>
+          </a:p>
+        </p:txBody>
+      </p:sp>
     </p:spTree>
   </p:cSld>
   <p:clrMapOvr>
@@ -3172,7 +3281,7 @@
 </file>
 
 <file path=ppt/slides/slide2.xml><?xml version="1.0" encoding="utf-8"?>
-<p:sld xmlns:a="http://schemas.openxmlformats.org/drawingml/2006/main" xmlns:p="http://schemas.openxmlformats.org/presentationml/2006/main" xmlns:r="http://schemas.openxmlformats.org/officeDocument/2006/relationships">
+<p:sld xmlns:a="http://schemas.openxmlformats.org/drawingml/2006/main" xmlns:r="http://schemas.openxmlformats.org/officeDocument/2006/relationships" xmlns:p="http://schemas.openxmlformats.org/presentationml/2006/main">
   <p:cSld>
     <p:spTree>
       <p:nvGrpSpPr>
@@ -3180,7 +3289,14 @@
         <p:cNvGrpSpPr/>
         <p:nvPr/>
       </p:nvGrpSpPr>
-      <p:grpSpPr/>
+      <p:grpSpPr>
+        <a:xfrm>
+          <a:off x="0" y="0"/>
+          <a:ext cx="0" cy="0"/>
+          <a:chOff x="0" y="0"/>
+          <a:chExt cx="0" cy="0"/>
+        </a:xfrm>
+      </p:grpSpPr>
       <p:pic>
         <p:nvPicPr>
           <p:cNvPr id="2" name="Picture 1" descr="Layers.png"/>
@@ -3205,6 +3321,56 @@
           </a:prstGeom>
         </p:spPr>
       </p:pic>
+      <p:sp>
+        <p:nvSpPr>
+          <p:cNvPr id="3" name="Rectangle 2">
+            <a:extLst>
+              <a:ext uri="{FF2B5EF4-FFF2-40B4-BE49-F238E27FC236}">
+                <a16:creationId xmlns:a16="http://schemas.microsoft.com/office/drawing/2014/main" id="{65666828-B41E-1159-42CC-B209A8D7308A}"/>
+              </a:ext>
+            </a:extLst>
+          </p:cNvPr>
+          <p:cNvSpPr/>
+          <p:nvPr/>
+        </p:nvSpPr>
+        <p:spPr>
+          <a:xfrm>
+            <a:off x="-676656" y="-292608"/>
+            <a:ext cx="10789920" cy="3518408"/>
+          </a:xfrm>
+          <a:prstGeom prst="rect">
+            <a:avLst/>
+          </a:prstGeom>
+          <a:solidFill>
+            <a:schemeClr val="tx1">
+              <a:lumMod val="95000"/>
+              <a:lumOff val="5000"/>
+            </a:schemeClr>
+          </a:solidFill>
+        </p:spPr>
+        <p:style>
+          <a:lnRef idx="1">
+            <a:schemeClr val="accent1"/>
+          </a:lnRef>
+          <a:fillRef idx="3">
+            <a:schemeClr val="accent1"/>
+          </a:fillRef>
+          <a:effectRef idx="2">
+            <a:schemeClr val="accent1"/>
+          </a:effectRef>
+          <a:fontRef idx="minor">
+            <a:schemeClr val="lt1"/>
+          </a:fontRef>
+        </p:style>
+        <p:txBody>
+          <a:bodyPr rtlCol="0" anchor="ctr"/>
+          <a:lstStyle/>
+          <a:p>
+            <a:pPr algn="ctr"/>
+            <a:endParaRPr lang="en-DK"/>
+          </a:p>
+        </p:txBody>
+      </p:sp>
     </p:spTree>
   </p:cSld>
   <p:clrMapOvr>
@@ -3214,7 +3380,7 @@
 </file>
 
 <file path=ppt/slides/slide3.xml><?xml version="1.0" encoding="utf-8"?>
-<p:sld xmlns:a="http://schemas.openxmlformats.org/drawingml/2006/main" xmlns:p="http://schemas.openxmlformats.org/presentationml/2006/main" xmlns:r="http://schemas.openxmlformats.org/officeDocument/2006/relationships">
+<p:sld xmlns:a="http://schemas.openxmlformats.org/drawingml/2006/main" xmlns:r="http://schemas.openxmlformats.org/officeDocument/2006/relationships" xmlns:p="http://schemas.openxmlformats.org/presentationml/2006/main">
   <p:cSld>
     <p:spTree>
       <p:nvGrpSpPr>
@@ -3222,7 +3388,14 @@
         <p:cNvGrpSpPr/>
         <p:nvPr/>
       </p:nvGrpSpPr>
-      <p:grpSpPr/>
+      <p:grpSpPr>
+        <a:xfrm>
+          <a:off x="0" y="0"/>
+          <a:ext cx="0" cy="0"/>
+          <a:chOff x="0" y="0"/>
+          <a:chExt cx="0" cy="0"/>
+        </a:xfrm>
+      </p:grpSpPr>
       <p:pic>
         <p:nvPicPr>
           <p:cNvPr id="2" name="Picture 1" descr="Layers.png"/>
@@ -3247,6 +3420,56 @@
           </a:prstGeom>
         </p:spPr>
       </p:pic>
+      <p:sp>
+        <p:nvSpPr>
+          <p:cNvPr id="3" name="Rectangle 2">
+            <a:extLst>
+              <a:ext uri="{FF2B5EF4-FFF2-40B4-BE49-F238E27FC236}">
+                <a16:creationId xmlns:a16="http://schemas.microsoft.com/office/drawing/2014/main" id="{8B64BC57-C674-5966-0DC8-86EAF221CB1E}"/>
+              </a:ext>
+            </a:extLst>
+          </p:cNvPr>
+          <p:cNvSpPr/>
+          <p:nvPr/>
+        </p:nvSpPr>
+        <p:spPr>
+          <a:xfrm>
+            <a:off x="-676656" y="-292608"/>
+            <a:ext cx="10789920" cy="3518408"/>
+          </a:xfrm>
+          <a:prstGeom prst="rect">
+            <a:avLst/>
+          </a:prstGeom>
+          <a:solidFill>
+            <a:schemeClr val="tx1">
+              <a:lumMod val="95000"/>
+              <a:lumOff val="5000"/>
+            </a:schemeClr>
+          </a:solidFill>
+        </p:spPr>
+        <p:style>
+          <a:lnRef idx="1">
+            <a:schemeClr val="accent1"/>
+          </a:lnRef>
+          <a:fillRef idx="3">
+            <a:schemeClr val="accent1"/>
+          </a:fillRef>
+          <a:effectRef idx="2">
+            <a:schemeClr val="accent1"/>
+          </a:effectRef>
+          <a:fontRef idx="minor">
+            <a:schemeClr val="lt1"/>
+          </a:fontRef>
+        </p:style>
+        <p:txBody>
+          <a:bodyPr rtlCol="0" anchor="ctr"/>
+          <a:lstStyle/>
+          <a:p>
+            <a:pPr algn="ctr"/>
+            <a:endParaRPr lang="en-DK"/>
+          </a:p>
+        </p:txBody>
+      </p:sp>
     </p:spTree>
   </p:cSld>
   <p:clrMapOvr>
@@ -3256,7 +3479,7 @@
 </file>
 
 <file path=ppt/slides/slide4.xml><?xml version="1.0" encoding="utf-8"?>
-<p:sld xmlns:a="http://schemas.openxmlformats.org/drawingml/2006/main" xmlns:p="http://schemas.openxmlformats.org/presentationml/2006/main" xmlns:r="http://schemas.openxmlformats.org/officeDocument/2006/relationships">
+<p:sld xmlns:a="http://schemas.openxmlformats.org/drawingml/2006/main" xmlns:r="http://schemas.openxmlformats.org/officeDocument/2006/relationships" xmlns:p="http://schemas.openxmlformats.org/presentationml/2006/main">
   <p:cSld>
     <p:spTree>
       <p:nvGrpSpPr>
@@ -3264,7 +3487,14 @@
         <p:cNvGrpSpPr/>
         <p:nvPr/>
       </p:nvGrpSpPr>
-      <p:grpSpPr/>
+      <p:grpSpPr>
+        <a:xfrm>
+          <a:off x="0" y="0"/>
+          <a:ext cx="0" cy="0"/>
+          <a:chOff x="0" y="0"/>
+          <a:chExt cx="0" cy="0"/>
+        </a:xfrm>
+      </p:grpSpPr>
       <p:pic>
         <p:nvPicPr>
           <p:cNvPr id="2" name="Picture 1" descr="Layers.png"/>
@@ -3289,6 +3519,56 @@
           </a:prstGeom>
         </p:spPr>
       </p:pic>
+      <p:sp>
+        <p:nvSpPr>
+          <p:cNvPr id="3" name="Rectangle 2">
+            <a:extLst>
+              <a:ext uri="{FF2B5EF4-FFF2-40B4-BE49-F238E27FC236}">
+                <a16:creationId xmlns:a16="http://schemas.microsoft.com/office/drawing/2014/main" id="{8FE5CBA1-6ECC-3E61-905E-B4E3CE8890F9}"/>
+              </a:ext>
+            </a:extLst>
+          </p:cNvPr>
+          <p:cNvSpPr/>
+          <p:nvPr/>
+        </p:nvSpPr>
+        <p:spPr>
+          <a:xfrm>
+            <a:off x="-676656" y="-292608"/>
+            <a:ext cx="10789920" cy="3518408"/>
+          </a:xfrm>
+          <a:prstGeom prst="rect">
+            <a:avLst/>
+          </a:prstGeom>
+          <a:solidFill>
+            <a:schemeClr val="tx1">
+              <a:lumMod val="95000"/>
+              <a:lumOff val="5000"/>
+            </a:schemeClr>
+          </a:solidFill>
+        </p:spPr>
+        <p:style>
+          <a:lnRef idx="1">
+            <a:schemeClr val="accent1"/>
+          </a:lnRef>
+          <a:fillRef idx="3">
+            <a:schemeClr val="accent1"/>
+          </a:fillRef>
+          <a:effectRef idx="2">
+            <a:schemeClr val="accent1"/>
+          </a:effectRef>
+          <a:fontRef idx="minor">
+            <a:schemeClr val="lt1"/>
+          </a:fontRef>
+        </p:style>
+        <p:txBody>
+          <a:bodyPr rtlCol="0" anchor="ctr"/>
+          <a:lstStyle/>
+          <a:p>
+            <a:pPr algn="ctr"/>
+            <a:endParaRPr lang="en-DK"/>
+          </a:p>
+        </p:txBody>
+      </p:sp>
     </p:spTree>
   </p:cSld>
   <p:clrMapOvr>
@@ -3298,7 +3578,7 @@
 </file>
 
 <file path=ppt/slides/slide5.xml><?xml version="1.0" encoding="utf-8"?>
-<p:sld xmlns:a="http://schemas.openxmlformats.org/drawingml/2006/main" xmlns:p="http://schemas.openxmlformats.org/presentationml/2006/main" xmlns:r="http://schemas.openxmlformats.org/officeDocument/2006/relationships">
+<p:sld xmlns:a="http://schemas.openxmlformats.org/drawingml/2006/main" xmlns:r="http://schemas.openxmlformats.org/officeDocument/2006/relationships" xmlns:p="http://schemas.openxmlformats.org/presentationml/2006/main">
   <p:cSld>
     <p:spTree>
       <p:nvGrpSpPr>
@@ -3306,7 +3586,14 @@
         <p:cNvGrpSpPr/>
         <p:nvPr/>
       </p:nvGrpSpPr>
-      <p:grpSpPr/>
+      <p:grpSpPr>
+        <a:xfrm>
+          <a:off x="0" y="0"/>
+          <a:ext cx="0" cy="0"/>
+          <a:chOff x="0" y="0"/>
+          <a:chExt cx="0" cy="0"/>
+        </a:xfrm>
+      </p:grpSpPr>
       <p:pic>
         <p:nvPicPr>
           <p:cNvPr id="2" name="Picture 1" descr="Layers.png"/>
@@ -3331,6 +3618,56 @@
           </a:prstGeom>
         </p:spPr>
       </p:pic>
+      <p:sp>
+        <p:nvSpPr>
+          <p:cNvPr id="3" name="Rectangle 2">
+            <a:extLst>
+              <a:ext uri="{FF2B5EF4-FFF2-40B4-BE49-F238E27FC236}">
+                <a16:creationId xmlns:a16="http://schemas.microsoft.com/office/drawing/2014/main" id="{5DB5F3BC-BF93-BA24-60E7-50FDE1E5F6A9}"/>
+              </a:ext>
+            </a:extLst>
+          </p:cNvPr>
+          <p:cNvSpPr/>
+          <p:nvPr/>
+        </p:nvSpPr>
+        <p:spPr>
+          <a:xfrm>
+            <a:off x="-676656" y="-292608"/>
+            <a:ext cx="10789920" cy="3518408"/>
+          </a:xfrm>
+          <a:prstGeom prst="rect">
+            <a:avLst/>
+          </a:prstGeom>
+          <a:solidFill>
+            <a:schemeClr val="tx1">
+              <a:lumMod val="95000"/>
+              <a:lumOff val="5000"/>
+            </a:schemeClr>
+          </a:solidFill>
+        </p:spPr>
+        <p:style>
+          <a:lnRef idx="1">
+            <a:schemeClr val="accent1"/>
+          </a:lnRef>
+          <a:fillRef idx="3">
+            <a:schemeClr val="accent1"/>
+          </a:fillRef>
+          <a:effectRef idx="2">
+            <a:schemeClr val="accent1"/>
+          </a:effectRef>
+          <a:fontRef idx="minor">
+            <a:schemeClr val="lt1"/>
+          </a:fontRef>
+        </p:style>
+        <p:txBody>
+          <a:bodyPr rtlCol="0" anchor="ctr"/>
+          <a:lstStyle/>
+          <a:p>
+            <a:pPr algn="ctr"/>
+            <a:endParaRPr lang="en-DK"/>
+          </a:p>
+        </p:txBody>
+      </p:sp>
     </p:spTree>
   </p:cSld>
   <p:clrMapOvr>
@@ -3340,7 +3677,7 @@
 </file>
 
 <file path=ppt/slides/slide6.xml><?xml version="1.0" encoding="utf-8"?>
-<p:sld xmlns:a="http://schemas.openxmlformats.org/drawingml/2006/main" xmlns:p="http://schemas.openxmlformats.org/presentationml/2006/main" xmlns:r="http://schemas.openxmlformats.org/officeDocument/2006/relationships">
+<p:sld xmlns:a="http://schemas.openxmlformats.org/drawingml/2006/main" xmlns:r="http://schemas.openxmlformats.org/officeDocument/2006/relationships" xmlns:p="http://schemas.openxmlformats.org/presentationml/2006/main">
   <p:cSld>
     <p:spTree>
       <p:nvGrpSpPr>
@@ -3348,7 +3685,14 @@
         <p:cNvGrpSpPr/>
         <p:nvPr/>
       </p:nvGrpSpPr>
-      <p:grpSpPr/>
+      <p:grpSpPr>
+        <a:xfrm>
+          <a:off x="0" y="0"/>
+          <a:ext cx="0" cy="0"/>
+          <a:chOff x="0" y="0"/>
+          <a:chExt cx="0" cy="0"/>
+        </a:xfrm>
+      </p:grpSpPr>
       <p:pic>
         <p:nvPicPr>
           <p:cNvPr id="2" name="Picture 1" descr="Layers.png"/>
@@ -3373,6 +3717,56 @@
           </a:prstGeom>
         </p:spPr>
       </p:pic>
+      <p:sp>
+        <p:nvSpPr>
+          <p:cNvPr id="3" name="Rectangle 2">
+            <a:extLst>
+              <a:ext uri="{FF2B5EF4-FFF2-40B4-BE49-F238E27FC236}">
+                <a16:creationId xmlns:a16="http://schemas.microsoft.com/office/drawing/2014/main" id="{077E0EFA-50D5-41CE-EF94-EB240AE02F2E}"/>
+              </a:ext>
+            </a:extLst>
+          </p:cNvPr>
+          <p:cNvSpPr/>
+          <p:nvPr/>
+        </p:nvSpPr>
+        <p:spPr>
+          <a:xfrm>
+            <a:off x="-676656" y="-292608"/>
+            <a:ext cx="10789920" cy="3518408"/>
+          </a:xfrm>
+          <a:prstGeom prst="rect">
+            <a:avLst/>
+          </a:prstGeom>
+          <a:solidFill>
+            <a:schemeClr val="tx1">
+              <a:lumMod val="95000"/>
+              <a:lumOff val="5000"/>
+            </a:schemeClr>
+          </a:solidFill>
+        </p:spPr>
+        <p:style>
+          <a:lnRef idx="1">
+            <a:schemeClr val="accent1"/>
+          </a:lnRef>
+          <a:fillRef idx="3">
+            <a:schemeClr val="accent1"/>
+          </a:fillRef>
+          <a:effectRef idx="2">
+            <a:schemeClr val="accent1"/>
+          </a:effectRef>
+          <a:fontRef idx="minor">
+            <a:schemeClr val="lt1"/>
+          </a:fontRef>
+        </p:style>
+        <p:txBody>
+          <a:bodyPr rtlCol="0" anchor="ctr"/>
+          <a:lstStyle/>
+          <a:p>
+            <a:pPr algn="ctr"/>
+            <a:endParaRPr lang="en-DK"/>
+          </a:p>
+        </p:txBody>
+      </p:sp>
     </p:spTree>
   </p:cSld>
   <p:clrMapOvr>
@@ -3382,7 +3776,7 @@
 </file>
 
 <file path=ppt/slides/slide7.xml><?xml version="1.0" encoding="utf-8"?>
-<p:sld xmlns:a="http://schemas.openxmlformats.org/drawingml/2006/main" xmlns:p="http://schemas.openxmlformats.org/presentationml/2006/main" xmlns:r="http://schemas.openxmlformats.org/officeDocument/2006/relationships">
+<p:sld xmlns:a="http://schemas.openxmlformats.org/drawingml/2006/main" xmlns:r="http://schemas.openxmlformats.org/officeDocument/2006/relationships" xmlns:p="http://schemas.openxmlformats.org/presentationml/2006/main">
   <p:cSld>
     <p:spTree>
       <p:nvGrpSpPr>
@@ -3390,7 +3784,14 @@
         <p:cNvGrpSpPr/>
         <p:nvPr/>
       </p:nvGrpSpPr>
-      <p:grpSpPr/>
+      <p:grpSpPr>
+        <a:xfrm>
+          <a:off x="0" y="0"/>
+          <a:ext cx="0" cy="0"/>
+          <a:chOff x="0" y="0"/>
+          <a:chExt cx="0" cy="0"/>
+        </a:xfrm>
+      </p:grpSpPr>
       <p:pic>
         <p:nvPicPr>
           <p:cNvPr id="2" name="Picture 1" descr="Layers.png"/>
@@ -3415,6 +3816,56 @@
           </a:prstGeom>
         </p:spPr>
       </p:pic>
+      <p:sp>
+        <p:nvSpPr>
+          <p:cNvPr id="3" name="Rectangle 2">
+            <a:extLst>
+              <a:ext uri="{FF2B5EF4-FFF2-40B4-BE49-F238E27FC236}">
+                <a16:creationId xmlns:a16="http://schemas.microsoft.com/office/drawing/2014/main" id="{A5B710A3-DCA0-4A88-3340-D4F0772C9CDA}"/>
+              </a:ext>
+            </a:extLst>
+          </p:cNvPr>
+          <p:cNvSpPr/>
+          <p:nvPr/>
+        </p:nvSpPr>
+        <p:spPr>
+          <a:xfrm>
+            <a:off x="-676656" y="-292608"/>
+            <a:ext cx="10789920" cy="3518408"/>
+          </a:xfrm>
+          <a:prstGeom prst="rect">
+            <a:avLst/>
+          </a:prstGeom>
+          <a:solidFill>
+            <a:schemeClr val="tx1">
+              <a:lumMod val="95000"/>
+              <a:lumOff val="5000"/>
+            </a:schemeClr>
+          </a:solidFill>
+        </p:spPr>
+        <p:style>
+          <a:lnRef idx="1">
+            <a:schemeClr val="accent1"/>
+          </a:lnRef>
+          <a:fillRef idx="3">
+            <a:schemeClr val="accent1"/>
+          </a:fillRef>
+          <a:effectRef idx="2">
+            <a:schemeClr val="accent1"/>
+          </a:effectRef>
+          <a:fontRef idx="minor">
+            <a:schemeClr val="lt1"/>
+          </a:fontRef>
+        </p:style>
+        <p:txBody>
+          <a:bodyPr rtlCol="0" anchor="ctr"/>
+          <a:lstStyle/>
+          <a:p>
+            <a:pPr algn="ctr"/>
+            <a:endParaRPr lang="en-DK"/>
+          </a:p>
+        </p:txBody>
+      </p:sp>
     </p:spTree>
   </p:cSld>
   <p:clrMapOvr>
@@ -3424,7 +3875,7 @@
 </file>
 
 <file path=ppt/slides/slide8.xml><?xml version="1.0" encoding="utf-8"?>
-<p:sld xmlns:a="http://schemas.openxmlformats.org/drawingml/2006/main" xmlns:p="http://schemas.openxmlformats.org/presentationml/2006/main" xmlns:r="http://schemas.openxmlformats.org/officeDocument/2006/relationships">
+<p:sld xmlns:a="http://schemas.openxmlformats.org/drawingml/2006/main" xmlns:r="http://schemas.openxmlformats.org/officeDocument/2006/relationships" xmlns:p="http://schemas.openxmlformats.org/presentationml/2006/main">
   <p:cSld>
     <p:spTree>
       <p:nvGrpSpPr>
@@ -3432,7 +3883,14 @@
         <p:cNvGrpSpPr/>
         <p:nvPr/>
       </p:nvGrpSpPr>
-      <p:grpSpPr/>
+      <p:grpSpPr>
+        <a:xfrm>
+          <a:off x="0" y="0"/>
+          <a:ext cx="0" cy="0"/>
+          <a:chOff x="0" y="0"/>
+          <a:chExt cx="0" cy="0"/>
+        </a:xfrm>
+      </p:grpSpPr>
       <p:pic>
         <p:nvPicPr>
           <p:cNvPr id="2" name="Picture 1" descr="Layers.png"/>
@@ -3457,6 +3915,56 @@
           </a:prstGeom>
         </p:spPr>
       </p:pic>
+      <p:sp>
+        <p:nvSpPr>
+          <p:cNvPr id="3" name="Rectangle 2">
+            <a:extLst>
+              <a:ext uri="{FF2B5EF4-FFF2-40B4-BE49-F238E27FC236}">
+                <a16:creationId xmlns:a16="http://schemas.microsoft.com/office/drawing/2014/main" id="{8FEBC61C-795F-2C8F-3942-F13EBA8230F6}"/>
+              </a:ext>
+            </a:extLst>
+          </p:cNvPr>
+          <p:cNvSpPr/>
+          <p:nvPr/>
+        </p:nvSpPr>
+        <p:spPr>
+          <a:xfrm>
+            <a:off x="-676656" y="-292608"/>
+            <a:ext cx="10789920" cy="3518408"/>
+          </a:xfrm>
+          <a:prstGeom prst="rect">
+            <a:avLst/>
+          </a:prstGeom>
+          <a:solidFill>
+            <a:schemeClr val="tx1">
+              <a:lumMod val="95000"/>
+              <a:lumOff val="5000"/>
+            </a:schemeClr>
+          </a:solidFill>
+        </p:spPr>
+        <p:style>
+          <a:lnRef idx="1">
+            <a:schemeClr val="accent1"/>
+          </a:lnRef>
+          <a:fillRef idx="3">
+            <a:schemeClr val="accent1"/>
+          </a:fillRef>
+          <a:effectRef idx="2">
+            <a:schemeClr val="accent1"/>
+          </a:effectRef>
+          <a:fontRef idx="minor">
+            <a:schemeClr val="lt1"/>
+          </a:fontRef>
+        </p:style>
+        <p:txBody>
+          <a:bodyPr rtlCol="0" anchor="ctr"/>
+          <a:lstStyle/>
+          <a:p>
+            <a:pPr algn="ctr"/>
+            <a:endParaRPr lang="en-DK"/>
+          </a:p>
+        </p:txBody>
+      </p:sp>
     </p:spTree>
   </p:cSld>
   <p:clrMapOvr>
@@ -3466,7 +3974,7 @@
 </file>
 
 <file path=ppt/slides/slide9.xml><?xml version="1.0" encoding="utf-8"?>
-<p:sld xmlns:a="http://schemas.openxmlformats.org/drawingml/2006/main" xmlns:p="http://schemas.openxmlformats.org/presentationml/2006/main" xmlns:r="http://schemas.openxmlformats.org/officeDocument/2006/relationships">
+<p:sld xmlns:a="http://schemas.openxmlformats.org/drawingml/2006/main" xmlns:r="http://schemas.openxmlformats.org/officeDocument/2006/relationships" xmlns:p="http://schemas.openxmlformats.org/presentationml/2006/main">
   <p:cSld>
     <p:spTree>
       <p:nvGrpSpPr>
@@ -3474,7 +3982,14 @@
         <p:cNvGrpSpPr/>
         <p:nvPr/>
       </p:nvGrpSpPr>
-      <p:grpSpPr/>
+      <p:grpSpPr>
+        <a:xfrm>
+          <a:off x="0" y="0"/>
+          <a:ext cx="0" cy="0"/>
+          <a:chOff x="0" y="0"/>
+          <a:chExt cx="0" cy="0"/>
+        </a:xfrm>
+      </p:grpSpPr>
       <p:pic>
         <p:nvPicPr>
           <p:cNvPr id="2" name="Picture 1" descr="Layers.png"/>
@@ -3499,6 +4014,56 @@
           </a:prstGeom>
         </p:spPr>
       </p:pic>
+      <p:sp>
+        <p:nvSpPr>
+          <p:cNvPr id="3" name="Rectangle 2">
+            <a:extLst>
+              <a:ext uri="{FF2B5EF4-FFF2-40B4-BE49-F238E27FC236}">
+                <a16:creationId xmlns:a16="http://schemas.microsoft.com/office/drawing/2014/main" id="{3DA78B13-E95B-34A5-CE5E-348A4A509616}"/>
+              </a:ext>
+            </a:extLst>
+          </p:cNvPr>
+          <p:cNvSpPr/>
+          <p:nvPr/>
+        </p:nvSpPr>
+        <p:spPr>
+          <a:xfrm>
+            <a:off x="-676656" y="-292608"/>
+            <a:ext cx="10789920" cy="3518408"/>
+          </a:xfrm>
+          <a:prstGeom prst="rect">
+            <a:avLst/>
+          </a:prstGeom>
+          <a:solidFill>
+            <a:schemeClr val="tx1">
+              <a:lumMod val="95000"/>
+              <a:lumOff val="5000"/>
+            </a:schemeClr>
+          </a:solidFill>
+        </p:spPr>
+        <p:style>
+          <a:lnRef idx="1">
+            <a:schemeClr val="accent1"/>
+          </a:lnRef>
+          <a:fillRef idx="3">
+            <a:schemeClr val="accent1"/>
+          </a:fillRef>
+          <a:effectRef idx="2">
+            <a:schemeClr val="accent1"/>
+          </a:effectRef>
+          <a:fontRef idx="minor">
+            <a:schemeClr val="lt1"/>
+          </a:fontRef>
+        </p:style>
+        <p:txBody>
+          <a:bodyPr rtlCol="0" anchor="ctr"/>
+          <a:lstStyle/>
+          <a:p>
+            <a:pPr algn="ctr"/>
+            <a:endParaRPr lang="en-DK"/>
+          </a:p>
+        </p:txBody>
+      </p:sp>
     </p:spTree>
   </p:cSld>
   <p:clrMapOvr>

--- a/Layers.pptx
+++ b/Layers.pptx
@@ -5,16 +5,16 @@
     <p:sldMasterId id="2147483648" r:id="rId1"/>
   </p:sldMasterIdLst>
   <p:sldIdLst>
-    <p:sldId id="256" r:id="rId2"/>
-    <p:sldId id="257" r:id="rId3"/>
-    <p:sldId id="258" r:id="rId4"/>
-    <p:sldId id="259" r:id="rId5"/>
-    <p:sldId id="260" r:id="rId6"/>
-    <p:sldId id="261" r:id="rId7"/>
-    <p:sldId id="262" r:id="rId8"/>
-    <p:sldId id="263" r:id="rId9"/>
-    <p:sldId id="264" r:id="rId10"/>
-    <p:sldId id="265" r:id="rId11"/>
+    <p:sldId id="256" r:id="rId7"/>
+    <p:sldId id="257" r:id="rId8"/>
+    <p:sldId id="258" r:id="rId9"/>
+    <p:sldId id="259" r:id="rId10"/>
+    <p:sldId id="260" r:id="rId11"/>
+    <p:sldId id="261" r:id="rId12"/>
+    <p:sldId id="262" r:id="rId13"/>
+    <p:sldId id="263" r:id="rId14"/>
+    <p:sldId id="264" r:id="rId15"/>
+    <p:sldId id="265" r:id="rId16"/>
   </p:sldIdLst>
   <p:sldSz cx="9144000" cy="6858000" type="screen4x3"/>
   <p:notesSz cx="6858000" cy="9144000"/>
@@ -113,22 +113,6 @@
       </a:defRPr>
     </a:lvl9pPr>
   </p:defaultTextStyle>
-  <p:extLst>
-    <p:ext uri="{EFAFB233-063F-42B5-8137-9DF3F51BA10A}">
-      <p15:sldGuideLst xmlns:p15="http://schemas.microsoft.com/office/powerpoint/2012/main">
-        <p15:guide id="1" orient="horz" pos="2160">
-          <p15:clr>
-            <a:srgbClr val="A4A3A4"/>
-          </p15:clr>
-        </p15:guide>
-        <p15:guide id="2" pos="2880">
-          <p15:clr>
-            <a:srgbClr val="A4A3A4"/>
-          </p15:clr>
-        </p15:guide>
-      </p15:sldGuideLst>
-    </p:ext>
-  </p:extLst>
 </p:presentation>
 </file>
 
@@ -170,9 +154,10 @@
           <a:lstStyle/>
           <a:p>
             <a:r>
-              <a:rPr lang="en-US"/>
+              <a:rPr lang="en-US" smtClean="0"/>
               <a:t>Click to edit Master title style</a:t>
             </a:r>
+            <a:endParaRPr lang="en-US"/>
           </a:p>
         </p:txBody>
       </p:sp>
@@ -288,9 +273,10 @@
           </a:lstStyle>
           <a:p>
             <a:r>
-              <a:rPr lang="en-US"/>
+              <a:rPr lang="en-US" smtClean="0"/>
               <a:t>Click to edit Master subtitle style</a:t>
             </a:r>
+            <a:endParaRPr lang="en-US"/>
           </a:p>
         </p:txBody>
       </p:sp>
@@ -311,7 +297,7 @@
           <a:p>
             <a:fld id="{5BCAD085-E8A6-8845-BD4E-CB4CCA059FC4}" type="datetimeFigureOut">
               <a:rPr lang="en-US" smtClean="0"/>
-              <a:t>5/15/2024</a:t>
+              <a:t>1/27/13</a:t>
             </a:fld>
             <a:endParaRPr lang="en-US"/>
           </a:p>
@@ -405,9 +391,10 @@
           <a:lstStyle/>
           <a:p>
             <a:r>
-              <a:rPr lang="en-US"/>
+              <a:rPr lang="en-US" smtClean="0"/>
               <a:t>Click to edit Master title style</a:t>
             </a:r>
+            <a:endParaRPr lang="en-US"/>
           </a:p>
         </p:txBody>
       </p:sp>
@@ -428,37 +415,38 @@
           <a:p>
             <a:pPr lvl="0"/>
             <a:r>
-              <a:rPr lang="en-US"/>
+              <a:rPr lang="en-US" smtClean="0"/>
               <a:t>Click to edit Master text styles</a:t>
             </a:r>
           </a:p>
           <a:p>
             <a:pPr lvl="1"/>
             <a:r>
-              <a:rPr lang="en-US"/>
+              <a:rPr lang="en-US" smtClean="0"/>
               <a:t>Second level</a:t>
             </a:r>
           </a:p>
           <a:p>
             <a:pPr lvl="2"/>
             <a:r>
-              <a:rPr lang="en-US"/>
+              <a:rPr lang="en-US" smtClean="0"/>
               <a:t>Third level</a:t>
             </a:r>
           </a:p>
           <a:p>
             <a:pPr lvl="3"/>
             <a:r>
-              <a:rPr lang="en-US"/>
+              <a:rPr lang="en-US" smtClean="0"/>
               <a:t>Fourth level</a:t>
             </a:r>
           </a:p>
           <a:p>
             <a:pPr lvl="4"/>
             <a:r>
-              <a:rPr lang="en-US"/>
+              <a:rPr lang="en-US" smtClean="0"/>
               <a:t>Fifth level</a:t>
             </a:r>
+            <a:endParaRPr lang="en-US"/>
           </a:p>
         </p:txBody>
       </p:sp>
@@ -479,7 +467,7 @@
           <a:p>
             <a:fld id="{5BCAD085-E8A6-8845-BD4E-CB4CCA059FC4}" type="datetimeFigureOut">
               <a:rPr lang="en-US" smtClean="0"/>
-              <a:t>5/15/2024</a:t>
+              <a:t>1/27/13</a:t>
             </a:fld>
             <a:endParaRPr lang="en-US"/>
           </a:p>
@@ -578,9 +566,10 @@
           <a:lstStyle/>
           <a:p>
             <a:r>
-              <a:rPr lang="en-US"/>
+              <a:rPr lang="en-US" smtClean="0"/>
               <a:t>Click to edit Master title style</a:t>
             </a:r>
+            <a:endParaRPr lang="en-US"/>
           </a:p>
         </p:txBody>
       </p:sp>
@@ -606,37 +595,38 @@
           <a:p>
             <a:pPr lvl="0"/>
             <a:r>
-              <a:rPr lang="en-US"/>
+              <a:rPr lang="en-US" smtClean="0"/>
               <a:t>Click to edit Master text styles</a:t>
             </a:r>
           </a:p>
           <a:p>
             <a:pPr lvl="1"/>
             <a:r>
-              <a:rPr lang="en-US"/>
+              <a:rPr lang="en-US" smtClean="0"/>
               <a:t>Second level</a:t>
             </a:r>
           </a:p>
           <a:p>
             <a:pPr lvl="2"/>
             <a:r>
-              <a:rPr lang="en-US"/>
+              <a:rPr lang="en-US" smtClean="0"/>
               <a:t>Third level</a:t>
             </a:r>
           </a:p>
           <a:p>
             <a:pPr lvl="3"/>
             <a:r>
-              <a:rPr lang="en-US"/>
+              <a:rPr lang="en-US" smtClean="0"/>
               <a:t>Fourth level</a:t>
             </a:r>
           </a:p>
           <a:p>
             <a:pPr lvl="4"/>
             <a:r>
-              <a:rPr lang="en-US"/>
+              <a:rPr lang="en-US" smtClean="0"/>
               <a:t>Fifth level</a:t>
             </a:r>
+            <a:endParaRPr lang="en-US"/>
           </a:p>
         </p:txBody>
       </p:sp>
@@ -657,7 +647,7 @@
           <a:p>
             <a:fld id="{5BCAD085-E8A6-8845-BD4E-CB4CCA059FC4}" type="datetimeFigureOut">
               <a:rPr lang="en-US" smtClean="0"/>
-              <a:t>5/15/2024</a:t>
+              <a:t>1/27/13</a:t>
             </a:fld>
             <a:endParaRPr lang="en-US"/>
           </a:p>
@@ -751,9 +741,10 @@
           <a:lstStyle/>
           <a:p>
             <a:r>
-              <a:rPr lang="en-US"/>
+              <a:rPr lang="en-US" smtClean="0"/>
               <a:t>Click to edit Master title style</a:t>
             </a:r>
+            <a:endParaRPr lang="en-US"/>
           </a:p>
         </p:txBody>
       </p:sp>
@@ -774,37 +765,38 @@
           <a:p>
             <a:pPr lvl="0"/>
             <a:r>
-              <a:rPr lang="en-US"/>
+              <a:rPr lang="en-US" smtClean="0"/>
               <a:t>Click to edit Master text styles</a:t>
             </a:r>
           </a:p>
           <a:p>
             <a:pPr lvl="1"/>
             <a:r>
-              <a:rPr lang="en-US"/>
+              <a:rPr lang="en-US" smtClean="0"/>
               <a:t>Second level</a:t>
             </a:r>
           </a:p>
           <a:p>
             <a:pPr lvl="2"/>
             <a:r>
-              <a:rPr lang="en-US"/>
+              <a:rPr lang="en-US" smtClean="0"/>
               <a:t>Third level</a:t>
             </a:r>
           </a:p>
           <a:p>
             <a:pPr lvl="3"/>
             <a:r>
-              <a:rPr lang="en-US"/>
+              <a:rPr lang="en-US" smtClean="0"/>
               <a:t>Fourth level</a:t>
             </a:r>
           </a:p>
           <a:p>
             <a:pPr lvl="4"/>
             <a:r>
-              <a:rPr lang="en-US"/>
+              <a:rPr lang="en-US" smtClean="0"/>
               <a:t>Fifth level</a:t>
             </a:r>
+            <a:endParaRPr lang="en-US"/>
           </a:p>
         </p:txBody>
       </p:sp>
@@ -825,7 +817,7 @@
           <a:p>
             <a:fld id="{5BCAD085-E8A6-8845-BD4E-CB4CCA059FC4}" type="datetimeFigureOut">
               <a:rPr lang="en-US" smtClean="0"/>
-              <a:t>5/15/2024</a:t>
+              <a:t>1/27/13</a:t>
             </a:fld>
             <a:endParaRPr lang="en-US"/>
           </a:p>
@@ -928,9 +920,10 @@
           </a:lstStyle>
           <a:p>
             <a:r>
-              <a:rPr lang="en-US"/>
+              <a:rPr lang="en-US" smtClean="0"/>
               <a:t>Click to edit Master title style</a:t>
             </a:r>
+            <a:endParaRPr lang="en-US"/>
           </a:p>
         </p:txBody>
       </p:sp>
@@ -1047,7 +1040,7 @@
           <a:p>
             <a:pPr lvl="0"/>
             <a:r>
-              <a:rPr lang="en-US"/>
+              <a:rPr lang="en-US" smtClean="0"/>
               <a:t>Click to edit Master text styles</a:t>
             </a:r>
           </a:p>
@@ -1070,7 +1063,7 @@
           <a:p>
             <a:fld id="{5BCAD085-E8A6-8845-BD4E-CB4CCA059FC4}" type="datetimeFigureOut">
               <a:rPr lang="en-US" smtClean="0"/>
-              <a:t>5/15/2024</a:t>
+              <a:t>1/27/13</a:t>
             </a:fld>
             <a:endParaRPr lang="en-US"/>
           </a:p>
@@ -1164,9 +1157,10 @@
           <a:lstStyle/>
           <a:p>
             <a:r>
-              <a:rPr lang="en-US"/>
+              <a:rPr lang="en-US" smtClean="0"/>
               <a:t>Click to edit Master title style</a:t>
             </a:r>
+            <a:endParaRPr lang="en-US"/>
           </a:p>
         </p:txBody>
       </p:sp>
@@ -1220,37 +1214,38 @@
           <a:p>
             <a:pPr lvl="0"/>
             <a:r>
-              <a:rPr lang="en-US"/>
+              <a:rPr lang="en-US" smtClean="0"/>
               <a:t>Click to edit Master text styles</a:t>
             </a:r>
           </a:p>
           <a:p>
             <a:pPr lvl="1"/>
             <a:r>
-              <a:rPr lang="en-US"/>
+              <a:rPr lang="en-US" smtClean="0"/>
               <a:t>Second level</a:t>
             </a:r>
           </a:p>
           <a:p>
             <a:pPr lvl="2"/>
             <a:r>
-              <a:rPr lang="en-US"/>
+              <a:rPr lang="en-US" smtClean="0"/>
               <a:t>Third level</a:t>
             </a:r>
           </a:p>
           <a:p>
             <a:pPr lvl="3"/>
             <a:r>
-              <a:rPr lang="en-US"/>
+              <a:rPr lang="en-US" smtClean="0"/>
               <a:t>Fourth level</a:t>
             </a:r>
           </a:p>
           <a:p>
             <a:pPr lvl="4"/>
             <a:r>
-              <a:rPr lang="en-US"/>
+              <a:rPr lang="en-US" smtClean="0"/>
               <a:t>Fifth level</a:t>
             </a:r>
+            <a:endParaRPr lang="en-US"/>
           </a:p>
         </p:txBody>
       </p:sp>
@@ -1304,37 +1299,38 @@
           <a:p>
             <a:pPr lvl="0"/>
             <a:r>
-              <a:rPr lang="en-US"/>
+              <a:rPr lang="en-US" smtClean="0"/>
               <a:t>Click to edit Master text styles</a:t>
             </a:r>
           </a:p>
           <a:p>
             <a:pPr lvl="1"/>
             <a:r>
-              <a:rPr lang="en-US"/>
+              <a:rPr lang="en-US" smtClean="0"/>
               <a:t>Second level</a:t>
             </a:r>
           </a:p>
           <a:p>
             <a:pPr lvl="2"/>
             <a:r>
-              <a:rPr lang="en-US"/>
+              <a:rPr lang="en-US" smtClean="0"/>
               <a:t>Third level</a:t>
             </a:r>
           </a:p>
           <a:p>
             <a:pPr lvl="3"/>
             <a:r>
-              <a:rPr lang="en-US"/>
+              <a:rPr lang="en-US" smtClean="0"/>
               <a:t>Fourth level</a:t>
             </a:r>
           </a:p>
           <a:p>
             <a:pPr lvl="4"/>
             <a:r>
-              <a:rPr lang="en-US"/>
+              <a:rPr lang="en-US" smtClean="0"/>
               <a:t>Fifth level</a:t>
             </a:r>
+            <a:endParaRPr lang="en-US"/>
           </a:p>
         </p:txBody>
       </p:sp>
@@ -1355,7 +1351,7 @@
           <a:p>
             <a:fld id="{5BCAD085-E8A6-8845-BD4E-CB4CCA059FC4}" type="datetimeFigureOut">
               <a:rPr lang="en-US" smtClean="0"/>
-              <a:t>5/15/2024</a:t>
+              <a:t>1/27/13</a:t>
             </a:fld>
             <a:endParaRPr lang="en-US"/>
           </a:p>
@@ -1453,9 +1449,10 @@
           </a:lstStyle>
           <a:p>
             <a:r>
-              <a:rPr lang="en-US"/>
+              <a:rPr lang="en-US" smtClean="0"/>
               <a:t>Click to edit Master title style</a:t>
             </a:r>
+            <a:endParaRPr lang="en-US"/>
           </a:p>
         </p:txBody>
       </p:sp>
@@ -1518,7 +1515,7 @@
           <a:p>
             <a:pPr lvl="0"/>
             <a:r>
-              <a:rPr lang="en-US"/>
+              <a:rPr lang="en-US" smtClean="0"/>
               <a:t>Click to edit Master text styles</a:t>
             </a:r>
           </a:p>
@@ -1574,37 +1571,38 @@
           <a:p>
             <a:pPr lvl="0"/>
             <a:r>
-              <a:rPr lang="en-US"/>
+              <a:rPr lang="en-US" smtClean="0"/>
               <a:t>Click to edit Master text styles</a:t>
             </a:r>
           </a:p>
           <a:p>
             <a:pPr lvl="1"/>
             <a:r>
-              <a:rPr lang="en-US"/>
+              <a:rPr lang="en-US" smtClean="0"/>
               <a:t>Second level</a:t>
             </a:r>
           </a:p>
           <a:p>
             <a:pPr lvl="2"/>
             <a:r>
-              <a:rPr lang="en-US"/>
+              <a:rPr lang="en-US" smtClean="0"/>
               <a:t>Third level</a:t>
             </a:r>
           </a:p>
           <a:p>
             <a:pPr lvl="3"/>
             <a:r>
-              <a:rPr lang="en-US"/>
+              <a:rPr lang="en-US" smtClean="0"/>
               <a:t>Fourth level</a:t>
             </a:r>
           </a:p>
           <a:p>
             <a:pPr lvl="4"/>
             <a:r>
-              <a:rPr lang="en-US"/>
+              <a:rPr lang="en-US" smtClean="0"/>
               <a:t>Fifth level</a:t>
             </a:r>
+            <a:endParaRPr lang="en-US"/>
           </a:p>
         </p:txBody>
       </p:sp>
@@ -1667,7 +1665,7 @@
           <a:p>
             <a:pPr lvl="0"/>
             <a:r>
-              <a:rPr lang="en-US"/>
+              <a:rPr lang="en-US" smtClean="0"/>
               <a:t>Click to edit Master text styles</a:t>
             </a:r>
           </a:p>
@@ -1723,37 +1721,38 @@
           <a:p>
             <a:pPr lvl="0"/>
             <a:r>
-              <a:rPr lang="en-US"/>
+              <a:rPr lang="en-US" smtClean="0"/>
               <a:t>Click to edit Master text styles</a:t>
             </a:r>
           </a:p>
           <a:p>
             <a:pPr lvl="1"/>
             <a:r>
-              <a:rPr lang="en-US"/>
+              <a:rPr lang="en-US" smtClean="0"/>
               <a:t>Second level</a:t>
             </a:r>
           </a:p>
           <a:p>
             <a:pPr lvl="2"/>
             <a:r>
-              <a:rPr lang="en-US"/>
+              <a:rPr lang="en-US" smtClean="0"/>
               <a:t>Third level</a:t>
             </a:r>
           </a:p>
           <a:p>
             <a:pPr lvl="3"/>
             <a:r>
-              <a:rPr lang="en-US"/>
+              <a:rPr lang="en-US" smtClean="0"/>
               <a:t>Fourth level</a:t>
             </a:r>
           </a:p>
           <a:p>
             <a:pPr lvl="4"/>
             <a:r>
-              <a:rPr lang="en-US"/>
+              <a:rPr lang="en-US" smtClean="0"/>
               <a:t>Fifth level</a:t>
             </a:r>
+            <a:endParaRPr lang="en-US"/>
           </a:p>
         </p:txBody>
       </p:sp>
@@ -1774,7 +1773,7 @@
           <a:p>
             <a:fld id="{5BCAD085-E8A6-8845-BD4E-CB4CCA059FC4}" type="datetimeFigureOut">
               <a:rPr lang="en-US" smtClean="0"/>
-              <a:t>5/15/2024</a:t>
+              <a:t>1/27/13</a:t>
             </a:fld>
             <a:endParaRPr lang="en-US"/>
           </a:p>
@@ -1868,9 +1867,10 @@
           <a:lstStyle/>
           <a:p>
             <a:r>
-              <a:rPr lang="en-US"/>
+              <a:rPr lang="en-US" smtClean="0"/>
               <a:t>Click to edit Master title style</a:t>
             </a:r>
+            <a:endParaRPr lang="en-US"/>
           </a:p>
         </p:txBody>
       </p:sp>
@@ -1891,7 +1891,7 @@
           <a:p>
             <a:fld id="{5BCAD085-E8A6-8845-BD4E-CB4CCA059FC4}" type="datetimeFigureOut">
               <a:rPr lang="en-US" smtClean="0"/>
-              <a:t>5/15/2024</a:t>
+              <a:t>1/27/13</a:t>
             </a:fld>
             <a:endParaRPr lang="en-US"/>
           </a:p>
@@ -1986,7 +1986,7 @@
           <a:p>
             <a:fld id="{5BCAD085-E8A6-8845-BD4E-CB4CCA059FC4}" type="datetimeFigureOut">
               <a:rPr lang="en-US" smtClean="0"/>
-              <a:t>5/15/2024</a:t>
+              <a:t>1/27/13</a:t>
             </a:fld>
             <a:endParaRPr lang="en-US"/>
           </a:p>
@@ -2089,9 +2089,10 @@
           </a:lstStyle>
           <a:p>
             <a:r>
-              <a:rPr lang="en-US"/>
+              <a:rPr lang="en-US" smtClean="0"/>
               <a:t>Click to edit Master title style</a:t>
             </a:r>
+            <a:endParaRPr lang="en-US"/>
           </a:p>
         </p:txBody>
       </p:sp>
@@ -2145,37 +2146,38 @@
           <a:p>
             <a:pPr lvl="0"/>
             <a:r>
-              <a:rPr lang="en-US"/>
+              <a:rPr lang="en-US" smtClean="0"/>
               <a:t>Click to edit Master text styles</a:t>
             </a:r>
           </a:p>
           <a:p>
             <a:pPr lvl="1"/>
             <a:r>
-              <a:rPr lang="en-US"/>
+              <a:rPr lang="en-US" smtClean="0"/>
               <a:t>Second level</a:t>
             </a:r>
           </a:p>
           <a:p>
             <a:pPr lvl="2"/>
             <a:r>
-              <a:rPr lang="en-US"/>
+              <a:rPr lang="en-US" smtClean="0"/>
               <a:t>Third level</a:t>
             </a:r>
           </a:p>
           <a:p>
             <a:pPr lvl="3"/>
             <a:r>
-              <a:rPr lang="en-US"/>
+              <a:rPr lang="en-US" smtClean="0"/>
               <a:t>Fourth level</a:t>
             </a:r>
           </a:p>
           <a:p>
             <a:pPr lvl="4"/>
             <a:r>
-              <a:rPr lang="en-US"/>
+              <a:rPr lang="en-US" smtClean="0"/>
               <a:t>Fifth level</a:t>
             </a:r>
+            <a:endParaRPr lang="en-US"/>
           </a:p>
         </p:txBody>
       </p:sp>
@@ -2238,7 +2240,7 @@
           <a:p>
             <a:pPr lvl="0"/>
             <a:r>
-              <a:rPr lang="en-US"/>
+              <a:rPr lang="en-US" smtClean="0"/>
               <a:t>Click to edit Master text styles</a:t>
             </a:r>
           </a:p>
@@ -2261,7 +2263,7 @@
           <a:p>
             <a:fld id="{5BCAD085-E8A6-8845-BD4E-CB4CCA059FC4}" type="datetimeFigureOut">
               <a:rPr lang="en-US" smtClean="0"/>
-              <a:t>5/15/2024</a:t>
+              <a:t>1/27/13</a:t>
             </a:fld>
             <a:endParaRPr lang="en-US"/>
           </a:p>
@@ -2364,9 +2366,10 @@
           </a:lstStyle>
           <a:p>
             <a:r>
-              <a:rPr lang="en-US"/>
+              <a:rPr lang="en-US" smtClean="0"/>
               <a:t>Click to edit Master title style</a:t>
             </a:r>
+            <a:endParaRPr lang="en-US"/>
           </a:p>
         </p:txBody>
       </p:sp>
@@ -2490,7 +2493,7 @@
           <a:p>
             <a:pPr lvl="0"/>
             <a:r>
-              <a:rPr lang="en-US"/>
+              <a:rPr lang="en-US" smtClean="0"/>
               <a:t>Click to edit Master text styles</a:t>
             </a:r>
           </a:p>
@@ -2513,7 +2516,7 @@
           <a:p>
             <a:fld id="{5BCAD085-E8A6-8845-BD4E-CB4CCA059FC4}" type="datetimeFigureOut">
               <a:rPr lang="en-US" smtClean="0"/>
-              <a:t>5/15/2024</a:t>
+              <a:t>1/27/13</a:t>
             </a:fld>
             <a:endParaRPr lang="en-US"/>
           </a:p>
@@ -2622,9 +2625,10 @@
           <a:lstStyle/>
           <a:p>
             <a:r>
-              <a:rPr lang="en-US"/>
+              <a:rPr lang="en-US" smtClean="0"/>
               <a:t>Click to edit Master title style</a:t>
             </a:r>
+            <a:endParaRPr lang="en-US"/>
           </a:p>
         </p:txBody>
       </p:sp>
@@ -2655,37 +2659,38 @@
           <a:p>
             <a:pPr lvl="0"/>
             <a:r>
-              <a:rPr lang="en-US"/>
+              <a:rPr lang="en-US" smtClean="0"/>
               <a:t>Click to edit Master text styles</a:t>
             </a:r>
           </a:p>
           <a:p>
             <a:pPr lvl="1"/>
             <a:r>
-              <a:rPr lang="en-US"/>
+              <a:rPr lang="en-US" smtClean="0"/>
               <a:t>Second level</a:t>
             </a:r>
           </a:p>
           <a:p>
             <a:pPr lvl="2"/>
             <a:r>
-              <a:rPr lang="en-US"/>
+              <a:rPr lang="en-US" smtClean="0"/>
               <a:t>Third level</a:t>
             </a:r>
           </a:p>
           <a:p>
             <a:pPr lvl="3"/>
             <a:r>
-              <a:rPr lang="en-US"/>
+              <a:rPr lang="en-US" smtClean="0"/>
               <a:t>Fourth level</a:t>
             </a:r>
           </a:p>
           <a:p>
             <a:pPr lvl="4"/>
             <a:r>
-              <a:rPr lang="en-US"/>
+              <a:rPr lang="en-US" smtClean="0"/>
               <a:t>Fifth level</a:t>
             </a:r>
+            <a:endParaRPr lang="en-US"/>
           </a:p>
         </p:txBody>
       </p:sp>
@@ -2724,7 +2729,7 @@
           <a:p>
             <a:fld id="{5BCAD085-E8A6-8845-BD4E-CB4CCA059FC4}" type="datetimeFigureOut">
               <a:rPr lang="en-US" smtClean="0"/>
-              <a:t>5/15/2024</a:t>
+              <a:t>1/27/13</a:t>
             </a:fld>
             <a:endParaRPr lang="en-US"/>
           </a:p>
@@ -3083,7 +3088,7 @@
 </file>
 
 <file path=ppt/slides/slide1.xml><?xml version="1.0" encoding="utf-8"?>
-<p:sld xmlns:a="http://schemas.openxmlformats.org/drawingml/2006/main" xmlns:r="http://schemas.openxmlformats.org/officeDocument/2006/relationships" xmlns:p="http://schemas.openxmlformats.org/presentationml/2006/main">
+<p:sld xmlns:a="http://schemas.openxmlformats.org/drawingml/2006/main" xmlns:p="http://schemas.openxmlformats.org/presentationml/2006/main" xmlns:r="http://schemas.openxmlformats.org/officeDocument/2006/relationships">
   <p:cSld>
     <p:spTree>
       <p:nvGrpSpPr>
@@ -3091,14 +3096,7 @@
         <p:cNvGrpSpPr/>
         <p:nvPr/>
       </p:nvGrpSpPr>
-      <p:grpSpPr>
-        <a:xfrm>
-          <a:off x="0" y="0"/>
-          <a:ext cx="0" cy="0"/>
-          <a:chOff x="0" y="0"/>
-          <a:chExt cx="0" cy="0"/>
-        </a:xfrm>
-      </p:grpSpPr>
+      <p:grpSpPr/>
       <p:pic>
         <p:nvPicPr>
           <p:cNvPr id="2" name="Picture 1" descr="Layers.png"/>
@@ -3123,56 +3121,6 @@
           </a:prstGeom>
         </p:spPr>
       </p:pic>
-      <p:sp>
-        <p:nvSpPr>
-          <p:cNvPr id="3" name="Rectangle 2">
-            <a:extLst>
-              <a:ext uri="{FF2B5EF4-FFF2-40B4-BE49-F238E27FC236}">
-                <a16:creationId xmlns:a16="http://schemas.microsoft.com/office/drawing/2014/main" id="{5216E574-FA1E-6460-EDEE-6A934F5AA250}"/>
-              </a:ext>
-            </a:extLst>
-          </p:cNvPr>
-          <p:cNvSpPr/>
-          <p:nvPr/>
-        </p:nvSpPr>
-        <p:spPr>
-          <a:xfrm>
-            <a:off x="-676656" y="-292608"/>
-            <a:ext cx="10789920" cy="3518408"/>
-          </a:xfrm>
-          <a:prstGeom prst="rect">
-            <a:avLst/>
-          </a:prstGeom>
-          <a:solidFill>
-            <a:schemeClr val="tx1">
-              <a:lumMod val="95000"/>
-              <a:lumOff val="5000"/>
-            </a:schemeClr>
-          </a:solidFill>
-        </p:spPr>
-        <p:style>
-          <a:lnRef idx="1">
-            <a:schemeClr val="accent1"/>
-          </a:lnRef>
-          <a:fillRef idx="3">
-            <a:schemeClr val="accent1"/>
-          </a:fillRef>
-          <a:effectRef idx="2">
-            <a:schemeClr val="accent1"/>
-          </a:effectRef>
-          <a:fontRef idx="minor">
-            <a:schemeClr val="lt1"/>
-          </a:fontRef>
-        </p:style>
-        <p:txBody>
-          <a:bodyPr rtlCol="0" anchor="ctr"/>
-          <a:lstStyle/>
-          <a:p>
-            <a:pPr algn="ctr"/>
-            <a:endParaRPr lang="en-DK"/>
-          </a:p>
-        </p:txBody>
-      </p:sp>
     </p:spTree>
   </p:cSld>
   <p:clrMapOvr>
@@ -3182,7 +3130,7 @@
 </file>
 
 <file path=ppt/slides/slide10.xml><?xml version="1.0" encoding="utf-8"?>
-<p:sld xmlns:a="http://schemas.openxmlformats.org/drawingml/2006/main" xmlns:r="http://schemas.openxmlformats.org/officeDocument/2006/relationships" xmlns:p="http://schemas.openxmlformats.org/presentationml/2006/main">
+<p:sld xmlns:a="http://schemas.openxmlformats.org/drawingml/2006/main" xmlns:p="http://schemas.openxmlformats.org/presentationml/2006/main" xmlns:r="http://schemas.openxmlformats.org/officeDocument/2006/relationships">
   <p:cSld>
     <p:spTree>
       <p:nvGrpSpPr>
@@ -3190,14 +3138,7 @@
         <p:cNvGrpSpPr/>
         <p:nvPr/>
       </p:nvGrpSpPr>
-      <p:grpSpPr>
-        <a:xfrm>
-          <a:off x="0" y="0"/>
-          <a:ext cx="0" cy="0"/>
-          <a:chOff x="0" y="0"/>
-          <a:chExt cx="0" cy="0"/>
-        </a:xfrm>
-      </p:grpSpPr>
+      <p:grpSpPr/>
       <p:pic>
         <p:nvPicPr>
           <p:cNvPr id="2" name="Picture 1" descr="Layers.png"/>
@@ -3222,56 +3163,6 @@
           </a:prstGeom>
         </p:spPr>
       </p:pic>
-      <p:sp>
-        <p:nvSpPr>
-          <p:cNvPr id="3" name="Rectangle 2">
-            <a:extLst>
-              <a:ext uri="{FF2B5EF4-FFF2-40B4-BE49-F238E27FC236}">
-                <a16:creationId xmlns:a16="http://schemas.microsoft.com/office/drawing/2014/main" id="{8068B6A9-6844-FCE7-A454-187F74C9F2FC}"/>
-              </a:ext>
-            </a:extLst>
-          </p:cNvPr>
-          <p:cNvSpPr/>
-          <p:nvPr/>
-        </p:nvSpPr>
-        <p:spPr>
-          <a:xfrm>
-            <a:off x="-676656" y="-292608"/>
-            <a:ext cx="10789920" cy="3518408"/>
-          </a:xfrm>
-          <a:prstGeom prst="rect">
-            <a:avLst/>
-          </a:prstGeom>
-          <a:solidFill>
-            <a:schemeClr val="tx1">
-              <a:lumMod val="95000"/>
-              <a:lumOff val="5000"/>
-            </a:schemeClr>
-          </a:solidFill>
-        </p:spPr>
-        <p:style>
-          <a:lnRef idx="1">
-            <a:schemeClr val="accent1"/>
-          </a:lnRef>
-          <a:fillRef idx="3">
-            <a:schemeClr val="accent1"/>
-          </a:fillRef>
-          <a:effectRef idx="2">
-            <a:schemeClr val="accent1"/>
-          </a:effectRef>
-          <a:fontRef idx="minor">
-            <a:schemeClr val="lt1"/>
-          </a:fontRef>
-        </p:style>
-        <p:txBody>
-          <a:bodyPr rtlCol="0" anchor="ctr"/>
-          <a:lstStyle/>
-          <a:p>
-            <a:pPr algn="ctr"/>
-            <a:endParaRPr lang="en-DK"/>
-          </a:p>
-        </p:txBody>
-      </p:sp>
     </p:spTree>
   </p:cSld>
   <p:clrMapOvr>
@@ -3281,7 +3172,7 @@
 </file>
 
 <file path=ppt/slides/slide2.xml><?xml version="1.0" encoding="utf-8"?>
-<p:sld xmlns:a="http://schemas.openxmlformats.org/drawingml/2006/main" xmlns:r="http://schemas.openxmlformats.org/officeDocument/2006/relationships" xmlns:p="http://schemas.openxmlformats.org/presentationml/2006/main">
+<p:sld xmlns:a="http://schemas.openxmlformats.org/drawingml/2006/main" xmlns:p="http://schemas.openxmlformats.org/presentationml/2006/main" xmlns:r="http://schemas.openxmlformats.org/officeDocument/2006/relationships">
   <p:cSld>
     <p:spTree>
       <p:nvGrpSpPr>
@@ -3289,14 +3180,7 @@
         <p:cNvGrpSpPr/>
         <p:nvPr/>
       </p:nvGrpSpPr>
-      <p:grpSpPr>
-        <a:xfrm>
-          <a:off x="0" y="0"/>
-          <a:ext cx="0" cy="0"/>
-          <a:chOff x="0" y="0"/>
-          <a:chExt cx="0" cy="0"/>
-        </a:xfrm>
-      </p:grpSpPr>
+      <p:grpSpPr/>
       <p:pic>
         <p:nvPicPr>
           <p:cNvPr id="2" name="Picture 1" descr="Layers.png"/>
@@ -3321,56 +3205,6 @@
           </a:prstGeom>
         </p:spPr>
       </p:pic>
-      <p:sp>
-        <p:nvSpPr>
-          <p:cNvPr id="3" name="Rectangle 2">
-            <a:extLst>
-              <a:ext uri="{FF2B5EF4-FFF2-40B4-BE49-F238E27FC236}">
-                <a16:creationId xmlns:a16="http://schemas.microsoft.com/office/drawing/2014/main" id="{65666828-B41E-1159-42CC-B209A8D7308A}"/>
-              </a:ext>
-            </a:extLst>
-          </p:cNvPr>
-          <p:cNvSpPr/>
-          <p:nvPr/>
-        </p:nvSpPr>
-        <p:spPr>
-          <a:xfrm>
-            <a:off x="-676656" y="-292608"/>
-            <a:ext cx="10789920" cy="3518408"/>
-          </a:xfrm>
-          <a:prstGeom prst="rect">
-            <a:avLst/>
-          </a:prstGeom>
-          <a:solidFill>
-            <a:schemeClr val="tx1">
-              <a:lumMod val="95000"/>
-              <a:lumOff val="5000"/>
-            </a:schemeClr>
-          </a:solidFill>
-        </p:spPr>
-        <p:style>
-          <a:lnRef idx="1">
-            <a:schemeClr val="accent1"/>
-          </a:lnRef>
-          <a:fillRef idx="3">
-            <a:schemeClr val="accent1"/>
-          </a:fillRef>
-          <a:effectRef idx="2">
-            <a:schemeClr val="accent1"/>
-          </a:effectRef>
-          <a:fontRef idx="minor">
-            <a:schemeClr val="lt1"/>
-          </a:fontRef>
-        </p:style>
-        <p:txBody>
-          <a:bodyPr rtlCol="0" anchor="ctr"/>
-          <a:lstStyle/>
-          <a:p>
-            <a:pPr algn="ctr"/>
-            <a:endParaRPr lang="en-DK"/>
-          </a:p>
-        </p:txBody>
-      </p:sp>
     </p:spTree>
   </p:cSld>
   <p:clrMapOvr>
@@ -3380,7 +3214,7 @@
 </file>
 
 <file path=ppt/slides/slide3.xml><?xml version="1.0" encoding="utf-8"?>
-<p:sld xmlns:a="http://schemas.openxmlformats.org/drawingml/2006/main" xmlns:r="http://schemas.openxmlformats.org/officeDocument/2006/relationships" xmlns:p="http://schemas.openxmlformats.org/presentationml/2006/main">
+<p:sld xmlns:a="http://schemas.openxmlformats.org/drawingml/2006/main" xmlns:p="http://schemas.openxmlformats.org/presentationml/2006/main" xmlns:r="http://schemas.openxmlformats.org/officeDocument/2006/relationships">
   <p:cSld>
     <p:spTree>
       <p:nvGrpSpPr>
@@ -3388,14 +3222,7 @@
         <p:cNvGrpSpPr/>
         <p:nvPr/>
       </p:nvGrpSpPr>
-      <p:grpSpPr>
-        <a:xfrm>
-          <a:off x="0" y="0"/>
-          <a:ext cx="0" cy="0"/>
-          <a:chOff x="0" y="0"/>
-          <a:chExt cx="0" cy="0"/>
-        </a:xfrm>
-      </p:grpSpPr>
+      <p:grpSpPr/>
       <p:pic>
         <p:nvPicPr>
           <p:cNvPr id="2" name="Picture 1" descr="Layers.png"/>
@@ -3420,56 +3247,6 @@
           </a:prstGeom>
         </p:spPr>
       </p:pic>
-      <p:sp>
-        <p:nvSpPr>
-          <p:cNvPr id="3" name="Rectangle 2">
-            <a:extLst>
-              <a:ext uri="{FF2B5EF4-FFF2-40B4-BE49-F238E27FC236}">
-                <a16:creationId xmlns:a16="http://schemas.microsoft.com/office/drawing/2014/main" id="{8B64BC57-C674-5966-0DC8-86EAF221CB1E}"/>
-              </a:ext>
-            </a:extLst>
-          </p:cNvPr>
-          <p:cNvSpPr/>
-          <p:nvPr/>
-        </p:nvSpPr>
-        <p:spPr>
-          <a:xfrm>
-            <a:off x="-676656" y="-292608"/>
-            <a:ext cx="10789920" cy="3518408"/>
-          </a:xfrm>
-          <a:prstGeom prst="rect">
-            <a:avLst/>
-          </a:prstGeom>
-          <a:solidFill>
-            <a:schemeClr val="tx1">
-              <a:lumMod val="95000"/>
-              <a:lumOff val="5000"/>
-            </a:schemeClr>
-          </a:solidFill>
-        </p:spPr>
-        <p:style>
-          <a:lnRef idx="1">
-            <a:schemeClr val="accent1"/>
-          </a:lnRef>
-          <a:fillRef idx="3">
-            <a:schemeClr val="accent1"/>
-          </a:fillRef>
-          <a:effectRef idx="2">
-            <a:schemeClr val="accent1"/>
-          </a:effectRef>
-          <a:fontRef idx="minor">
-            <a:schemeClr val="lt1"/>
-          </a:fontRef>
-        </p:style>
-        <p:txBody>
-          <a:bodyPr rtlCol="0" anchor="ctr"/>
-          <a:lstStyle/>
-          <a:p>
-            <a:pPr algn="ctr"/>
-            <a:endParaRPr lang="en-DK"/>
-          </a:p>
-        </p:txBody>
-      </p:sp>
     </p:spTree>
   </p:cSld>
   <p:clrMapOvr>
@@ -3479,7 +3256,7 @@
 </file>
 
 <file path=ppt/slides/slide4.xml><?xml version="1.0" encoding="utf-8"?>
-<p:sld xmlns:a="http://schemas.openxmlformats.org/drawingml/2006/main" xmlns:r="http://schemas.openxmlformats.org/officeDocument/2006/relationships" xmlns:p="http://schemas.openxmlformats.org/presentationml/2006/main">
+<p:sld xmlns:a="http://schemas.openxmlformats.org/drawingml/2006/main" xmlns:p="http://schemas.openxmlformats.org/presentationml/2006/main" xmlns:r="http://schemas.openxmlformats.org/officeDocument/2006/relationships">
   <p:cSld>
     <p:spTree>
       <p:nvGrpSpPr>
@@ -3487,14 +3264,7 @@
         <p:cNvGrpSpPr/>
         <p:nvPr/>
       </p:nvGrpSpPr>
-      <p:grpSpPr>
-        <a:xfrm>
-          <a:off x="0" y="0"/>
-          <a:ext cx="0" cy="0"/>
-          <a:chOff x="0" y="0"/>
-          <a:chExt cx="0" cy="0"/>
-        </a:xfrm>
-      </p:grpSpPr>
+      <p:grpSpPr/>
       <p:pic>
         <p:nvPicPr>
           <p:cNvPr id="2" name="Picture 1" descr="Layers.png"/>
@@ -3519,56 +3289,6 @@
           </a:prstGeom>
         </p:spPr>
       </p:pic>
-      <p:sp>
-        <p:nvSpPr>
-          <p:cNvPr id="3" name="Rectangle 2">
-            <a:extLst>
-              <a:ext uri="{FF2B5EF4-FFF2-40B4-BE49-F238E27FC236}">
-                <a16:creationId xmlns:a16="http://schemas.microsoft.com/office/drawing/2014/main" id="{8FE5CBA1-6ECC-3E61-905E-B4E3CE8890F9}"/>
-              </a:ext>
-            </a:extLst>
-          </p:cNvPr>
-          <p:cNvSpPr/>
-          <p:nvPr/>
-        </p:nvSpPr>
-        <p:spPr>
-          <a:xfrm>
-            <a:off x="-676656" y="-292608"/>
-            <a:ext cx="10789920" cy="3518408"/>
-          </a:xfrm>
-          <a:prstGeom prst="rect">
-            <a:avLst/>
-          </a:prstGeom>
-          <a:solidFill>
-            <a:schemeClr val="tx1">
-              <a:lumMod val="95000"/>
-              <a:lumOff val="5000"/>
-            </a:schemeClr>
-          </a:solidFill>
-        </p:spPr>
-        <p:style>
-          <a:lnRef idx="1">
-            <a:schemeClr val="accent1"/>
-          </a:lnRef>
-          <a:fillRef idx="3">
-            <a:schemeClr val="accent1"/>
-          </a:fillRef>
-          <a:effectRef idx="2">
-            <a:schemeClr val="accent1"/>
-          </a:effectRef>
-          <a:fontRef idx="minor">
-            <a:schemeClr val="lt1"/>
-          </a:fontRef>
-        </p:style>
-        <p:txBody>
-          <a:bodyPr rtlCol="0" anchor="ctr"/>
-          <a:lstStyle/>
-          <a:p>
-            <a:pPr algn="ctr"/>
-            <a:endParaRPr lang="en-DK"/>
-          </a:p>
-        </p:txBody>
-      </p:sp>
     </p:spTree>
   </p:cSld>
   <p:clrMapOvr>
@@ -3578,7 +3298,7 @@
 </file>
 
 <file path=ppt/slides/slide5.xml><?xml version="1.0" encoding="utf-8"?>
-<p:sld xmlns:a="http://schemas.openxmlformats.org/drawingml/2006/main" xmlns:r="http://schemas.openxmlformats.org/officeDocument/2006/relationships" xmlns:p="http://schemas.openxmlformats.org/presentationml/2006/main">
+<p:sld xmlns:a="http://schemas.openxmlformats.org/drawingml/2006/main" xmlns:p="http://schemas.openxmlformats.org/presentationml/2006/main" xmlns:r="http://schemas.openxmlformats.org/officeDocument/2006/relationships">
   <p:cSld>
     <p:spTree>
       <p:nvGrpSpPr>
@@ -3586,14 +3306,7 @@
         <p:cNvGrpSpPr/>
         <p:nvPr/>
       </p:nvGrpSpPr>
-      <p:grpSpPr>
-        <a:xfrm>
-          <a:off x="0" y="0"/>
-          <a:ext cx="0" cy="0"/>
-          <a:chOff x="0" y="0"/>
-          <a:chExt cx="0" cy="0"/>
-        </a:xfrm>
-      </p:grpSpPr>
+      <p:grpSpPr/>
       <p:pic>
         <p:nvPicPr>
           <p:cNvPr id="2" name="Picture 1" descr="Layers.png"/>
@@ -3618,56 +3331,6 @@
           </a:prstGeom>
         </p:spPr>
       </p:pic>
-      <p:sp>
-        <p:nvSpPr>
-          <p:cNvPr id="3" name="Rectangle 2">
-            <a:extLst>
-              <a:ext uri="{FF2B5EF4-FFF2-40B4-BE49-F238E27FC236}">
-                <a16:creationId xmlns:a16="http://schemas.microsoft.com/office/drawing/2014/main" id="{5DB5F3BC-BF93-BA24-60E7-50FDE1E5F6A9}"/>
-              </a:ext>
-            </a:extLst>
-          </p:cNvPr>
-          <p:cNvSpPr/>
-          <p:nvPr/>
-        </p:nvSpPr>
-        <p:spPr>
-          <a:xfrm>
-            <a:off x="-676656" y="-292608"/>
-            <a:ext cx="10789920" cy="3518408"/>
-          </a:xfrm>
-          <a:prstGeom prst="rect">
-            <a:avLst/>
-          </a:prstGeom>
-          <a:solidFill>
-            <a:schemeClr val="tx1">
-              <a:lumMod val="95000"/>
-              <a:lumOff val="5000"/>
-            </a:schemeClr>
-          </a:solidFill>
-        </p:spPr>
-        <p:style>
-          <a:lnRef idx="1">
-            <a:schemeClr val="accent1"/>
-          </a:lnRef>
-          <a:fillRef idx="3">
-            <a:schemeClr val="accent1"/>
-          </a:fillRef>
-          <a:effectRef idx="2">
-            <a:schemeClr val="accent1"/>
-          </a:effectRef>
-          <a:fontRef idx="minor">
-            <a:schemeClr val="lt1"/>
-          </a:fontRef>
-        </p:style>
-        <p:txBody>
-          <a:bodyPr rtlCol="0" anchor="ctr"/>
-          <a:lstStyle/>
-          <a:p>
-            <a:pPr algn="ctr"/>
-            <a:endParaRPr lang="en-DK"/>
-          </a:p>
-        </p:txBody>
-      </p:sp>
     </p:spTree>
   </p:cSld>
   <p:clrMapOvr>
@@ -3677,7 +3340,7 @@
 </file>
 
 <file path=ppt/slides/slide6.xml><?xml version="1.0" encoding="utf-8"?>
-<p:sld xmlns:a="http://schemas.openxmlformats.org/drawingml/2006/main" xmlns:r="http://schemas.openxmlformats.org/officeDocument/2006/relationships" xmlns:p="http://schemas.openxmlformats.org/presentationml/2006/main">
+<p:sld xmlns:a="http://schemas.openxmlformats.org/drawingml/2006/main" xmlns:p="http://schemas.openxmlformats.org/presentationml/2006/main" xmlns:r="http://schemas.openxmlformats.org/officeDocument/2006/relationships">
   <p:cSld>
     <p:spTree>
       <p:nvGrpSpPr>
@@ -3685,14 +3348,7 @@
         <p:cNvGrpSpPr/>
         <p:nvPr/>
       </p:nvGrpSpPr>
-      <p:grpSpPr>
-        <a:xfrm>
-          <a:off x="0" y="0"/>
-          <a:ext cx="0" cy="0"/>
-          <a:chOff x="0" y="0"/>
-          <a:chExt cx="0" cy="0"/>
-        </a:xfrm>
-      </p:grpSpPr>
+      <p:grpSpPr/>
       <p:pic>
         <p:nvPicPr>
           <p:cNvPr id="2" name="Picture 1" descr="Layers.png"/>
@@ -3717,56 +3373,6 @@
           </a:prstGeom>
         </p:spPr>
       </p:pic>
-      <p:sp>
-        <p:nvSpPr>
-          <p:cNvPr id="3" name="Rectangle 2">
-            <a:extLst>
-              <a:ext uri="{FF2B5EF4-FFF2-40B4-BE49-F238E27FC236}">
-                <a16:creationId xmlns:a16="http://schemas.microsoft.com/office/drawing/2014/main" id="{077E0EFA-50D5-41CE-EF94-EB240AE02F2E}"/>
-              </a:ext>
-            </a:extLst>
-          </p:cNvPr>
-          <p:cNvSpPr/>
-          <p:nvPr/>
-        </p:nvSpPr>
-        <p:spPr>
-          <a:xfrm>
-            <a:off x="-676656" y="-292608"/>
-            <a:ext cx="10789920" cy="3518408"/>
-          </a:xfrm>
-          <a:prstGeom prst="rect">
-            <a:avLst/>
-          </a:prstGeom>
-          <a:solidFill>
-            <a:schemeClr val="tx1">
-              <a:lumMod val="95000"/>
-              <a:lumOff val="5000"/>
-            </a:schemeClr>
-          </a:solidFill>
-        </p:spPr>
-        <p:style>
-          <a:lnRef idx="1">
-            <a:schemeClr val="accent1"/>
-          </a:lnRef>
-          <a:fillRef idx="3">
-            <a:schemeClr val="accent1"/>
-          </a:fillRef>
-          <a:effectRef idx="2">
-            <a:schemeClr val="accent1"/>
-          </a:effectRef>
-          <a:fontRef idx="minor">
-            <a:schemeClr val="lt1"/>
-          </a:fontRef>
-        </p:style>
-        <p:txBody>
-          <a:bodyPr rtlCol="0" anchor="ctr"/>
-          <a:lstStyle/>
-          <a:p>
-            <a:pPr algn="ctr"/>
-            <a:endParaRPr lang="en-DK"/>
-          </a:p>
-        </p:txBody>
-      </p:sp>
     </p:spTree>
   </p:cSld>
   <p:clrMapOvr>
@@ -3776,7 +3382,7 @@
 </file>
 
 <file path=ppt/slides/slide7.xml><?xml version="1.0" encoding="utf-8"?>
-<p:sld xmlns:a="http://schemas.openxmlformats.org/drawingml/2006/main" xmlns:r="http://schemas.openxmlformats.org/officeDocument/2006/relationships" xmlns:p="http://schemas.openxmlformats.org/presentationml/2006/main">
+<p:sld xmlns:a="http://schemas.openxmlformats.org/drawingml/2006/main" xmlns:p="http://schemas.openxmlformats.org/presentationml/2006/main" xmlns:r="http://schemas.openxmlformats.org/officeDocument/2006/relationships">
   <p:cSld>
     <p:spTree>
       <p:nvGrpSpPr>
@@ -3784,14 +3390,7 @@
         <p:cNvGrpSpPr/>
         <p:nvPr/>
       </p:nvGrpSpPr>
-      <p:grpSpPr>
-        <a:xfrm>
-          <a:off x="0" y="0"/>
-          <a:ext cx="0" cy="0"/>
-          <a:chOff x="0" y="0"/>
-          <a:chExt cx="0" cy="0"/>
-        </a:xfrm>
-      </p:grpSpPr>
+      <p:grpSpPr/>
       <p:pic>
         <p:nvPicPr>
           <p:cNvPr id="2" name="Picture 1" descr="Layers.png"/>
@@ -3816,56 +3415,6 @@
           </a:prstGeom>
         </p:spPr>
       </p:pic>
-      <p:sp>
-        <p:nvSpPr>
-          <p:cNvPr id="3" name="Rectangle 2">
-            <a:extLst>
-              <a:ext uri="{FF2B5EF4-FFF2-40B4-BE49-F238E27FC236}">
-                <a16:creationId xmlns:a16="http://schemas.microsoft.com/office/drawing/2014/main" id="{A5B710A3-DCA0-4A88-3340-D4F0772C9CDA}"/>
-              </a:ext>
-            </a:extLst>
-          </p:cNvPr>
-          <p:cNvSpPr/>
-          <p:nvPr/>
-        </p:nvSpPr>
-        <p:spPr>
-          <a:xfrm>
-            <a:off x="-676656" y="-292608"/>
-            <a:ext cx="10789920" cy="3518408"/>
-          </a:xfrm>
-          <a:prstGeom prst="rect">
-            <a:avLst/>
-          </a:prstGeom>
-          <a:solidFill>
-            <a:schemeClr val="tx1">
-              <a:lumMod val="95000"/>
-              <a:lumOff val="5000"/>
-            </a:schemeClr>
-          </a:solidFill>
-        </p:spPr>
-        <p:style>
-          <a:lnRef idx="1">
-            <a:schemeClr val="accent1"/>
-          </a:lnRef>
-          <a:fillRef idx="3">
-            <a:schemeClr val="accent1"/>
-          </a:fillRef>
-          <a:effectRef idx="2">
-            <a:schemeClr val="accent1"/>
-          </a:effectRef>
-          <a:fontRef idx="minor">
-            <a:schemeClr val="lt1"/>
-          </a:fontRef>
-        </p:style>
-        <p:txBody>
-          <a:bodyPr rtlCol="0" anchor="ctr"/>
-          <a:lstStyle/>
-          <a:p>
-            <a:pPr algn="ctr"/>
-            <a:endParaRPr lang="en-DK"/>
-          </a:p>
-        </p:txBody>
-      </p:sp>
     </p:spTree>
   </p:cSld>
   <p:clrMapOvr>
@@ -3875,7 +3424,7 @@
 </file>
 
 <file path=ppt/slides/slide8.xml><?xml version="1.0" encoding="utf-8"?>
-<p:sld xmlns:a="http://schemas.openxmlformats.org/drawingml/2006/main" xmlns:r="http://schemas.openxmlformats.org/officeDocument/2006/relationships" xmlns:p="http://schemas.openxmlformats.org/presentationml/2006/main">
+<p:sld xmlns:a="http://schemas.openxmlformats.org/drawingml/2006/main" xmlns:p="http://schemas.openxmlformats.org/presentationml/2006/main" xmlns:r="http://schemas.openxmlformats.org/officeDocument/2006/relationships">
   <p:cSld>
     <p:spTree>
       <p:nvGrpSpPr>
@@ -3883,14 +3432,7 @@
         <p:cNvGrpSpPr/>
         <p:nvPr/>
       </p:nvGrpSpPr>
-      <p:grpSpPr>
-        <a:xfrm>
-          <a:off x="0" y="0"/>
-          <a:ext cx="0" cy="0"/>
-          <a:chOff x="0" y="0"/>
-          <a:chExt cx="0" cy="0"/>
-        </a:xfrm>
-      </p:grpSpPr>
+      <p:grpSpPr/>
       <p:pic>
         <p:nvPicPr>
           <p:cNvPr id="2" name="Picture 1" descr="Layers.png"/>
@@ -3915,56 +3457,6 @@
           </a:prstGeom>
         </p:spPr>
       </p:pic>
-      <p:sp>
-        <p:nvSpPr>
-          <p:cNvPr id="3" name="Rectangle 2">
-            <a:extLst>
-              <a:ext uri="{FF2B5EF4-FFF2-40B4-BE49-F238E27FC236}">
-                <a16:creationId xmlns:a16="http://schemas.microsoft.com/office/drawing/2014/main" id="{8FEBC61C-795F-2C8F-3942-F13EBA8230F6}"/>
-              </a:ext>
-            </a:extLst>
-          </p:cNvPr>
-          <p:cNvSpPr/>
-          <p:nvPr/>
-        </p:nvSpPr>
-        <p:spPr>
-          <a:xfrm>
-            <a:off x="-676656" y="-292608"/>
-            <a:ext cx="10789920" cy="3518408"/>
-          </a:xfrm>
-          <a:prstGeom prst="rect">
-            <a:avLst/>
-          </a:prstGeom>
-          <a:solidFill>
-            <a:schemeClr val="tx1">
-              <a:lumMod val="95000"/>
-              <a:lumOff val="5000"/>
-            </a:schemeClr>
-          </a:solidFill>
-        </p:spPr>
-        <p:style>
-          <a:lnRef idx="1">
-            <a:schemeClr val="accent1"/>
-          </a:lnRef>
-          <a:fillRef idx="3">
-            <a:schemeClr val="accent1"/>
-          </a:fillRef>
-          <a:effectRef idx="2">
-            <a:schemeClr val="accent1"/>
-          </a:effectRef>
-          <a:fontRef idx="minor">
-            <a:schemeClr val="lt1"/>
-          </a:fontRef>
-        </p:style>
-        <p:txBody>
-          <a:bodyPr rtlCol="0" anchor="ctr"/>
-          <a:lstStyle/>
-          <a:p>
-            <a:pPr algn="ctr"/>
-            <a:endParaRPr lang="en-DK"/>
-          </a:p>
-        </p:txBody>
-      </p:sp>
     </p:spTree>
   </p:cSld>
   <p:clrMapOvr>
@@ -3974,7 +3466,7 @@
 </file>
 
 <file path=ppt/slides/slide9.xml><?xml version="1.0" encoding="utf-8"?>
-<p:sld xmlns:a="http://schemas.openxmlformats.org/drawingml/2006/main" xmlns:r="http://schemas.openxmlformats.org/officeDocument/2006/relationships" xmlns:p="http://schemas.openxmlformats.org/presentationml/2006/main">
+<p:sld xmlns:a="http://schemas.openxmlformats.org/drawingml/2006/main" xmlns:p="http://schemas.openxmlformats.org/presentationml/2006/main" xmlns:r="http://schemas.openxmlformats.org/officeDocument/2006/relationships">
   <p:cSld>
     <p:spTree>
       <p:nvGrpSpPr>
@@ -3982,14 +3474,7 @@
         <p:cNvGrpSpPr/>
         <p:nvPr/>
       </p:nvGrpSpPr>
-      <p:grpSpPr>
-        <a:xfrm>
-          <a:off x="0" y="0"/>
-          <a:ext cx="0" cy="0"/>
-          <a:chOff x="0" y="0"/>
-          <a:chExt cx="0" cy="0"/>
-        </a:xfrm>
-      </p:grpSpPr>
+      <p:grpSpPr/>
       <p:pic>
         <p:nvPicPr>
           <p:cNvPr id="2" name="Picture 1" descr="Layers.png"/>
@@ -4014,56 +3499,6 @@
           </a:prstGeom>
         </p:spPr>
       </p:pic>
-      <p:sp>
-        <p:nvSpPr>
-          <p:cNvPr id="3" name="Rectangle 2">
-            <a:extLst>
-              <a:ext uri="{FF2B5EF4-FFF2-40B4-BE49-F238E27FC236}">
-                <a16:creationId xmlns:a16="http://schemas.microsoft.com/office/drawing/2014/main" id="{3DA78B13-E95B-34A5-CE5E-348A4A509616}"/>
-              </a:ext>
-            </a:extLst>
-          </p:cNvPr>
-          <p:cNvSpPr/>
-          <p:nvPr/>
-        </p:nvSpPr>
-        <p:spPr>
-          <a:xfrm>
-            <a:off x="-676656" y="-292608"/>
-            <a:ext cx="10789920" cy="3518408"/>
-          </a:xfrm>
-          <a:prstGeom prst="rect">
-            <a:avLst/>
-          </a:prstGeom>
-          <a:solidFill>
-            <a:schemeClr val="tx1">
-              <a:lumMod val="95000"/>
-              <a:lumOff val="5000"/>
-            </a:schemeClr>
-          </a:solidFill>
-        </p:spPr>
-        <p:style>
-          <a:lnRef idx="1">
-            <a:schemeClr val="accent1"/>
-          </a:lnRef>
-          <a:fillRef idx="3">
-            <a:schemeClr val="accent1"/>
-          </a:fillRef>
-          <a:effectRef idx="2">
-            <a:schemeClr val="accent1"/>
-          </a:effectRef>
-          <a:fontRef idx="minor">
-            <a:schemeClr val="lt1"/>
-          </a:fontRef>
-        </p:style>
-        <p:txBody>
-          <a:bodyPr rtlCol="0" anchor="ctr"/>
-          <a:lstStyle/>
-          <a:p>
-            <a:pPr algn="ctr"/>
-            <a:endParaRPr lang="en-DK"/>
-          </a:p>
-        </p:txBody>
-      </p:sp>
     </p:spTree>
   </p:cSld>
   <p:clrMapOvr>

--- a/Layers.pptx
+++ b/Layers.pptx
@@ -14,7 +14,6 @@
     <p:sldId id="262" r:id="rId13"/>
     <p:sldId id="263" r:id="rId14"/>
     <p:sldId id="264" r:id="rId15"/>
-    <p:sldId id="265" r:id="rId16"/>
   </p:sldIdLst>
   <p:sldSz cx="9144000" cy="6858000" type="screen4x3"/>
   <p:notesSz cx="6858000" cy="9144000"/>
@@ -3088,48 +3087,6 @@
 </file>
 
 <file path=ppt/slides/slide1.xml><?xml version="1.0" encoding="utf-8"?>
-<p:sld xmlns:a="http://schemas.openxmlformats.org/drawingml/2006/main" xmlns:p="http://schemas.openxmlformats.org/presentationml/2006/main" xmlns:r="http://schemas.openxmlformats.org/officeDocument/2006/relationships">
-  <p:cSld>
-    <p:spTree>
-      <p:nvGrpSpPr>
-        <p:cNvPr id="1" name=""/>
-        <p:cNvGrpSpPr/>
-        <p:nvPr/>
-      </p:nvGrpSpPr>
-      <p:grpSpPr/>
-      <p:pic>
-        <p:nvPicPr>
-          <p:cNvPr id="2" name="Picture 1" descr="Layers.png"/>
-          <p:cNvPicPr>
-            <a:picLocks noChangeAspect="1"/>
-          </p:cNvPicPr>
-          <p:nvPr/>
-        </p:nvPicPr>
-        <p:blipFill>
-          <a:blip r:embed="rId2"/>
-          <a:stretch>
-            <a:fillRect/>
-          </a:stretch>
-        </p:blipFill>
-        <p:spPr>
-          <a:xfrm>
-            <a:off x="-1417320" y="-4480560"/>
-            <a:ext cx="11612880" cy="11612880"/>
-          </a:xfrm>
-          <a:prstGeom prst="rect">
-            <a:avLst/>
-          </a:prstGeom>
-        </p:spPr>
-      </p:pic>
-    </p:spTree>
-  </p:cSld>
-  <p:clrMapOvr>
-    <a:masterClrMapping/>
-  </p:clrMapOvr>
-</p:sld>
-</file>
-
-<file path=ppt/slides/slide10.xml><?xml version="1.0" encoding="utf-8"?>
 <p:sld xmlns:a="http://schemas.openxmlformats.org/drawingml/2006/main" xmlns:p="http://schemas.openxmlformats.org/presentationml/2006/main" xmlns:r="http://schemas.openxmlformats.org/officeDocument/2006/relationships">
   <p:cSld>
     <p:spTree>

--- a/Layers.pptx
+++ b/Layers.pptx
@@ -6,6 +6,9 @@
   </p:sldMasterIdLst>
   <p:sldIdLst>
     <p:sldId id="256" r:id="rId7"/>
+    <p:sldId id="257" r:id="rId8"/>
+    <p:sldId id="258" r:id="rId9"/>
+    <p:sldId id="259" r:id="rId10"/>
   </p:sldIdLst>
   <p:sldSz cx="9144000" cy="6858000" type="screen4x3"/>
   <p:notesSz cx="6858000" cy="9144000"/>
@@ -3079,6 +3082,132 @@
 </file>
 
 <file path=ppt/slides/slide1.xml><?xml version="1.0" encoding="utf-8"?>
+<p:sld xmlns:a="http://schemas.openxmlformats.org/drawingml/2006/main" xmlns:p="http://schemas.openxmlformats.org/presentationml/2006/main" xmlns:r="http://schemas.openxmlformats.org/officeDocument/2006/relationships">
+  <p:cSld>
+    <p:spTree>
+      <p:nvGrpSpPr>
+        <p:cNvPr id="1" name=""/>
+        <p:cNvGrpSpPr/>
+        <p:nvPr/>
+      </p:nvGrpSpPr>
+      <p:grpSpPr/>
+      <p:pic>
+        <p:nvPicPr>
+          <p:cNvPr id="2" name="Picture 1" descr="Layers.png"/>
+          <p:cNvPicPr>
+            <a:picLocks noChangeAspect="1"/>
+          </p:cNvPicPr>
+          <p:nvPr/>
+        </p:nvPicPr>
+        <p:blipFill>
+          <a:blip r:embed="rId2"/>
+          <a:stretch>
+            <a:fillRect/>
+          </a:stretch>
+        </p:blipFill>
+        <p:spPr>
+          <a:xfrm>
+            <a:off x="-1417320" y="-4480560"/>
+            <a:ext cx="11612880" cy="11612880"/>
+          </a:xfrm>
+          <a:prstGeom prst="rect">
+            <a:avLst/>
+          </a:prstGeom>
+        </p:spPr>
+      </p:pic>
+    </p:spTree>
+  </p:cSld>
+  <p:clrMapOvr>
+    <a:masterClrMapping/>
+  </p:clrMapOvr>
+</p:sld>
+</file>
+
+<file path=ppt/slides/slide2.xml><?xml version="1.0" encoding="utf-8"?>
+<p:sld xmlns:a="http://schemas.openxmlformats.org/drawingml/2006/main" xmlns:p="http://schemas.openxmlformats.org/presentationml/2006/main" xmlns:r="http://schemas.openxmlformats.org/officeDocument/2006/relationships">
+  <p:cSld>
+    <p:spTree>
+      <p:nvGrpSpPr>
+        <p:cNvPr id="1" name=""/>
+        <p:cNvGrpSpPr/>
+        <p:nvPr/>
+      </p:nvGrpSpPr>
+      <p:grpSpPr/>
+      <p:pic>
+        <p:nvPicPr>
+          <p:cNvPr id="2" name="Picture 1" descr="Layers.png"/>
+          <p:cNvPicPr>
+            <a:picLocks noChangeAspect="1"/>
+          </p:cNvPicPr>
+          <p:nvPr/>
+        </p:nvPicPr>
+        <p:blipFill>
+          <a:blip r:embed="rId2"/>
+          <a:stretch>
+            <a:fillRect/>
+          </a:stretch>
+        </p:blipFill>
+        <p:spPr>
+          <a:xfrm>
+            <a:off x="-1417320" y="-4480560"/>
+            <a:ext cx="11612880" cy="11612880"/>
+          </a:xfrm>
+          <a:prstGeom prst="rect">
+            <a:avLst/>
+          </a:prstGeom>
+        </p:spPr>
+      </p:pic>
+    </p:spTree>
+  </p:cSld>
+  <p:clrMapOvr>
+    <a:masterClrMapping/>
+  </p:clrMapOvr>
+</p:sld>
+</file>
+
+<file path=ppt/slides/slide3.xml><?xml version="1.0" encoding="utf-8"?>
+<p:sld xmlns:a="http://schemas.openxmlformats.org/drawingml/2006/main" xmlns:p="http://schemas.openxmlformats.org/presentationml/2006/main" xmlns:r="http://schemas.openxmlformats.org/officeDocument/2006/relationships">
+  <p:cSld>
+    <p:spTree>
+      <p:nvGrpSpPr>
+        <p:cNvPr id="1" name=""/>
+        <p:cNvGrpSpPr/>
+        <p:nvPr/>
+      </p:nvGrpSpPr>
+      <p:grpSpPr/>
+      <p:pic>
+        <p:nvPicPr>
+          <p:cNvPr id="2" name="Picture 1" descr="Layers.png"/>
+          <p:cNvPicPr>
+            <a:picLocks noChangeAspect="1"/>
+          </p:cNvPicPr>
+          <p:nvPr/>
+        </p:nvPicPr>
+        <p:blipFill>
+          <a:blip r:embed="rId2"/>
+          <a:stretch>
+            <a:fillRect/>
+          </a:stretch>
+        </p:blipFill>
+        <p:spPr>
+          <a:xfrm>
+            <a:off x="-1417320" y="-4480560"/>
+            <a:ext cx="11612880" cy="11612880"/>
+          </a:xfrm>
+          <a:prstGeom prst="rect">
+            <a:avLst/>
+          </a:prstGeom>
+        </p:spPr>
+      </p:pic>
+    </p:spTree>
+  </p:cSld>
+  <p:clrMapOvr>
+    <a:masterClrMapping/>
+  </p:clrMapOvr>
+</p:sld>
+</file>
+
+<file path=ppt/slides/slide4.xml><?xml version="1.0" encoding="utf-8"?>
 <p:sld xmlns:a="http://schemas.openxmlformats.org/drawingml/2006/main" xmlns:p="http://schemas.openxmlformats.org/presentationml/2006/main" xmlns:r="http://schemas.openxmlformats.org/officeDocument/2006/relationships">
   <p:cSld>
     <p:spTree>

--- a/Layers.pptx
+++ b/Layers.pptx
@@ -9,6 +9,13 @@
     <p:sldId id="257" r:id="rId8"/>
     <p:sldId id="258" r:id="rId9"/>
     <p:sldId id="259" r:id="rId10"/>
+    <p:sldId id="260" r:id="rId11"/>
+    <p:sldId id="261" r:id="rId12"/>
+    <p:sldId id="262" r:id="rId13"/>
+    <p:sldId id="263" r:id="rId14"/>
+    <p:sldId id="264" r:id="rId15"/>
+    <p:sldId id="265" r:id="rId16"/>
+    <p:sldId id="266" r:id="rId17"/>
   </p:sldIdLst>
   <p:sldSz cx="9144000" cy="6858000" type="screen4x3"/>
   <p:notesSz cx="6858000" cy="9144000"/>
@@ -3123,6 +3130,90 @@
 </p:sld>
 </file>
 
+<file path=ppt/slides/slide10.xml><?xml version="1.0" encoding="utf-8"?>
+<p:sld xmlns:a="http://schemas.openxmlformats.org/drawingml/2006/main" xmlns:p="http://schemas.openxmlformats.org/presentationml/2006/main" xmlns:r="http://schemas.openxmlformats.org/officeDocument/2006/relationships">
+  <p:cSld>
+    <p:spTree>
+      <p:nvGrpSpPr>
+        <p:cNvPr id="1" name=""/>
+        <p:cNvGrpSpPr/>
+        <p:nvPr/>
+      </p:nvGrpSpPr>
+      <p:grpSpPr/>
+      <p:pic>
+        <p:nvPicPr>
+          <p:cNvPr id="2" name="Picture 1" descr="Layers.png"/>
+          <p:cNvPicPr>
+            <a:picLocks noChangeAspect="1"/>
+          </p:cNvPicPr>
+          <p:nvPr/>
+        </p:nvPicPr>
+        <p:blipFill>
+          <a:blip r:embed="rId2"/>
+          <a:stretch>
+            <a:fillRect/>
+          </a:stretch>
+        </p:blipFill>
+        <p:spPr>
+          <a:xfrm>
+            <a:off x="-1417320" y="-4480560"/>
+            <a:ext cx="11612880" cy="11612880"/>
+          </a:xfrm>
+          <a:prstGeom prst="rect">
+            <a:avLst/>
+          </a:prstGeom>
+        </p:spPr>
+      </p:pic>
+    </p:spTree>
+  </p:cSld>
+  <p:clrMapOvr>
+    <a:masterClrMapping/>
+  </p:clrMapOvr>
+</p:sld>
+</file>
+
+<file path=ppt/slides/slide11.xml><?xml version="1.0" encoding="utf-8"?>
+<p:sld xmlns:a="http://schemas.openxmlformats.org/drawingml/2006/main" xmlns:p="http://schemas.openxmlformats.org/presentationml/2006/main" xmlns:r="http://schemas.openxmlformats.org/officeDocument/2006/relationships">
+  <p:cSld>
+    <p:spTree>
+      <p:nvGrpSpPr>
+        <p:cNvPr id="1" name=""/>
+        <p:cNvGrpSpPr/>
+        <p:nvPr/>
+      </p:nvGrpSpPr>
+      <p:grpSpPr/>
+      <p:pic>
+        <p:nvPicPr>
+          <p:cNvPr id="2" name="Picture 1" descr="Layers.png"/>
+          <p:cNvPicPr>
+            <a:picLocks noChangeAspect="1"/>
+          </p:cNvPicPr>
+          <p:nvPr/>
+        </p:nvPicPr>
+        <p:blipFill>
+          <a:blip r:embed="rId2"/>
+          <a:stretch>
+            <a:fillRect/>
+          </a:stretch>
+        </p:blipFill>
+        <p:spPr>
+          <a:xfrm>
+            <a:off x="-1417320" y="-4480560"/>
+            <a:ext cx="11612880" cy="11612880"/>
+          </a:xfrm>
+          <a:prstGeom prst="rect">
+            <a:avLst/>
+          </a:prstGeom>
+        </p:spPr>
+      </p:pic>
+    </p:spTree>
+  </p:cSld>
+  <p:clrMapOvr>
+    <a:masterClrMapping/>
+  </p:clrMapOvr>
+</p:sld>
+</file>
+
 <file path=ppt/slides/slide2.xml><?xml version="1.0" encoding="utf-8"?>
 <p:sld xmlns:a="http://schemas.openxmlformats.org/drawingml/2006/main" xmlns:p="http://schemas.openxmlformats.org/presentationml/2006/main" xmlns:r="http://schemas.openxmlformats.org/officeDocument/2006/relationships">
   <p:cSld>
@@ -3208,6 +3299,216 @@
 </file>
 
 <file path=ppt/slides/slide4.xml><?xml version="1.0" encoding="utf-8"?>
+<p:sld xmlns:a="http://schemas.openxmlformats.org/drawingml/2006/main" xmlns:p="http://schemas.openxmlformats.org/presentationml/2006/main" xmlns:r="http://schemas.openxmlformats.org/officeDocument/2006/relationships">
+  <p:cSld>
+    <p:spTree>
+      <p:nvGrpSpPr>
+        <p:cNvPr id="1" name=""/>
+        <p:cNvGrpSpPr/>
+        <p:nvPr/>
+      </p:nvGrpSpPr>
+      <p:grpSpPr/>
+      <p:pic>
+        <p:nvPicPr>
+          <p:cNvPr id="2" name="Picture 1" descr="Layers.png"/>
+          <p:cNvPicPr>
+            <a:picLocks noChangeAspect="1"/>
+          </p:cNvPicPr>
+          <p:nvPr/>
+        </p:nvPicPr>
+        <p:blipFill>
+          <a:blip r:embed="rId2"/>
+          <a:stretch>
+            <a:fillRect/>
+          </a:stretch>
+        </p:blipFill>
+        <p:spPr>
+          <a:xfrm>
+            <a:off x="-1417320" y="-4480560"/>
+            <a:ext cx="11612880" cy="11612880"/>
+          </a:xfrm>
+          <a:prstGeom prst="rect">
+            <a:avLst/>
+          </a:prstGeom>
+        </p:spPr>
+      </p:pic>
+    </p:spTree>
+  </p:cSld>
+  <p:clrMapOvr>
+    <a:masterClrMapping/>
+  </p:clrMapOvr>
+</p:sld>
+</file>
+
+<file path=ppt/slides/slide5.xml><?xml version="1.0" encoding="utf-8"?>
+<p:sld xmlns:a="http://schemas.openxmlformats.org/drawingml/2006/main" xmlns:p="http://schemas.openxmlformats.org/presentationml/2006/main" xmlns:r="http://schemas.openxmlformats.org/officeDocument/2006/relationships">
+  <p:cSld>
+    <p:spTree>
+      <p:nvGrpSpPr>
+        <p:cNvPr id="1" name=""/>
+        <p:cNvGrpSpPr/>
+        <p:nvPr/>
+      </p:nvGrpSpPr>
+      <p:grpSpPr/>
+      <p:pic>
+        <p:nvPicPr>
+          <p:cNvPr id="2" name="Picture 1" descr="Layers.png"/>
+          <p:cNvPicPr>
+            <a:picLocks noChangeAspect="1"/>
+          </p:cNvPicPr>
+          <p:nvPr/>
+        </p:nvPicPr>
+        <p:blipFill>
+          <a:blip r:embed="rId2"/>
+          <a:stretch>
+            <a:fillRect/>
+          </a:stretch>
+        </p:blipFill>
+        <p:spPr>
+          <a:xfrm>
+            <a:off x="-1417320" y="-4480560"/>
+            <a:ext cx="11612880" cy="11612880"/>
+          </a:xfrm>
+          <a:prstGeom prst="rect">
+            <a:avLst/>
+          </a:prstGeom>
+        </p:spPr>
+      </p:pic>
+    </p:spTree>
+  </p:cSld>
+  <p:clrMapOvr>
+    <a:masterClrMapping/>
+  </p:clrMapOvr>
+</p:sld>
+</file>
+
+<file path=ppt/slides/slide6.xml><?xml version="1.0" encoding="utf-8"?>
+<p:sld xmlns:a="http://schemas.openxmlformats.org/drawingml/2006/main" xmlns:p="http://schemas.openxmlformats.org/presentationml/2006/main" xmlns:r="http://schemas.openxmlformats.org/officeDocument/2006/relationships">
+  <p:cSld>
+    <p:spTree>
+      <p:nvGrpSpPr>
+        <p:cNvPr id="1" name=""/>
+        <p:cNvGrpSpPr/>
+        <p:nvPr/>
+      </p:nvGrpSpPr>
+      <p:grpSpPr/>
+      <p:pic>
+        <p:nvPicPr>
+          <p:cNvPr id="2" name="Picture 1" descr="Layers.png"/>
+          <p:cNvPicPr>
+            <a:picLocks noChangeAspect="1"/>
+          </p:cNvPicPr>
+          <p:nvPr/>
+        </p:nvPicPr>
+        <p:blipFill>
+          <a:blip r:embed="rId2"/>
+          <a:stretch>
+            <a:fillRect/>
+          </a:stretch>
+        </p:blipFill>
+        <p:spPr>
+          <a:xfrm>
+            <a:off x="-1417320" y="-4480560"/>
+            <a:ext cx="11612880" cy="11612880"/>
+          </a:xfrm>
+          <a:prstGeom prst="rect">
+            <a:avLst/>
+          </a:prstGeom>
+        </p:spPr>
+      </p:pic>
+    </p:spTree>
+  </p:cSld>
+  <p:clrMapOvr>
+    <a:masterClrMapping/>
+  </p:clrMapOvr>
+</p:sld>
+</file>
+
+<file path=ppt/slides/slide7.xml><?xml version="1.0" encoding="utf-8"?>
+<p:sld xmlns:a="http://schemas.openxmlformats.org/drawingml/2006/main" xmlns:p="http://schemas.openxmlformats.org/presentationml/2006/main" xmlns:r="http://schemas.openxmlformats.org/officeDocument/2006/relationships">
+  <p:cSld>
+    <p:spTree>
+      <p:nvGrpSpPr>
+        <p:cNvPr id="1" name=""/>
+        <p:cNvGrpSpPr/>
+        <p:nvPr/>
+      </p:nvGrpSpPr>
+      <p:grpSpPr/>
+      <p:pic>
+        <p:nvPicPr>
+          <p:cNvPr id="2" name="Picture 1" descr="Layers.png"/>
+          <p:cNvPicPr>
+            <a:picLocks noChangeAspect="1"/>
+          </p:cNvPicPr>
+          <p:nvPr/>
+        </p:nvPicPr>
+        <p:blipFill>
+          <a:blip r:embed="rId2"/>
+          <a:stretch>
+            <a:fillRect/>
+          </a:stretch>
+        </p:blipFill>
+        <p:spPr>
+          <a:xfrm>
+            <a:off x="-1417320" y="-4480560"/>
+            <a:ext cx="11612880" cy="11612880"/>
+          </a:xfrm>
+          <a:prstGeom prst="rect">
+            <a:avLst/>
+          </a:prstGeom>
+        </p:spPr>
+      </p:pic>
+    </p:spTree>
+  </p:cSld>
+  <p:clrMapOvr>
+    <a:masterClrMapping/>
+  </p:clrMapOvr>
+</p:sld>
+</file>
+
+<file path=ppt/slides/slide8.xml><?xml version="1.0" encoding="utf-8"?>
+<p:sld xmlns:a="http://schemas.openxmlformats.org/drawingml/2006/main" xmlns:p="http://schemas.openxmlformats.org/presentationml/2006/main" xmlns:r="http://schemas.openxmlformats.org/officeDocument/2006/relationships">
+  <p:cSld>
+    <p:spTree>
+      <p:nvGrpSpPr>
+        <p:cNvPr id="1" name=""/>
+        <p:cNvGrpSpPr/>
+        <p:nvPr/>
+      </p:nvGrpSpPr>
+      <p:grpSpPr/>
+      <p:pic>
+        <p:nvPicPr>
+          <p:cNvPr id="2" name="Picture 1" descr="Layers.png"/>
+          <p:cNvPicPr>
+            <a:picLocks noChangeAspect="1"/>
+          </p:cNvPicPr>
+          <p:nvPr/>
+        </p:nvPicPr>
+        <p:blipFill>
+          <a:blip r:embed="rId2"/>
+          <a:stretch>
+            <a:fillRect/>
+          </a:stretch>
+        </p:blipFill>
+        <p:spPr>
+          <a:xfrm>
+            <a:off x="-1417320" y="-4480560"/>
+            <a:ext cx="11612880" cy="11612880"/>
+          </a:xfrm>
+          <a:prstGeom prst="rect">
+            <a:avLst/>
+          </a:prstGeom>
+        </p:spPr>
+      </p:pic>
+    </p:spTree>
+  </p:cSld>
+  <p:clrMapOvr>
+    <a:masterClrMapping/>
+  </p:clrMapOvr>
+</p:sld>
+</file>
+
+<file path=ppt/slides/slide9.xml><?xml version="1.0" encoding="utf-8"?>
 <p:sld xmlns:a="http://schemas.openxmlformats.org/drawingml/2006/main" xmlns:p="http://schemas.openxmlformats.org/presentationml/2006/main" xmlns:r="http://schemas.openxmlformats.org/officeDocument/2006/relationships">
   <p:cSld>
     <p:spTree>

--- a/Layers.pptx
+++ b/Layers.pptx
@@ -11,11 +11,6 @@
     <p:sldId id="259" r:id="rId10"/>
     <p:sldId id="260" r:id="rId11"/>
     <p:sldId id="261" r:id="rId12"/>
-    <p:sldId id="262" r:id="rId13"/>
-    <p:sldId id="263" r:id="rId14"/>
-    <p:sldId id="264" r:id="rId15"/>
-    <p:sldId id="265" r:id="rId16"/>
-    <p:sldId id="266" r:id="rId17"/>
   </p:sldIdLst>
   <p:sldSz cx="9144000" cy="6858000" type="screen4x3"/>
   <p:notesSz cx="6858000" cy="9144000"/>
@@ -3130,90 +3125,6 @@
 </p:sld>
 </file>
 
-<file path=ppt/slides/slide10.xml><?xml version="1.0" encoding="utf-8"?>
-<p:sld xmlns:a="http://schemas.openxmlformats.org/drawingml/2006/main" xmlns:p="http://schemas.openxmlformats.org/presentationml/2006/main" xmlns:r="http://schemas.openxmlformats.org/officeDocument/2006/relationships">
-  <p:cSld>
-    <p:spTree>
-      <p:nvGrpSpPr>
-        <p:cNvPr id="1" name=""/>
-        <p:cNvGrpSpPr/>
-        <p:nvPr/>
-      </p:nvGrpSpPr>
-      <p:grpSpPr/>
-      <p:pic>
-        <p:nvPicPr>
-          <p:cNvPr id="2" name="Picture 1" descr="Layers.png"/>
-          <p:cNvPicPr>
-            <a:picLocks noChangeAspect="1"/>
-          </p:cNvPicPr>
-          <p:nvPr/>
-        </p:nvPicPr>
-        <p:blipFill>
-          <a:blip r:embed="rId2"/>
-          <a:stretch>
-            <a:fillRect/>
-          </a:stretch>
-        </p:blipFill>
-        <p:spPr>
-          <a:xfrm>
-            <a:off x="-1417320" y="-4480560"/>
-            <a:ext cx="11612880" cy="11612880"/>
-          </a:xfrm>
-          <a:prstGeom prst="rect">
-            <a:avLst/>
-          </a:prstGeom>
-        </p:spPr>
-      </p:pic>
-    </p:spTree>
-  </p:cSld>
-  <p:clrMapOvr>
-    <a:masterClrMapping/>
-  </p:clrMapOvr>
-</p:sld>
-</file>
-
-<file path=ppt/slides/slide11.xml><?xml version="1.0" encoding="utf-8"?>
-<p:sld xmlns:a="http://schemas.openxmlformats.org/drawingml/2006/main" xmlns:p="http://schemas.openxmlformats.org/presentationml/2006/main" xmlns:r="http://schemas.openxmlformats.org/officeDocument/2006/relationships">
-  <p:cSld>
-    <p:spTree>
-      <p:nvGrpSpPr>
-        <p:cNvPr id="1" name=""/>
-        <p:cNvGrpSpPr/>
-        <p:nvPr/>
-      </p:nvGrpSpPr>
-      <p:grpSpPr/>
-      <p:pic>
-        <p:nvPicPr>
-          <p:cNvPr id="2" name="Picture 1" descr="Layers.png"/>
-          <p:cNvPicPr>
-            <a:picLocks noChangeAspect="1"/>
-          </p:cNvPicPr>
-          <p:nvPr/>
-        </p:nvPicPr>
-        <p:blipFill>
-          <a:blip r:embed="rId2"/>
-          <a:stretch>
-            <a:fillRect/>
-          </a:stretch>
-        </p:blipFill>
-        <p:spPr>
-          <a:xfrm>
-            <a:off x="-1417320" y="-4480560"/>
-            <a:ext cx="11612880" cy="11612880"/>
-          </a:xfrm>
-          <a:prstGeom prst="rect">
-            <a:avLst/>
-          </a:prstGeom>
-        </p:spPr>
-      </p:pic>
-    </p:spTree>
-  </p:cSld>
-  <p:clrMapOvr>
-    <a:masterClrMapping/>
-  </p:clrMapOvr>
-</p:sld>
-</file>
-
 <file path=ppt/slides/slide2.xml><?xml version="1.0" encoding="utf-8"?>
 <p:sld xmlns:a="http://schemas.openxmlformats.org/drawingml/2006/main" xmlns:p="http://schemas.openxmlformats.org/presentationml/2006/main" xmlns:r="http://schemas.openxmlformats.org/officeDocument/2006/relationships">
   <p:cSld>
@@ -3383,132 +3294,6 @@
 </file>
 
 <file path=ppt/slides/slide6.xml><?xml version="1.0" encoding="utf-8"?>
-<p:sld xmlns:a="http://schemas.openxmlformats.org/drawingml/2006/main" xmlns:p="http://schemas.openxmlformats.org/presentationml/2006/main" xmlns:r="http://schemas.openxmlformats.org/officeDocument/2006/relationships">
-  <p:cSld>
-    <p:spTree>
-      <p:nvGrpSpPr>
-        <p:cNvPr id="1" name=""/>
-        <p:cNvGrpSpPr/>
-        <p:nvPr/>
-      </p:nvGrpSpPr>
-      <p:grpSpPr/>
-      <p:pic>
-        <p:nvPicPr>
-          <p:cNvPr id="2" name="Picture 1" descr="Layers.png"/>
-          <p:cNvPicPr>
-            <a:picLocks noChangeAspect="1"/>
-          </p:cNvPicPr>
-          <p:nvPr/>
-        </p:nvPicPr>
-        <p:blipFill>
-          <a:blip r:embed="rId2"/>
-          <a:stretch>
-            <a:fillRect/>
-          </a:stretch>
-        </p:blipFill>
-        <p:spPr>
-          <a:xfrm>
-            <a:off x="-1417320" y="-4480560"/>
-            <a:ext cx="11612880" cy="11612880"/>
-          </a:xfrm>
-          <a:prstGeom prst="rect">
-            <a:avLst/>
-          </a:prstGeom>
-        </p:spPr>
-      </p:pic>
-    </p:spTree>
-  </p:cSld>
-  <p:clrMapOvr>
-    <a:masterClrMapping/>
-  </p:clrMapOvr>
-</p:sld>
-</file>
-
-<file path=ppt/slides/slide7.xml><?xml version="1.0" encoding="utf-8"?>
-<p:sld xmlns:a="http://schemas.openxmlformats.org/drawingml/2006/main" xmlns:p="http://schemas.openxmlformats.org/presentationml/2006/main" xmlns:r="http://schemas.openxmlformats.org/officeDocument/2006/relationships">
-  <p:cSld>
-    <p:spTree>
-      <p:nvGrpSpPr>
-        <p:cNvPr id="1" name=""/>
-        <p:cNvGrpSpPr/>
-        <p:nvPr/>
-      </p:nvGrpSpPr>
-      <p:grpSpPr/>
-      <p:pic>
-        <p:nvPicPr>
-          <p:cNvPr id="2" name="Picture 1" descr="Layers.png"/>
-          <p:cNvPicPr>
-            <a:picLocks noChangeAspect="1"/>
-          </p:cNvPicPr>
-          <p:nvPr/>
-        </p:nvPicPr>
-        <p:blipFill>
-          <a:blip r:embed="rId2"/>
-          <a:stretch>
-            <a:fillRect/>
-          </a:stretch>
-        </p:blipFill>
-        <p:spPr>
-          <a:xfrm>
-            <a:off x="-1417320" y="-4480560"/>
-            <a:ext cx="11612880" cy="11612880"/>
-          </a:xfrm>
-          <a:prstGeom prst="rect">
-            <a:avLst/>
-          </a:prstGeom>
-        </p:spPr>
-      </p:pic>
-    </p:spTree>
-  </p:cSld>
-  <p:clrMapOvr>
-    <a:masterClrMapping/>
-  </p:clrMapOvr>
-</p:sld>
-</file>
-
-<file path=ppt/slides/slide8.xml><?xml version="1.0" encoding="utf-8"?>
-<p:sld xmlns:a="http://schemas.openxmlformats.org/drawingml/2006/main" xmlns:p="http://schemas.openxmlformats.org/presentationml/2006/main" xmlns:r="http://schemas.openxmlformats.org/officeDocument/2006/relationships">
-  <p:cSld>
-    <p:spTree>
-      <p:nvGrpSpPr>
-        <p:cNvPr id="1" name=""/>
-        <p:cNvGrpSpPr/>
-        <p:nvPr/>
-      </p:nvGrpSpPr>
-      <p:grpSpPr/>
-      <p:pic>
-        <p:nvPicPr>
-          <p:cNvPr id="2" name="Picture 1" descr="Layers.png"/>
-          <p:cNvPicPr>
-            <a:picLocks noChangeAspect="1"/>
-          </p:cNvPicPr>
-          <p:nvPr/>
-        </p:nvPicPr>
-        <p:blipFill>
-          <a:blip r:embed="rId2"/>
-          <a:stretch>
-            <a:fillRect/>
-          </a:stretch>
-        </p:blipFill>
-        <p:spPr>
-          <a:xfrm>
-            <a:off x="-1417320" y="-4480560"/>
-            <a:ext cx="11612880" cy="11612880"/>
-          </a:xfrm>
-          <a:prstGeom prst="rect">
-            <a:avLst/>
-          </a:prstGeom>
-        </p:spPr>
-      </p:pic>
-    </p:spTree>
-  </p:cSld>
-  <p:clrMapOvr>
-    <a:masterClrMapping/>
-  </p:clrMapOvr>
-</p:sld>
-</file>
-
-<file path=ppt/slides/slide9.xml><?xml version="1.0" encoding="utf-8"?>
 <p:sld xmlns:a="http://schemas.openxmlformats.org/drawingml/2006/main" xmlns:p="http://schemas.openxmlformats.org/presentationml/2006/main" xmlns:r="http://schemas.openxmlformats.org/officeDocument/2006/relationships">
   <p:cSld>
     <p:spTree>

--- a/Layers.pptx
+++ b/Layers.pptx
@@ -10,7 +10,6 @@
     <p:sldId id="258" r:id="rId9"/>
     <p:sldId id="259" r:id="rId10"/>
     <p:sldId id="260" r:id="rId11"/>
-    <p:sldId id="261" r:id="rId12"/>
   </p:sldIdLst>
   <p:sldSz cx="9144000" cy="6858000" type="screen4x3"/>
   <p:notesSz cx="6858000" cy="9144000"/>
@@ -3293,48 +3292,6 @@
 </p:sld>
 </file>
 
-<file path=ppt/slides/slide6.xml><?xml version="1.0" encoding="utf-8"?>
-<p:sld xmlns:a="http://schemas.openxmlformats.org/drawingml/2006/main" xmlns:p="http://schemas.openxmlformats.org/presentationml/2006/main" xmlns:r="http://schemas.openxmlformats.org/officeDocument/2006/relationships">
-  <p:cSld>
-    <p:spTree>
-      <p:nvGrpSpPr>
-        <p:cNvPr id="1" name=""/>
-        <p:cNvGrpSpPr/>
-        <p:nvPr/>
-      </p:nvGrpSpPr>
-      <p:grpSpPr/>
-      <p:pic>
-        <p:nvPicPr>
-          <p:cNvPr id="2" name="Picture 1" descr="Layers.png"/>
-          <p:cNvPicPr>
-            <a:picLocks noChangeAspect="1"/>
-          </p:cNvPicPr>
-          <p:nvPr/>
-        </p:nvPicPr>
-        <p:blipFill>
-          <a:blip r:embed="rId2"/>
-          <a:stretch>
-            <a:fillRect/>
-          </a:stretch>
-        </p:blipFill>
-        <p:spPr>
-          <a:xfrm>
-            <a:off x="-1417320" y="-4480560"/>
-            <a:ext cx="11612880" cy="11612880"/>
-          </a:xfrm>
-          <a:prstGeom prst="rect">
-            <a:avLst/>
-          </a:prstGeom>
-        </p:spPr>
-      </p:pic>
-    </p:spTree>
-  </p:cSld>
-  <p:clrMapOvr>
-    <a:masterClrMapping/>
-  </p:clrMapOvr>
-</p:sld>
-</file>
-
 <file path=ppt/theme/theme1.xml><?xml version="1.0" encoding="utf-8"?>
 <a:theme xmlns:a="http://schemas.openxmlformats.org/drawingml/2006/main" name="Office Theme">
   <a:themeElements>

--- a/Layers.pptx
+++ b/Layers.pptx
@@ -10,6 +10,27 @@
     <p:sldId id="258" r:id="rId9"/>
     <p:sldId id="259" r:id="rId10"/>
     <p:sldId id="260" r:id="rId11"/>
+    <p:sldId id="261" r:id="rId12"/>
+    <p:sldId id="262" r:id="rId13"/>
+    <p:sldId id="263" r:id="rId14"/>
+    <p:sldId id="264" r:id="rId15"/>
+    <p:sldId id="265" r:id="rId16"/>
+    <p:sldId id="266" r:id="rId17"/>
+    <p:sldId id="267" r:id="rId18"/>
+    <p:sldId id="268" r:id="rId19"/>
+    <p:sldId id="269" r:id="rId20"/>
+    <p:sldId id="270" r:id="rId21"/>
+    <p:sldId id="271" r:id="rId22"/>
+    <p:sldId id="272" r:id="rId23"/>
+    <p:sldId id="273" r:id="rId24"/>
+    <p:sldId id="274" r:id="rId25"/>
+    <p:sldId id="275" r:id="rId26"/>
+    <p:sldId id="276" r:id="rId27"/>
+    <p:sldId id="277" r:id="rId28"/>
+    <p:sldId id="278" r:id="rId29"/>
+    <p:sldId id="279" r:id="rId30"/>
+    <p:sldId id="280" r:id="rId31"/>
+    <p:sldId id="281" r:id="rId32"/>
   </p:sldIdLst>
   <p:sldSz cx="9144000" cy="6858000" type="screen4x3"/>
   <p:notesSz cx="6858000" cy="9144000"/>
@@ -3124,7 +3145,721 @@
 </p:sld>
 </file>
 
+<file path=ppt/slides/slide10.xml><?xml version="1.0" encoding="utf-8"?>
+<p:sld xmlns:a="http://schemas.openxmlformats.org/drawingml/2006/main" xmlns:p="http://schemas.openxmlformats.org/presentationml/2006/main" xmlns:r="http://schemas.openxmlformats.org/officeDocument/2006/relationships">
+  <p:cSld>
+    <p:spTree>
+      <p:nvGrpSpPr>
+        <p:cNvPr id="1" name=""/>
+        <p:cNvGrpSpPr/>
+        <p:nvPr/>
+      </p:nvGrpSpPr>
+      <p:grpSpPr/>
+      <p:pic>
+        <p:nvPicPr>
+          <p:cNvPr id="2" name="Picture 1" descr="Layers.png"/>
+          <p:cNvPicPr>
+            <a:picLocks noChangeAspect="1"/>
+          </p:cNvPicPr>
+          <p:nvPr/>
+        </p:nvPicPr>
+        <p:blipFill>
+          <a:blip r:embed="rId2"/>
+          <a:stretch>
+            <a:fillRect/>
+          </a:stretch>
+        </p:blipFill>
+        <p:spPr>
+          <a:xfrm>
+            <a:off x="-1417320" y="-4480560"/>
+            <a:ext cx="11612880" cy="11612880"/>
+          </a:xfrm>
+          <a:prstGeom prst="rect">
+            <a:avLst/>
+          </a:prstGeom>
+        </p:spPr>
+      </p:pic>
+    </p:spTree>
+  </p:cSld>
+  <p:clrMapOvr>
+    <a:masterClrMapping/>
+  </p:clrMapOvr>
+</p:sld>
+</file>
+
+<file path=ppt/slides/slide11.xml><?xml version="1.0" encoding="utf-8"?>
+<p:sld xmlns:a="http://schemas.openxmlformats.org/drawingml/2006/main" xmlns:p="http://schemas.openxmlformats.org/presentationml/2006/main" xmlns:r="http://schemas.openxmlformats.org/officeDocument/2006/relationships">
+  <p:cSld>
+    <p:spTree>
+      <p:nvGrpSpPr>
+        <p:cNvPr id="1" name=""/>
+        <p:cNvGrpSpPr/>
+        <p:nvPr/>
+      </p:nvGrpSpPr>
+      <p:grpSpPr/>
+      <p:pic>
+        <p:nvPicPr>
+          <p:cNvPr id="2" name="Picture 1" descr="Layers.png"/>
+          <p:cNvPicPr>
+            <a:picLocks noChangeAspect="1"/>
+          </p:cNvPicPr>
+          <p:nvPr/>
+        </p:nvPicPr>
+        <p:blipFill>
+          <a:blip r:embed="rId2"/>
+          <a:stretch>
+            <a:fillRect/>
+          </a:stretch>
+        </p:blipFill>
+        <p:spPr>
+          <a:xfrm>
+            <a:off x="-1417320" y="-4480560"/>
+            <a:ext cx="11612880" cy="11612880"/>
+          </a:xfrm>
+          <a:prstGeom prst="rect">
+            <a:avLst/>
+          </a:prstGeom>
+        </p:spPr>
+      </p:pic>
+    </p:spTree>
+  </p:cSld>
+  <p:clrMapOvr>
+    <a:masterClrMapping/>
+  </p:clrMapOvr>
+</p:sld>
+</file>
+
+<file path=ppt/slides/slide12.xml><?xml version="1.0" encoding="utf-8"?>
+<p:sld xmlns:a="http://schemas.openxmlformats.org/drawingml/2006/main" xmlns:p="http://schemas.openxmlformats.org/presentationml/2006/main" xmlns:r="http://schemas.openxmlformats.org/officeDocument/2006/relationships">
+  <p:cSld>
+    <p:spTree>
+      <p:nvGrpSpPr>
+        <p:cNvPr id="1" name=""/>
+        <p:cNvGrpSpPr/>
+        <p:nvPr/>
+      </p:nvGrpSpPr>
+      <p:grpSpPr/>
+      <p:pic>
+        <p:nvPicPr>
+          <p:cNvPr id="2" name="Picture 1" descr="Layers.png"/>
+          <p:cNvPicPr>
+            <a:picLocks noChangeAspect="1"/>
+          </p:cNvPicPr>
+          <p:nvPr/>
+        </p:nvPicPr>
+        <p:blipFill>
+          <a:blip r:embed="rId2"/>
+          <a:stretch>
+            <a:fillRect/>
+          </a:stretch>
+        </p:blipFill>
+        <p:spPr>
+          <a:xfrm>
+            <a:off x="-1417320" y="-4480560"/>
+            <a:ext cx="11612880" cy="11612880"/>
+          </a:xfrm>
+          <a:prstGeom prst="rect">
+            <a:avLst/>
+          </a:prstGeom>
+        </p:spPr>
+      </p:pic>
+    </p:spTree>
+  </p:cSld>
+  <p:clrMapOvr>
+    <a:masterClrMapping/>
+  </p:clrMapOvr>
+</p:sld>
+</file>
+
+<file path=ppt/slides/slide13.xml><?xml version="1.0" encoding="utf-8"?>
+<p:sld xmlns:a="http://schemas.openxmlformats.org/drawingml/2006/main" xmlns:p="http://schemas.openxmlformats.org/presentationml/2006/main" xmlns:r="http://schemas.openxmlformats.org/officeDocument/2006/relationships">
+  <p:cSld>
+    <p:spTree>
+      <p:nvGrpSpPr>
+        <p:cNvPr id="1" name=""/>
+        <p:cNvGrpSpPr/>
+        <p:nvPr/>
+      </p:nvGrpSpPr>
+      <p:grpSpPr/>
+      <p:pic>
+        <p:nvPicPr>
+          <p:cNvPr id="2" name="Picture 1" descr="Layers.png"/>
+          <p:cNvPicPr>
+            <a:picLocks noChangeAspect="1"/>
+          </p:cNvPicPr>
+          <p:nvPr/>
+        </p:nvPicPr>
+        <p:blipFill>
+          <a:blip r:embed="rId2"/>
+          <a:stretch>
+            <a:fillRect/>
+          </a:stretch>
+        </p:blipFill>
+        <p:spPr>
+          <a:xfrm>
+            <a:off x="-1417320" y="-4480560"/>
+            <a:ext cx="11612880" cy="11612880"/>
+          </a:xfrm>
+          <a:prstGeom prst="rect">
+            <a:avLst/>
+          </a:prstGeom>
+        </p:spPr>
+      </p:pic>
+    </p:spTree>
+  </p:cSld>
+  <p:clrMapOvr>
+    <a:masterClrMapping/>
+  </p:clrMapOvr>
+</p:sld>
+</file>
+
+<file path=ppt/slides/slide14.xml><?xml version="1.0" encoding="utf-8"?>
+<p:sld xmlns:a="http://schemas.openxmlformats.org/drawingml/2006/main" xmlns:p="http://schemas.openxmlformats.org/presentationml/2006/main" xmlns:r="http://schemas.openxmlformats.org/officeDocument/2006/relationships">
+  <p:cSld>
+    <p:spTree>
+      <p:nvGrpSpPr>
+        <p:cNvPr id="1" name=""/>
+        <p:cNvGrpSpPr/>
+        <p:nvPr/>
+      </p:nvGrpSpPr>
+      <p:grpSpPr/>
+      <p:pic>
+        <p:nvPicPr>
+          <p:cNvPr id="2" name="Picture 1" descr="Layers.png"/>
+          <p:cNvPicPr>
+            <a:picLocks noChangeAspect="1"/>
+          </p:cNvPicPr>
+          <p:nvPr/>
+        </p:nvPicPr>
+        <p:blipFill>
+          <a:blip r:embed="rId2"/>
+          <a:stretch>
+            <a:fillRect/>
+          </a:stretch>
+        </p:blipFill>
+        <p:spPr>
+          <a:xfrm>
+            <a:off x="-1417320" y="-4480560"/>
+            <a:ext cx="11612880" cy="11612880"/>
+          </a:xfrm>
+          <a:prstGeom prst="rect">
+            <a:avLst/>
+          </a:prstGeom>
+        </p:spPr>
+      </p:pic>
+    </p:spTree>
+  </p:cSld>
+  <p:clrMapOvr>
+    <a:masterClrMapping/>
+  </p:clrMapOvr>
+</p:sld>
+</file>
+
+<file path=ppt/slides/slide15.xml><?xml version="1.0" encoding="utf-8"?>
+<p:sld xmlns:a="http://schemas.openxmlformats.org/drawingml/2006/main" xmlns:p="http://schemas.openxmlformats.org/presentationml/2006/main" xmlns:r="http://schemas.openxmlformats.org/officeDocument/2006/relationships">
+  <p:cSld>
+    <p:spTree>
+      <p:nvGrpSpPr>
+        <p:cNvPr id="1" name=""/>
+        <p:cNvGrpSpPr/>
+        <p:nvPr/>
+      </p:nvGrpSpPr>
+      <p:grpSpPr/>
+      <p:pic>
+        <p:nvPicPr>
+          <p:cNvPr id="2" name="Picture 1" descr="Layers.png"/>
+          <p:cNvPicPr>
+            <a:picLocks noChangeAspect="1"/>
+          </p:cNvPicPr>
+          <p:nvPr/>
+        </p:nvPicPr>
+        <p:blipFill>
+          <a:blip r:embed="rId2"/>
+          <a:stretch>
+            <a:fillRect/>
+          </a:stretch>
+        </p:blipFill>
+        <p:spPr>
+          <a:xfrm>
+            <a:off x="-1417320" y="-4480560"/>
+            <a:ext cx="11612880" cy="11612880"/>
+          </a:xfrm>
+          <a:prstGeom prst="rect">
+            <a:avLst/>
+          </a:prstGeom>
+        </p:spPr>
+      </p:pic>
+    </p:spTree>
+  </p:cSld>
+  <p:clrMapOvr>
+    <a:masterClrMapping/>
+  </p:clrMapOvr>
+</p:sld>
+</file>
+
+<file path=ppt/slides/slide16.xml><?xml version="1.0" encoding="utf-8"?>
+<p:sld xmlns:a="http://schemas.openxmlformats.org/drawingml/2006/main" xmlns:p="http://schemas.openxmlformats.org/presentationml/2006/main" xmlns:r="http://schemas.openxmlformats.org/officeDocument/2006/relationships">
+  <p:cSld>
+    <p:spTree>
+      <p:nvGrpSpPr>
+        <p:cNvPr id="1" name=""/>
+        <p:cNvGrpSpPr/>
+        <p:nvPr/>
+      </p:nvGrpSpPr>
+      <p:grpSpPr/>
+      <p:pic>
+        <p:nvPicPr>
+          <p:cNvPr id="2" name="Picture 1" descr="Layers.png"/>
+          <p:cNvPicPr>
+            <a:picLocks noChangeAspect="1"/>
+          </p:cNvPicPr>
+          <p:nvPr/>
+        </p:nvPicPr>
+        <p:blipFill>
+          <a:blip r:embed="rId2"/>
+          <a:stretch>
+            <a:fillRect/>
+          </a:stretch>
+        </p:blipFill>
+        <p:spPr>
+          <a:xfrm>
+            <a:off x="-1417320" y="-4480560"/>
+            <a:ext cx="11612880" cy="11612880"/>
+          </a:xfrm>
+          <a:prstGeom prst="rect">
+            <a:avLst/>
+          </a:prstGeom>
+        </p:spPr>
+      </p:pic>
+    </p:spTree>
+  </p:cSld>
+  <p:clrMapOvr>
+    <a:masterClrMapping/>
+  </p:clrMapOvr>
+</p:sld>
+</file>
+
+<file path=ppt/slides/slide17.xml><?xml version="1.0" encoding="utf-8"?>
+<p:sld xmlns:a="http://schemas.openxmlformats.org/drawingml/2006/main" xmlns:p="http://schemas.openxmlformats.org/presentationml/2006/main" xmlns:r="http://schemas.openxmlformats.org/officeDocument/2006/relationships">
+  <p:cSld>
+    <p:spTree>
+      <p:nvGrpSpPr>
+        <p:cNvPr id="1" name=""/>
+        <p:cNvGrpSpPr/>
+        <p:nvPr/>
+      </p:nvGrpSpPr>
+      <p:grpSpPr/>
+      <p:pic>
+        <p:nvPicPr>
+          <p:cNvPr id="2" name="Picture 1" descr="Layers.png"/>
+          <p:cNvPicPr>
+            <a:picLocks noChangeAspect="1"/>
+          </p:cNvPicPr>
+          <p:nvPr/>
+        </p:nvPicPr>
+        <p:blipFill>
+          <a:blip r:embed="rId2"/>
+          <a:stretch>
+            <a:fillRect/>
+          </a:stretch>
+        </p:blipFill>
+        <p:spPr>
+          <a:xfrm>
+            <a:off x="-1417320" y="-4480560"/>
+            <a:ext cx="11612880" cy="11612880"/>
+          </a:xfrm>
+          <a:prstGeom prst="rect">
+            <a:avLst/>
+          </a:prstGeom>
+        </p:spPr>
+      </p:pic>
+    </p:spTree>
+  </p:cSld>
+  <p:clrMapOvr>
+    <a:masterClrMapping/>
+  </p:clrMapOvr>
+</p:sld>
+</file>
+
+<file path=ppt/slides/slide18.xml><?xml version="1.0" encoding="utf-8"?>
+<p:sld xmlns:a="http://schemas.openxmlformats.org/drawingml/2006/main" xmlns:p="http://schemas.openxmlformats.org/presentationml/2006/main" xmlns:r="http://schemas.openxmlformats.org/officeDocument/2006/relationships">
+  <p:cSld>
+    <p:spTree>
+      <p:nvGrpSpPr>
+        <p:cNvPr id="1" name=""/>
+        <p:cNvGrpSpPr/>
+        <p:nvPr/>
+      </p:nvGrpSpPr>
+      <p:grpSpPr/>
+      <p:pic>
+        <p:nvPicPr>
+          <p:cNvPr id="2" name="Picture 1" descr="Layers.png"/>
+          <p:cNvPicPr>
+            <a:picLocks noChangeAspect="1"/>
+          </p:cNvPicPr>
+          <p:nvPr/>
+        </p:nvPicPr>
+        <p:blipFill>
+          <a:blip r:embed="rId2"/>
+          <a:stretch>
+            <a:fillRect/>
+          </a:stretch>
+        </p:blipFill>
+        <p:spPr>
+          <a:xfrm>
+            <a:off x="-1417320" y="-4480560"/>
+            <a:ext cx="11612880" cy="11612880"/>
+          </a:xfrm>
+          <a:prstGeom prst="rect">
+            <a:avLst/>
+          </a:prstGeom>
+        </p:spPr>
+      </p:pic>
+    </p:spTree>
+  </p:cSld>
+  <p:clrMapOvr>
+    <a:masterClrMapping/>
+  </p:clrMapOvr>
+</p:sld>
+</file>
+
+<file path=ppt/slides/slide19.xml><?xml version="1.0" encoding="utf-8"?>
+<p:sld xmlns:a="http://schemas.openxmlformats.org/drawingml/2006/main" xmlns:p="http://schemas.openxmlformats.org/presentationml/2006/main" xmlns:r="http://schemas.openxmlformats.org/officeDocument/2006/relationships">
+  <p:cSld>
+    <p:spTree>
+      <p:nvGrpSpPr>
+        <p:cNvPr id="1" name=""/>
+        <p:cNvGrpSpPr/>
+        <p:nvPr/>
+      </p:nvGrpSpPr>
+      <p:grpSpPr/>
+      <p:pic>
+        <p:nvPicPr>
+          <p:cNvPr id="2" name="Picture 1" descr="Layers.png"/>
+          <p:cNvPicPr>
+            <a:picLocks noChangeAspect="1"/>
+          </p:cNvPicPr>
+          <p:nvPr/>
+        </p:nvPicPr>
+        <p:blipFill>
+          <a:blip r:embed="rId2"/>
+          <a:stretch>
+            <a:fillRect/>
+          </a:stretch>
+        </p:blipFill>
+        <p:spPr>
+          <a:xfrm>
+            <a:off x="-1417320" y="-4480560"/>
+            <a:ext cx="11612880" cy="11612880"/>
+          </a:xfrm>
+          <a:prstGeom prst="rect">
+            <a:avLst/>
+          </a:prstGeom>
+        </p:spPr>
+      </p:pic>
+    </p:spTree>
+  </p:cSld>
+  <p:clrMapOvr>
+    <a:masterClrMapping/>
+  </p:clrMapOvr>
+</p:sld>
+</file>
+
 <file path=ppt/slides/slide2.xml><?xml version="1.0" encoding="utf-8"?>
+<p:sld xmlns:a="http://schemas.openxmlformats.org/drawingml/2006/main" xmlns:p="http://schemas.openxmlformats.org/presentationml/2006/main" xmlns:r="http://schemas.openxmlformats.org/officeDocument/2006/relationships">
+  <p:cSld>
+    <p:spTree>
+      <p:nvGrpSpPr>
+        <p:cNvPr id="1" name=""/>
+        <p:cNvGrpSpPr/>
+        <p:nvPr/>
+      </p:nvGrpSpPr>
+      <p:grpSpPr/>
+      <p:pic>
+        <p:nvPicPr>
+          <p:cNvPr id="2" name="Picture 1" descr="Layers.png"/>
+          <p:cNvPicPr>
+            <a:picLocks noChangeAspect="1"/>
+          </p:cNvPicPr>
+          <p:nvPr/>
+        </p:nvPicPr>
+        <p:blipFill>
+          <a:blip r:embed="rId2"/>
+          <a:stretch>
+            <a:fillRect/>
+          </a:stretch>
+        </p:blipFill>
+        <p:spPr>
+          <a:xfrm>
+            <a:off x="-1417320" y="-4480560"/>
+            <a:ext cx="11612880" cy="11612880"/>
+          </a:xfrm>
+          <a:prstGeom prst="rect">
+            <a:avLst/>
+          </a:prstGeom>
+        </p:spPr>
+      </p:pic>
+    </p:spTree>
+  </p:cSld>
+  <p:clrMapOvr>
+    <a:masterClrMapping/>
+  </p:clrMapOvr>
+</p:sld>
+</file>
+
+<file path=ppt/slides/slide20.xml><?xml version="1.0" encoding="utf-8"?>
+<p:sld xmlns:a="http://schemas.openxmlformats.org/drawingml/2006/main" xmlns:p="http://schemas.openxmlformats.org/presentationml/2006/main" xmlns:r="http://schemas.openxmlformats.org/officeDocument/2006/relationships">
+  <p:cSld>
+    <p:spTree>
+      <p:nvGrpSpPr>
+        <p:cNvPr id="1" name=""/>
+        <p:cNvGrpSpPr/>
+        <p:nvPr/>
+      </p:nvGrpSpPr>
+      <p:grpSpPr/>
+      <p:pic>
+        <p:nvPicPr>
+          <p:cNvPr id="2" name="Picture 1" descr="Layers.png"/>
+          <p:cNvPicPr>
+            <a:picLocks noChangeAspect="1"/>
+          </p:cNvPicPr>
+          <p:nvPr/>
+        </p:nvPicPr>
+        <p:blipFill>
+          <a:blip r:embed="rId2"/>
+          <a:stretch>
+            <a:fillRect/>
+          </a:stretch>
+        </p:blipFill>
+        <p:spPr>
+          <a:xfrm>
+            <a:off x="-1417320" y="-4480560"/>
+            <a:ext cx="11612880" cy="11612880"/>
+          </a:xfrm>
+          <a:prstGeom prst="rect">
+            <a:avLst/>
+          </a:prstGeom>
+        </p:spPr>
+      </p:pic>
+    </p:spTree>
+  </p:cSld>
+  <p:clrMapOvr>
+    <a:masterClrMapping/>
+  </p:clrMapOvr>
+</p:sld>
+</file>
+
+<file path=ppt/slides/slide21.xml><?xml version="1.0" encoding="utf-8"?>
+<p:sld xmlns:a="http://schemas.openxmlformats.org/drawingml/2006/main" xmlns:p="http://schemas.openxmlformats.org/presentationml/2006/main" xmlns:r="http://schemas.openxmlformats.org/officeDocument/2006/relationships">
+  <p:cSld>
+    <p:spTree>
+      <p:nvGrpSpPr>
+        <p:cNvPr id="1" name=""/>
+        <p:cNvGrpSpPr/>
+        <p:nvPr/>
+      </p:nvGrpSpPr>
+      <p:grpSpPr/>
+      <p:pic>
+        <p:nvPicPr>
+          <p:cNvPr id="2" name="Picture 1" descr="Layers.png"/>
+          <p:cNvPicPr>
+            <a:picLocks noChangeAspect="1"/>
+          </p:cNvPicPr>
+          <p:nvPr/>
+        </p:nvPicPr>
+        <p:blipFill>
+          <a:blip r:embed="rId2"/>
+          <a:stretch>
+            <a:fillRect/>
+          </a:stretch>
+        </p:blipFill>
+        <p:spPr>
+          <a:xfrm>
+            <a:off x="-1417320" y="-4480560"/>
+            <a:ext cx="11612880" cy="11612880"/>
+          </a:xfrm>
+          <a:prstGeom prst="rect">
+            <a:avLst/>
+          </a:prstGeom>
+        </p:spPr>
+      </p:pic>
+    </p:spTree>
+  </p:cSld>
+  <p:clrMapOvr>
+    <a:masterClrMapping/>
+  </p:clrMapOvr>
+</p:sld>
+</file>
+
+<file path=ppt/slides/slide22.xml><?xml version="1.0" encoding="utf-8"?>
+<p:sld xmlns:a="http://schemas.openxmlformats.org/drawingml/2006/main" xmlns:p="http://schemas.openxmlformats.org/presentationml/2006/main" xmlns:r="http://schemas.openxmlformats.org/officeDocument/2006/relationships">
+  <p:cSld>
+    <p:spTree>
+      <p:nvGrpSpPr>
+        <p:cNvPr id="1" name=""/>
+        <p:cNvGrpSpPr/>
+        <p:nvPr/>
+      </p:nvGrpSpPr>
+      <p:grpSpPr/>
+      <p:pic>
+        <p:nvPicPr>
+          <p:cNvPr id="2" name="Picture 1" descr="Layers.png"/>
+          <p:cNvPicPr>
+            <a:picLocks noChangeAspect="1"/>
+          </p:cNvPicPr>
+          <p:nvPr/>
+        </p:nvPicPr>
+        <p:blipFill>
+          <a:blip r:embed="rId2"/>
+          <a:stretch>
+            <a:fillRect/>
+          </a:stretch>
+        </p:blipFill>
+        <p:spPr>
+          <a:xfrm>
+            <a:off x="-1417320" y="-4480560"/>
+            <a:ext cx="11612880" cy="11612880"/>
+          </a:xfrm>
+          <a:prstGeom prst="rect">
+            <a:avLst/>
+          </a:prstGeom>
+        </p:spPr>
+      </p:pic>
+    </p:spTree>
+  </p:cSld>
+  <p:clrMapOvr>
+    <a:masterClrMapping/>
+  </p:clrMapOvr>
+</p:sld>
+</file>
+
+<file path=ppt/slides/slide23.xml><?xml version="1.0" encoding="utf-8"?>
+<p:sld xmlns:a="http://schemas.openxmlformats.org/drawingml/2006/main" xmlns:p="http://schemas.openxmlformats.org/presentationml/2006/main" xmlns:r="http://schemas.openxmlformats.org/officeDocument/2006/relationships">
+  <p:cSld>
+    <p:spTree>
+      <p:nvGrpSpPr>
+        <p:cNvPr id="1" name=""/>
+        <p:cNvGrpSpPr/>
+        <p:nvPr/>
+      </p:nvGrpSpPr>
+      <p:grpSpPr/>
+      <p:pic>
+        <p:nvPicPr>
+          <p:cNvPr id="2" name="Picture 1" descr="Layers.png"/>
+          <p:cNvPicPr>
+            <a:picLocks noChangeAspect="1"/>
+          </p:cNvPicPr>
+          <p:nvPr/>
+        </p:nvPicPr>
+        <p:blipFill>
+          <a:blip r:embed="rId2"/>
+          <a:stretch>
+            <a:fillRect/>
+          </a:stretch>
+        </p:blipFill>
+        <p:spPr>
+          <a:xfrm>
+            <a:off x="-1417320" y="-4480560"/>
+            <a:ext cx="11612880" cy="11612880"/>
+          </a:xfrm>
+          <a:prstGeom prst="rect">
+            <a:avLst/>
+          </a:prstGeom>
+        </p:spPr>
+      </p:pic>
+    </p:spTree>
+  </p:cSld>
+  <p:clrMapOvr>
+    <a:masterClrMapping/>
+  </p:clrMapOvr>
+</p:sld>
+</file>
+
+<file path=ppt/slides/slide24.xml><?xml version="1.0" encoding="utf-8"?>
+<p:sld xmlns:a="http://schemas.openxmlformats.org/drawingml/2006/main" xmlns:p="http://schemas.openxmlformats.org/presentationml/2006/main" xmlns:r="http://schemas.openxmlformats.org/officeDocument/2006/relationships">
+  <p:cSld>
+    <p:spTree>
+      <p:nvGrpSpPr>
+        <p:cNvPr id="1" name=""/>
+        <p:cNvGrpSpPr/>
+        <p:nvPr/>
+      </p:nvGrpSpPr>
+      <p:grpSpPr/>
+      <p:pic>
+        <p:nvPicPr>
+          <p:cNvPr id="2" name="Picture 1" descr="Layers.png"/>
+          <p:cNvPicPr>
+            <a:picLocks noChangeAspect="1"/>
+          </p:cNvPicPr>
+          <p:nvPr/>
+        </p:nvPicPr>
+        <p:blipFill>
+          <a:blip r:embed="rId2"/>
+          <a:stretch>
+            <a:fillRect/>
+          </a:stretch>
+        </p:blipFill>
+        <p:spPr>
+          <a:xfrm>
+            <a:off x="-1417320" y="-4480560"/>
+            <a:ext cx="11612880" cy="11612880"/>
+          </a:xfrm>
+          <a:prstGeom prst="rect">
+            <a:avLst/>
+          </a:prstGeom>
+        </p:spPr>
+      </p:pic>
+    </p:spTree>
+  </p:cSld>
+  <p:clrMapOvr>
+    <a:masterClrMapping/>
+  </p:clrMapOvr>
+</p:sld>
+</file>
+
+<file path=ppt/slides/slide25.xml><?xml version="1.0" encoding="utf-8"?>
+<p:sld xmlns:a="http://schemas.openxmlformats.org/drawingml/2006/main" xmlns:p="http://schemas.openxmlformats.org/presentationml/2006/main" xmlns:r="http://schemas.openxmlformats.org/officeDocument/2006/relationships">
+  <p:cSld>
+    <p:spTree>
+      <p:nvGrpSpPr>
+        <p:cNvPr id="1" name=""/>
+        <p:cNvGrpSpPr/>
+        <p:nvPr/>
+      </p:nvGrpSpPr>
+      <p:grpSpPr/>
+      <p:pic>
+        <p:nvPicPr>
+          <p:cNvPr id="2" name="Picture 1" descr="Layers.png"/>
+          <p:cNvPicPr>
+            <a:picLocks noChangeAspect="1"/>
+          </p:cNvPicPr>
+          <p:nvPr/>
+        </p:nvPicPr>
+        <p:blipFill>
+          <a:blip r:embed="rId2"/>
+          <a:stretch>
+            <a:fillRect/>
+          </a:stretch>
+        </p:blipFill>
+        <p:spPr>
+          <a:xfrm>
+            <a:off x="-1417320" y="-4480560"/>
+            <a:ext cx="11612880" cy="11612880"/>
+          </a:xfrm>
+          <a:prstGeom prst="rect">
+            <a:avLst/>
+          </a:prstGeom>
+        </p:spPr>
+      </p:pic>
+    </p:spTree>
+  </p:cSld>
+  <p:clrMapOvr>
+    <a:masterClrMapping/>
+  </p:clrMapOvr>
+</p:sld>
+</file>
+
+<file path=ppt/slides/slide26.xml><?xml version="1.0" encoding="utf-8"?>
 <p:sld xmlns:a="http://schemas.openxmlformats.org/drawingml/2006/main" xmlns:p="http://schemas.openxmlformats.org/presentationml/2006/main" xmlns:r="http://schemas.openxmlformats.org/officeDocument/2006/relationships">
   <p:cSld>
     <p:spTree>
@@ -3251,6 +3986,174 @@
 </file>
 
 <file path=ppt/slides/slide5.xml><?xml version="1.0" encoding="utf-8"?>
+<p:sld xmlns:a="http://schemas.openxmlformats.org/drawingml/2006/main" xmlns:p="http://schemas.openxmlformats.org/presentationml/2006/main" xmlns:r="http://schemas.openxmlformats.org/officeDocument/2006/relationships">
+  <p:cSld>
+    <p:spTree>
+      <p:nvGrpSpPr>
+        <p:cNvPr id="1" name=""/>
+        <p:cNvGrpSpPr/>
+        <p:nvPr/>
+      </p:nvGrpSpPr>
+      <p:grpSpPr/>
+      <p:pic>
+        <p:nvPicPr>
+          <p:cNvPr id="2" name="Picture 1" descr="Layers.png"/>
+          <p:cNvPicPr>
+            <a:picLocks noChangeAspect="1"/>
+          </p:cNvPicPr>
+          <p:nvPr/>
+        </p:nvPicPr>
+        <p:blipFill>
+          <a:blip r:embed="rId2"/>
+          <a:stretch>
+            <a:fillRect/>
+          </a:stretch>
+        </p:blipFill>
+        <p:spPr>
+          <a:xfrm>
+            <a:off x="-1417320" y="-4480560"/>
+            <a:ext cx="11612880" cy="11612880"/>
+          </a:xfrm>
+          <a:prstGeom prst="rect">
+            <a:avLst/>
+          </a:prstGeom>
+        </p:spPr>
+      </p:pic>
+    </p:spTree>
+  </p:cSld>
+  <p:clrMapOvr>
+    <a:masterClrMapping/>
+  </p:clrMapOvr>
+</p:sld>
+</file>
+
+<file path=ppt/slides/slide6.xml><?xml version="1.0" encoding="utf-8"?>
+<p:sld xmlns:a="http://schemas.openxmlformats.org/drawingml/2006/main" xmlns:p="http://schemas.openxmlformats.org/presentationml/2006/main" xmlns:r="http://schemas.openxmlformats.org/officeDocument/2006/relationships">
+  <p:cSld>
+    <p:spTree>
+      <p:nvGrpSpPr>
+        <p:cNvPr id="1" name=""/>
+        <p:cNvGrpSpPr/>
+        <p:nvPr/>
+      </p:nvGrpSpPr>
+      <p:grpSpPr/>
+      <p:pic>
+        <p:nvPicPr>
+          <p:cNvPr id="2" name="Picture 1" descr="Layers.png"/>
+          <p:cNvPicPr>
+            <a:picLocks noChangeAspect="1"/>
+          </p:cNvPicPr>
+          <p:nvPr/>
+        </p:nvPicPr>
+        <p:blipFill>
+          <a:blip r:embed="rId2"/>
+          <a:stretch>
+            <a:fillRect/>
+          </a:stretch>
+        </p:blipFill>
+        <p:spPr>
+          <a:xfrm>
+            <a:off x="-1417320" y="-4480560"/>
+            <a:ext cx="11612880" cy="11612880"/>
+          </a:xfrm>
+          <a:prstGeom prst="rect">
+            <a:avLst/>
+          </a:prstGeom>
+        </p:spPr>
+      </p:pic>
+    </p:spTree>
+  </p:cSld>
+  <p:clrMapOvr>
+    <a:masterClrMapping/>
+  </p:clrMapOvr>
+</p:sld>
+</file>
+
+<file path=ppt/slides/slide7.xml><?xml version="1.0" encoding="utf-8"?>
+<p:sld xmlns:a="http://schemas.openxmlformats.org/drawingml/2006/main" xmlns:p="http://schemas.openxmlformats.org/presentationml/2006/main" xmlns:r="http://schemas.openxmlformats.org/officeDocument/2006/relationships">
+  <p:cSld>
+    <p:spTree>
+      <p:nvGrpSpPr>
+        <p:cNvPr id="1" name=""/>
+        <p:cNvGrpSpPr/>
+        <p:nvPr/>
+      </p:nvGrpSpPr>
+      <p:grpSpPr/>
+      <p:pic>
+        <p:nvPicPr>
+          <p:cNvPr id="2" name="Picture 1" descr="Layers.png"/>
+          <p:cNvPicPr>
+            <a:picLocks noChangeAspect="1"/>
+          </p:cNvPicPr>
+          <p:nvPr/>
+        </p:nvPicPr>
+        <p:blipFill>
+          <a:blip r:embed="rId2"/>
+          <a:stretch>
+            <a:fillRect/>
+          </a:stretch>
+        </p:blipFill>
+        <p:spPr>
+          <a:xfrm>
+            <a:off x="-1417320" y="-4480560"/>
+            <a:ext cx="11612880" cy="11612880"/>
+          </a:xfrm>
+          <a:prstGeom prst="rect">
+            <a:avLst/>
+          </a:prstGeom>
+        </p:spPr>
+      </p:pic>
+    </p:spTree>
+  </p:cSld>
+  <p:clrMapOvr>
+    <a:masterClrMapping/>
+  </p:clrMapOvr>
+</p:sld>
+</file>
+
+<file path=ppt/slides/slide8.xml><?xml version="1.0" encoding="utf-8"?>
+<p:sld xmlns:a="http://schemas.openxmlformats.org/drawingml/2006/main" xmlns:p="http://schemas.openxmlformats.org/presentationml/2006/main" xmlns:r="http://schemas.openxmlformats.org/officeDocument/2006/relationships">
+  <p:cSld>
+    <p:spTree>
+      <p:nvGrpSpPr>
+        <p:cNvPr id="1" name=""/>
+        <p:cNvGrpSpPr/>
+        <p:nvPr/>
+      </p:nvGrpSpPr>
+      <p:grpSpPr/>
+      <p:pic>
+        <p:nvPicPr>
+          <p:cNvPr id="2" name="Picture 1" descr="Layers.png"/>
+          <p:cNvPicPr>
+            <a:picLocks noChangeAspect="1"/>
+          </p:cNvPicPr>
+          <p:nvPr/>
+        </p:nvPicPr>
+        <p:blipFill>
+          <a:blip r:embed="rId2"/>
+          <a:stretch>
+            <a:fillRect/>
+          </a:stretch>
+        </p:blipFill>
+        <p:spPr>
+          <a:xfrm>
+            <a:off x="-1417320" y="-4480560"/>
+            <a:ext cx="11612880" cy="11612880"/>
+          </a:xfrm>
+          <a:prstGeom prst="rect">
+            <a:avLst/>
+          </a:prstGeom>
+        </p:spPr>
+      </p:pic>
+    </p:spTree>
+  </p:cSld>
+  <p:clrMapOvr>
+    <a:masterClrMapping/>
+  </p:clrMapOvr>
+</p:sld>
+</file>
+
+<file path=ppt/slides/slide9.xml><?xml version="1.0" encoding="utf-8"?>
 <p:sld xmlns:a="http://schemas.openxmlformats.org/drawingml/2006/main" xmlns:p="http://schemas.openxmlformats.org/presentationml/2006/main" xmlns:r="http://schemas.openxmlformats.org/officeDocument/2006/relationships">
   <p:cSld>
     <p:spTree>
